--- a/English/1.Importation techniques/1.Import data from sql server.pptx
+++ b/English/1.Importation techniques/1.Import data from sql server.pptx
@@ -28,7 +28,7 @@
   <p:notesSz cx="6858000" cy="9144000"/>
   <p:defaultTextStyle>
     <a:defPPr>
-      <a:defRPr lang="en-US"/>
+      <a:defRPr lang="en"/>
     </a:defPPr>
     <a:lvl1pPr marL="0" algn="l" defTabSz="914400" rtl="0" eaLnBrk="1" latinLnBrk="0" hangingPunct="1">
       <a:defRPr sz="1800" kern="1200">
@@ -211,7 +211,7 @@
           <a:p>
             <a:fld id="{056BA3B8-9F76-4D81-B71D-76CB85363062}" type="datetimeFigureOut">
               <a:rPr lang="en-US" smtClean="0"/>
-              <a:t>12/28/2024</a:t>
+              <a:t>2/25/2025</a:t>
             </a:fld>
             <a:endParaRPr lang="en-US"/>
           </a:p>
@@ -607,28 +607,28 @@
           <a:bodyPr/>
           <a:lstStyle/>
           <a:p>
-            <a:r>
-              <a:rPr lang="fr-FR" b="1" dirty="0" smtClean="0"/>
-              <a:t>Script</a:t>
-            </a:r>
-            <a:r>
-              <a:rPr lang="fr-FR" b="1" baseline="0" dirty="0" smtClean="0"/>
-              <a:t> to </a:t>
-            </a:r>
-            <a:r>
-              <a:rPr lang="fr-FR" b="1" baseline="0" dirty="0" err="1" smtClean="0"/>
-              <a:t>generate</a:t>
-            </a:r>
-            <a:r>
-              <a:rPr lang="fr-FR" b="1" baseline="0" dirty="0" smtClean="0"/>
-              <a:t> Date table:</a:t>
+            <a:r xmlns:a="http://schemas.openxmlformats.org/drawingml/2006/main">
+              <a:rPr lang="en" b="1" dirty="0" smtClean="0"/>
+              <a:t>Script </a:t>
+            </a:r>
+            <a:r xmlns:a="http://schemas.openxmlformats.org/drawingml/2006/main">
+              <a:rPr lang="en" b="1" baseline="0" dirty="0" smtClean="0"/>
+              <a:t>to </a:t>
+            </a:r>
+            <a:r xmlns:a="http://schemas.openxmlformats.org/drawingml/2006/main">
+              <a:rPr lang="en" b="1" baseline="0" dirty="0" err="1" smtClean="0"/>
+              <a:t>generate </a:t>
+            </a:r>
+            <a:r xmlns:a="http://schemas.openxmlformats.org/drawingml/2006/main">
+              <a:rPr lang="en" b="1" baseline="0" dirty="0" smtClean="0"/>
+              <a:t>Date table:</a:t>
             </a:r>
           </a:p>
           <a:p>
             <a:endParaRPr lang="fr-FR" b="1" baseline="0" dirty="0" smtClean="0"/>
           </a:p>
           <a:p>
-            <a:pPr marL="0" marR="0" lvl="0" indent="0" algn="l" defTabSz="914400" rtl="0" eaLnBrk="1" fontAlgn="auto" latinLnBrk="0" hangingPunct="1">
+            <a:pPr xmlns:a="http://schemas.openxmlformats.org/drawingml/2006/main" marL="0" marR="0" lvl="0" indent="0" algn="l" defTabSz="914400" rtl="0" eaLnBrk="1" fontAlgn="auto" latinLnBrk="0" hangingPunct="1">
               <a:lnSpc>
                 <a:spcPct val="100000"/>
               </a:lnSpc>
@@ -645,20 +645,20 @@
               <a:tabLst/>
               <a:defRPr/>
             </a:pPr>
-            <a:r>
-              <a:rPr lang="en-US" dirty="0" err="1" smtClean="0"/>
-              <a:t>DateTable</a:t>
-            </a:r>
-            <a:r>
-              <a:rPr lang="en-US" dirty="0" smtClean="0"/>
-              <a:t> = ADDCOLUMNS ( CALENDAR ( DATE ( 2020, 1, 1 ), DATE ( 2030, 12, 31 ) ), "Year", YEAR ( [Date] ), "Month", MONTH ( [Date] ), "Day", DAY ( [Date] ), "Month Name", FORMAT ( [Date], "</a:t>
-            </a:r>
-            <a:r>
-              <a:rPr lang="en-US" dirty="0" err="1" smtClean="0"/>
-              <a:t>mmmm</a:t>
-            </a:r>
-            <a:r>
-              <a:rPr lang="en-US" dirty="0" smtClean="0"/>
+            <a:r xmlns:a="http://schemas.openxmlformats.org/drawingml/2006/main">
+              <a:rPr lang="en" dirty="0" err="1" smtClean="0"/>
+              <a:t>DateTable </a:t>
+            </a:r>
+            <a:r xmlns:a="http://schemas.openxmlformats.org/drawingml/2006/main">
+              <a:rPr lang="en" dirty="0" smtClean="0"/>
+              <a:t>= ADDCOLUMNS ( CALENDAR ( DATE ( 2020, 1, 1 ), DATE ( 2030, 12, 31 ) ), "Year", YEAR ( [Date] ), "Month", MONTH ( [Date] ), "Day", DAY ( [Date] ), "Month Name", FORMAT ( [Date], " </a:t>
+            </a:r>
+            <a:r xmlns:a="http://schemas.openxmlformats.org/drawingml/2006/main">
+              <a:rPr lang="en" dirty="0" err="1" smtClean="0"/>
+              <a:t>mmmm </a:t>
+            </a:r>
+            <a:r xmlns:a="http://schemas.openxmlformats.org/drawingml/2006/main">
+              <a:rPr lang="en" dirty="0" smtClean="0"/>
               <a:t>" ), "Quarter", "Q" &amp; FORMAT ( [Date], "Q" ) )</a:t>
             </a:r>
           </a:p>
@@ -683,7 +683,7 @@
             <a:endParaRPr lang="fr-FR" dirty="0" smtClean="0"/>
           </a:p>
           <a:p>
-            <a:pPr marL="0" marR="0" lvl="0" indent="0" algn="l" defTabSz="914400" rtl="0" eaLnBrk="1" fontAlgn="auto" latinLnBrk="0" hangingPunct="1">
+            <a:pPr xmlns:a="http://schemas.openxmlformats.org/drawingml/2006/main" marL="0" marR="0" lvl="0" indent="0" algn="l" defTabSz="914400" rtl="0" eaLnBrk="1" fontAlgn="auto" latinLnBrk="0" hangingPunct="1">
               <a:lnSpc>
                 <a:spcPct val="100000"/>
               </a:lnSpc>
@@ -700,9 +700,9 @@
               <a:tabLst/>
               <a:defRPr/>
             </a:pPr>
-            <a:r>
-              <a:rPr lang="fr-FR" b="1" dirty="0" smtClean="0"/>
-              <a:t>Exemple 2: </a:t>
+            <a:r xmlns:a="http://schemas.openxmlformats.org/drawingml/2006/main">
+              <a:rPr lang="en" b="1" dirty="0" smtClean="0"/>
+              <a:t>Example 2:</a:t>
             </a:r>
           </a:p>
           <a:p>
@@ -726,8 +726,8 @@
             <a:endParaRPr lang="fr-FR" dirty="0" smtClean="0"/>
           </a:p>
           <a:p>
-            <a:r>
-              <a:rPr lang="en-US" sz="1200" b="0" kern="1200" dirty="0" err="1" smtClean="0">
+            <a:r xmlns:a="http://schemas.openxmlformats.org/drawingml/2006/main">
+              <a:rPr lang="en" sz="1200" b="0" kern="1200" dirty="0" err="1" smtClean="0">
                 <a:solidFill>
                   <a:schemeClr val="tx1"/>
                 </a:solidFill>
@@ -736,10 +736,10 @@
                 <a:ea typeface="+mn-ea"/>
                 <a:cs typeface="+mn-cs"/>
               </a:rPr>
-              <a:t>DimDate</a:t>
-            </a:r>
-            <a:r>
-              <a:rPr lang="en-US" sz="1200" b="0" kern="1200" dirty="0" smtClean="0">
+              <a:t>DimDate </a:t>
+            </a:r>
+            <a:r xmlns:a="http://schemas.openxmlformats.org/drawingml/2006/main">
+              <a:rPr lang="en" sz="1200" b="0" kern="1200" dirty="0" smtClean="0">
                 <a:solidFill>
                   <a:schemeClr val="tx1"/>
                 </a:solidFill>
@@ -748,12 +748,12 @@
                 <a:ea typeface="+mn-ea"/>
                 <a:cs typeface="+mn-cs"/>
               </a:rPr>
-              <a:t> = </a:t>
-            </a:r>
-          </a:p>
-          <a:p>
-            <a:r>
-              <a:rPr lang="en-US" sz="1200" b="0" kern="1200" dirty="0" smtClean="0">
+              <a:t>=</a:t>
+            </a:r>
+          </a:p>
+          <a:p>
+            <a:r xmlns:a="http://schemas.openxmlformats.org/drawingml/2006/main">
+              <a:rPr lang="en" sz="1200" b="0" kern="1200" dirty="0" smtClean="0">
                 <a:solidFill>
                   <a:schemeClr val="tx1"/>
                 </a:solidFill>
@@ -762,12 +762,12 @@
                 <a:ea typeface="+mn-ea"/>
                 <a:cs typeface="+mn-cs"/>
               </a:rPr>
-              <a:t>ADDCOLUMNS ( </a:t>
-            </a:r>
-          </a:p>
-          <a:p>
-            <a:r>
-              <a:rPr lang="en-US" sz="1200" b="0" kern="1200" dirty="0" smtClean="0">
+              <a:t>ADDCOLUMNS (</a:t>
+            </a:r>
+          </a:p>
+          <a:p>
+            <a:r xmlns:a="http://schemas.openxmlformats.org/drawingml/2006/main">
+              <a:rPr lang="en" sz="1200" b="0" kern="1200" dirty="0" smtClean="0">
                 <a:solidFill>
                   <a:schemeClr val="tx1"/>
                 </a:solidFill>
@@ -776,12 +776,12 @@
                 <a:ea typeface="+mn-ea"/>
                 <a:cs typeface="+mn-cs"/>
               </a:rPr>
-              <a:t>    CALENDAR (</a:t>
-            </a:r>
-          </a:p>
-          <a:p>
-            <a:r>
-              <a:rPr lang="en-US" sz="1200" b="0" kern="1200" dirty="0" smtClean="0">
+              <a:t>CALENDAR (</a:t>
+            </a:r>
+          </a:p>
+          <a:p>
+            <a:r xmlns:a="http://schemas.openxmlformats.org/drawingml/2006/main">
+              <a:rPr lang="en" sz="1200" b="0" kern="1200" dirty="0" smtClean="0">
                 <a:solidFill>
                   <a:schemeClr val="tx1"/>
                 </a:solidFill>
@@ -790,10 +790,10 @@
                 <a:ea typeface="+mn-ea"/>
                 <a:cs typeface="+mn-cs"/>
               </a:rPr>
-              <a:t>        DATE ( MIN ( </a:t>
-            </a:r>
-            <a:r>
-              <a:rPr lang="en-US" sz="1200" b="0" kern="1200" dirty="0" err="1" smtClean="0">
+              <a:t>DATE(MIN( </a:t>
+            </a:r>
+            <a:r xmlns:a="http://schemas.openxmlformats.org/drawingml/2006/main">
+              <a:rPr lang="en" sz="1200" b="0" kern="1200" dirty="0" err="1" smtClean="0">
                 <a:solidFill>
                   <a:schemeClr val="tx1"/>
                 </a:solidFill>
@@ -802,10 +802,10 @@
                 <a:ea typeface="+mn-ea"/>
                 <a:cs typeface="+mn-cs"/>
               </a:rPr>
-              <a:t>FactSales</a:t>
-            </a:r>
-            <a:r>
-              <a:rPr lang="en-US" sz="1200" b="0" kern="1200" dirty="0" smtClean="0">
+              <a:t>FactSales </a:t>
+            </a:r>
+            <a:r xmlns:a="http://schemas.openxmlformats.org/drawingml/2006/main">
+              <a:rPr lang="en" sz="1200" b="0" kern="1200" dirty="0" smtClean="0">
                 <a:solidFill>
                   <a:schemeClr val="tx1"/>
                 </a:solidFill>
@@ -814,10 +814,10 @@
                 <a:ea typeface="+mn-ea"/>
                 <a:cs typeface="+mn-cs"/>
               </a:rPr>
-              <a:t>[</a:t>
-            </a:r>
-            <a:r>
-              <a:rPr lang="en-US" sz="1200" b="0" kern="1200" dirty="0" err="1" smtClean="0">
+              <a:t>[ </a:t>
+            </a:r>
+            <a:r xmlns:a="http://schemas.openxmlformats.org/drawingml/2006/main">
+              <a:rPr lang="en" sz="1200" b="0" kern="1200" dirty="0" err="1" smtClean="0">
                 <a:solidFill>
                   <a:schemeClr val="tx1"/>
                 </a:solidFill>
@@ -826,10 +826,10 @@
                 <a:ea typeface="+mn-ea"/>
                 <a:cs typeface="+mn-cs"/>
               </a:rPr>
-              <a:t>DateKey</a:t>
-            </a:r>
-            <a:r>
-              <a:rPr lang="en-US" sz="1200" b="0" kern="1200" dirty="0" smtClean="0">
+              <a:t>DateKey </a:t>
+            </a:r>
+            <a:r xmlns:a="http://schemas.openxmlformats.org/drawingml/2006/main">
+              <a:rPr lang="en" sz="1200" b="0" kern="1200" dirty="0" smtClean="0">
                 <a:solidFill>
                   <a:schemeClr val="tx1"/>
                 </a:solidFill>
@@ -838,12 +838,12 @@
                 <a:ea typeface="+mn-ea"/>
                 <a:cs typeface="+mn-cs"/>
               </a:rPr>
-              <a:t>] ), 1, 1 ), </a:t>
-            </a:r>
-          </a:p>
-          <a:p>
-            <a:r>
-              <a:rPr lang="en-US" sz="1200" b="0" kern="1200" dirty="0" smtClean="0">
+              <a:t>]), 1, 1),</a:t>
+            </a:r>
+          </a:p>
+          <a:p>
+            <a:r xmlns:a="http://schemas.openxmlformats.org/drawingml/2006/main">
+              <a:rPr lang="en" sz="1200" b="0" kern="1200" dirty="0" smtClean="0">
                 <a:solidFill>
                   <a:schemeClr val="tx1"/>
                 </a:solidFill>
@@ -852,10 +852,10 @@
                 <a:ea typeface="+mn-ea"/>
                 <a:cs typeface="+mn-cs"/>
               </a:rPr>
-              <a:t>        DATE ( MAX ( </a:t>
-            </a:r>
-            <a:r>
-              <a:rPr lang="en-US" sz="1200" b="0" kern="1200" dirty="0" err="1" smtClean="0">
+              <a:t>DATE(MAX( </a:t>
+            </a:r>
+            <a:r xmlns:a="http://schemas.openxmlformats.org/drawingml/2006/main">
+              <a:rPr lang="en" sz="1200" b="0" kern="1200" dirty="0" err="1" smtClean="0">
                 <a:solidFill>
                   <a:schemeClr val="tx1"/>
                 </a:solidFill>
@@ -864,10 +864,10 @@
                 <a:ea typeface="+mn-ea"/>
                 <a:cs typeface="+mn-cs"/>
               </a:rPr>
-              <a:t>FactSales</a:t>
-            </a:r>
-            <a:r>
-              <a:rPr lang="en-US" sz="1200" b="0" kern="1200" dirty="0" smtClean="0">
+              <a:t>FactSales </a:t>
+            </a:r>
+            <a:r xmlns:a="http://schemas.openxmlformats.org/drawingml/2006/main">
+              <a:rPr lang="en" sz="1200" b="0" kern="1200" dirty="0" smtClean="0">
                 <a:solidFill>
                   <a:schemeClr val="tx1"/>
                 </a:solidFill>
@@ -876,10 +876,10 @@
                 <a:ea typeface="+mn-ea"/>
                 <a:cs typeface="+mn-cs"/>
               </a:rPr>
-              <a:t>[</a:t>
-            </a:r>
-            <a:r>
-              <a:rPr lang="en-US" sz="1200" b="0" kern="1200" dirty="0" err="1" smtClean="0">
+              <a:t>[ </a:t>
+            </a:r>
+            <a:r xmlns:a="http://schemas.openxmlformats.org/drawingml/2006/main">
+              <a:rPr lang="en" sz="1200" b="0" kern="1200" dirty="0" err="1" smtClean="0">
                 <a:solidFill>
                   <a:schemeClr val="tx1"/>
                 </a:solidFill>
@@ -888,10 +888,10 @@
                 <a:ea typeface="+mn-ea"/>
                 <a:cs typeface="+mn-cs"/>
               </a:rPr>
-              <a:t>DateKey</a:t>
-            </a:r>
-            <a:r>
-              <a:rPr lang="en-US" sz="1200" b="0" kern="1200" dirty="0" smtClean="0">
+              <a:t>DateKey </a:t>
+            </a:r>
+            <a:r xmlns:a="http://schemas.openxmlformats.org/drawingml/2006/main">
+              <a:rPr lang="en" sz="1200" b="0" kern="1200" dirty="0" smtClean="0">
                 <a:solidFill>
                   <a:schemeClr val="tx1"/>
                 </a:solidFill>
@@ -900,12 +900,12 @@
                 <a:ea typeface="+mn-ea"/>
                 <a:cs typeface="+mn-cs"/>
               </a:rPr>
-              <a:t>] ), 12, 31 )</a:t>
-            </a:r>
-          </a:p>
-          <a:p>
-            <a:r>
-              <a:rPr lang="en-US" sz="1200" b="0" kern="1200" dirty="0" smtClean="0">
+              <a:t>]), 12, 31)</a:t>
+            </a:r>
+          </a:p>
+          <a:p>
+            <a:r xmlns:a="http://schemas.openxmlformats.org/drawingml/2006/main">
+              <a:rPr lang="en" sz="1200" b="0" kern="1200" dirty="0" smtClean="0">
                 <a:solidFill>
                   <a:schemeClr val="tx1"/>
                 </a:solidFill>
@@ -914,12 +914,12 @@
                 <a:ea typeface="+mn-ea"/>
                 <a:cs typeface="+mn-cs"/>
               </a:rPr>
-              <a:t>    ),</a:t>
-            </a:r>
-          </a:p>
-          <a:p>
-            <a:r>
-              <a:rPr lang="en-US" sz="1200" b="0" kern="1200" dirty="0" smtClean="0">
+              <a:t>),</a:t>
+            </a:r>
+          </a:p>
+          <a:p>
+            <a:r xmlns:a="http://schemas.openxmlformats.org/drawingml/2006/main">
+              <a:rPr lang="en" sz="1200" b="0" kern="1200" dirty="0" smtClean="0">
                 <a:solidFill>
                   <a:schemeClr val="tx1"/>
                 </a:solidFill>
@@ -928,12 +928,12 @@
                 <a:ea typeface="+mn-ea"/>
                 <a:cs typeface="+mn-cs"/>
               </a:rPr>
-              <a:t>    "Year", YEAR ( [Date] ),</a:t>
-            </a:r>
-          </a:p>
-          <a:p>
-            <a:r>
-              <a:rPr lang="en-US" sz="1200" b="0" kern="1200" dirty="0" smtClean="0">
+              <a:t>"Year", YEAR ( [Date] ),</a:t>
+            </a:r>
+          </a:p>
+          <a:p>
+            <a:r xmlns:a="http://schemas.openxmlformats.org/drawingml/2006/main">
+              <a:rPr lang="en" sz="1200" b="0" kern="1200" dirty="0" smtClean="0">
                 <a:solidFill>
                   <a:schemeClr val="tx1"/>
                 </a:solidFill>
@@ -942,12 +942,12 @@
                 <a:ea typeface="+mn-ea"/>
                 <a:cs typeface="+mn-cs"/>
               </a:rPr>
-              <a:t>    "Month", MONTH ( [Date] ),</a:t>
-            </a:r>
-          </a:p>
-          <a:p>
-            <a:r>
-              <a:rPr lang="en-US" sz="1200" b="0" kern="1200" dirty="0" smtClean="0">
+              <a:t>"Month", MONTH ( [Date] ),</a:t>
+            </a:r>
+          </a:p>
+          <a:p>
+            <a:r xmlns:a="http://schemas.openxmlformats.org/drawingml/2006/main">
+              <a:rPr lang="en" sz="1200" b="0" kern="1200" dirty="0" smtClean="0">
                 <a:solidFill>
                   <a:schemeClr val="tx1"/>
                 </a:solidFill>
@@ -956,12 +956,12 @@
                 <a:ea typeface="+mn-ea"/>
                 <a:cs typeface="+mn-cs"/>
               </a:rPr>
-              <a:t>    "Day", DAY ( [Date] ),</a:t>
-            </a:r>
-          </a:p>
-          <a:p>
-            <a:r>
-              <a:rPr lang="en-US" sz="1200" b="0" kern="1200" dirty="0" smtClean="0">
+              <a:t>"Day", DAY ( [Date] ),</a:t>
+            </a:r>
+          </a:p>
+          <a:p>
+            <a:r xmlns:a="http://schemas.openxmlformats.org/drawingml/2006/main">
+              <a:rPr lang="en" sz="1200" b="0" kern="1200" dirty="0" smtClean="0">
                 <a:solidFill>
                   <a:schemeClr val="tx1"/>
                 </a:solidFill>
@@ -970,10 +970,10 @@
                 <a:ea typeface="+mn-ea"/>
                 <a:cs typeface="+mn-cs"/>
               </a:rPr>
-              <a:t>    "Month Name", FORMAT ( [Date], "</a:t>
-            </a:r>
-            <a:r>
-              <a:rPr lang="en-US" sz="1200" b="0" kern="1200" dirty="0" err="1" smtClean="0">
+              <a:t>"Month Name", FORMAT ([Date], " </a:t>
+            </a:r>
+            <a:r xmlns:a="http://schemas.openxmlformats.org/drawingml/2006/main">
+              <a:rPr lang="en" sz="1200" b="0" kern="1200" dirty="0" err="1" smtClean="0">
                 <a:solidFill>
                   <a:schemeClr val="tx1"/>
                 </a:solidFill>
@@ -982,10 +982,10 @@
                 <a:ea typeface="+mn-ea"/>
                 <a:cs typeface="+mn-cs"/>
               </a:rPr>
-              <a:t>mmmm</a:t>
-            </a:r>
-            <a:r>
-              <a:rPr lang="en-US" sz="1200" b="0" kern="1200" dirty="0" smtClean="0">
+              <a:t>mmmm </a:t>
+            </a:r>
+            <a:r xmlns:a="http://schemas.openxmlformats.org/drawingml/2006/main">
+              <a:rPr lang="en" sz="1200" b="0" kern="1200" dirty="0" smtClean="0">
                 <a:solidFill>
                   <a:schemeClr val="tx1"/>
                 </a:solidFill>
@@ -994,12 +994,12 @@
                 <a:ea typeface="+mn-ea"/>
                 <a:cs typeface="+mn-cs"/>
               </a:rPr>
-              <a:t>" ),</a:t>
-            </a:r>
-          </a:p>
-          <a:p>
-            <a:r>
-              <a:rPr lang="en-US" sz="1200" b="0" kern="1200" dirty="0" smtClean="0">
+              <a:t>"),</a:t>
+            </a:r>
+          </a:p>
+          <a:p>
+            <a:r xmlns:a="http://schemas.openxmlformats.org/drawingml/2006/main">
+              <a:rPr lang="en" sz="1200" b="0" kern="1200" dirty="0" smtClean="0">
                 <a:solidFill>
                   <a:schemeClr val="tx1"/>
                 </a:solidFill>
@@ -1008,12 +1008,12 @@
                 <a:ea typeface="+mn-ea"/>
                 <a:cs typeface="+mn-cs"/>
               </a:rPr>
-              <a:t>    "Quarter", "Q" &amp; FORMAT ( [Date], "Q" )</a:t>
-            </a:r>
-          </a:p>
-          <a:p>
-            <a:r>
-              <a:rPr lang="en-US" sz="1200" b="0" kern="1200" dirty="0" smtClean="0">
+              <a:t>"Quarter", "Q" &amp; FORMAT ( [Date], "Q" )</a:t>
+            </a:r>
+          </a:p>
+          <a:p>
+            <a:r xmlns:a="http://schemas.openxmlformats.org/drawingml/2006/main">
+              <a:rPr lang="en" sz="1200" b="0" kern="1200" dirty="0" smtClean="0">
                 <a:solidFill>
                   <a:schemeClr val="tx1"/>
                 </a:solidFill>
@@ -2057,7 +2057,7 @@
           <a:p>
             <a:fld id="{6F01DA4D-20EA-48D2-973C-0311EC3005D6}" type="datetimeFigureOut">
               <a:rPr lang="en-US" smtClean="0"/>
-              <a:t>12/28/2024</a:t>
+              <a:t>2/25/2025</a:t>
             </a:fld>
             <a:endParaRPr lang="en-US"/>
           </a:p>
@@ -2227,7 +2227,7 @@
           <a:p>
             <a:fld id="{6F01DA4D-20EA-48D2-973C-0311EC3005D6}" type="datetimeFigureOut">
               <a:rPr lang="en-US" smtClean="0"/>
-              <a:t>12/28/2024</a:t>
+              <a:t>2/25/2025</a:t>
             </a:fld>
             <a:endParaRPr lang="en-US"/>
           </a:p>
@@ -2407,7 +2407,7 @@
           <a:p>
             <a:fld id="{6F01DA4D-20EA-48D2-973C-0311EC3005D6}" type="datetimeFigureOut">
               <a:rPr lang="en-US" smtClean="0"/>
-              <a:t>12/28/2024</a:t>
+              <a:t>2/25/2025</a:t>
             </a:fld>
             <a:endParaRPr lang="en-US"/>
           </a:p>
@@ -2577,7 +2577,7 @@
           <a:p>
             <a:fld id="{6F01DA4D-20EA-48D2-973C-0311EC3005D6}" type="datetimeFigureOut">
               <a:rPr lang="en-US" smtClean="0"/>
-              <a:t>12/28/2024</a:t>
+              <a:t>2/25/2025</a:t>
             </a:fld>
             <a:endParaRPr lang="en-US"/>
           </a:p>
@@ -2823,7 +2823,7 @@
           <a:p>
             <a:fld id="{6F01DA4D-20EA-48D2-973C-0311EC3005D6}" type="datetimeFigureOut">
               <a:rPr lang="en-US" smtClean="0"/>
-              <a:t>12/28/2024</a:t>
+              <a:t>2/25/2025</a:t>
             </a:fld>
             <a:endParaRPr lang="en-US"/>
           </a:p>
@@ -3055,7 +3055,7 @@
           <a:p>
             <a:fld id="{6F01DA4D-20EA-48D2-973C-0311EC3005D6}" type="datetimeFigureOut">
               <a:rPr lang="en-US" smtClean="0"/>
-              <a:t>12/28/2024</a:t>
+              <a:t>2/25/2025</a:t>
             </a:fld>
             <a:endParaRPr lang="en-US"/>
           </a:p>
@@ -3422,7 +3422,7 @@
           <a:p>
             <a:fld id="{6F01DA4D-20EA-48D2-973C-0311EC3005D6}" type="datetimeFigureOut">
               <a:rPr lang="en-US" smtClean="0"/>
-              <a:t>12/28/2024</a:t>
+              <a:t>2/25/2025</a:t>
             </a:fld>
             <a:endParaRPr lang="en-US"/>
           </a:p>
@@ -3540,7 +3540,7 @@
           <a:p>
             <a:fld id="{6F01DA4D-20EA-48D2-973C-0311EC3005D6}" type="datetimeFigureOut">
               <a:rPr lang="en-US" smtClean="0"/>
-              <a:t>12/28/2024</a:t>
+              <a:t>2/25/2025</a:t>
             </a:fld>
             <a:endParaRPr lang="en-US"/>
           </a:p>
@@ -3635,7 +3635,7 @@
           <a:p>
             <a:fld id="{6F01DA4D-20EA-48D2-973C-0311EC3005D6}" type="datetimeFigureOut">
               <a:rPr lang="en-US" smtClean="0"/>
-              <a:t>12/28/2024</a:t>
+              <a:t>2/25/2025</a:t>
             </a:fld>
             <a:endParaRPr lang="en-US"/>
           </a:p>
@@ -3912,7 +3912,7 @@
           <a:p>
             <a:fld id="{6F01DA4D-20EA-48D2-973C-0311EC3005D6}" type="datetimeFigureOut">
               <a:rPr lang="en-US" smtClean="0"/>
-              <a:t>12/28/2024</a:t>
+              <a:t>2/25/2025</a:t>
             </a:fld>
             <a:endParaRPr lang="en-US"/>
           </a:p>
@@ -4165,7 +4165,7 @@
           <a:p>
             <a:fld id="{6F01DA4D-20EA-48D2-973C-0311EC3005D6}" type="datetimeFigureOut">
               <a:rPr lang="en-US" smtClean="0"/>
-              <a:t>12/28/2024</a:t>
+              <a:t>2/25/2025</a:t>
             </a:fld>
             <a:endParaRPr lang="en-US"/>
           </a:p>
@@ -4378,7 +4378,7 @@
           <a:p>
             <a:fld id="{6F01DA4D-20EA-48D2-973C-0311EC3005D6}" type="datetimeFigureOut">
               <a:rPr lang="en-US" smtClean="0"/>
-              <a:t>12/28/2024</a:t>
+              <a:t>2/25/2025</a:t>
             </a:fld>
             <a:endParaRPr lang="en-US"/>
           </a:p>
@@ -4799,8 +4799,8 @@
         </p:nvSpPr>
         <p:spPr>
           <a:xfrm>
-            <a:off x="1480468" y="1914569"/>
-            <a:ext cx="9199606" cy="2554545"/>
+            <a:off x="1474118" y="1241469"/>
+            <a:ext cx="9199606" cy="3785652"/>
           </a:xfrm>
           <a:prstGeom prst="rect">
             <a:avLst/>
@@ -4813,9 +4813,9 @@
           </a:bodyPr>
           <a:lstStyle/>
           <a:p>
-            <a:pPr algn="ctr"/>
-            <a:r>
-              <a:rPr lang="en-US" sz="8000" b="1" dirty="0" smtClean="0">
+            <a:pPr xmlns:a="http://schemas.openxmlformats.org/drawingml/2006/main" algn="ctr"/>
+            <a:r xmlns:a="http://schemas.openxmlformats.org/drawingml/2006/main">
+              <a:rPr lang="en" sz="8000" b="1" dirty="0" smtClean="0">
                 <a:solidFill>
                   <a:srgbClr val="7030A0"/>
                 </a:solidFill>
@@ -4823,13 +4823,10 @@
                 <a:ea typeface="Verdana" panose="020B0604030504040204" pitchFamily="34" charset="0"/>
                 <a:cs typeface="Segoe UI" panose="020B0502040204020203" pitchFamily="34" charset="0"/>
               </a:rPr>
-              <a:t>Import data from </a:t>
-            </a:r>
-          </a:p>
-          <a:p>
-            <a:pPr algn="ctr"/>
-            <a:r>
-              <a:rPr lang="en-US" sz="8000" b="1" dirty="0" err="1" smtClean="0">
+              <a:t>Import </a:t>
+            </a:r>
+            <a:r xmlns:a="http://schemas.openxmlformats.org/drawingml/2006/main">
+              <a:rPr lang="en" sz="8000" b="1" dirty="0" err="1" smtClean="0">
                 <a:solidFill>
                   <a:srgbClr val="7030A0"/>
                 </a:solidFill>
@@ -4837,10 +4834,10 @@
                 <a:ea typeface="Verdana" panose="020B0604030504040204" pitchFamily="34" charset="0"/>
                 <a:cs typeface="Segoe UI" panose="020B0502040204020203" pitchFamily="34" charset="0"/>
               </a:rPr>
-              <a:t>Sq</a:t>
-            </a:r>
-            <a:r>
-              <a:rPr lang="fr-FR" sz="8000" b="1" dirty="0" smtClean="0">
+              <a:t>data </a:t>
+            </a:r>
+            <a:r xmlns:a="http://schemas.openxmlformats.org/drawingml/2006/main">
+              <a:rPr lang="en" sz="8000" b="1" dirty="0" smtClean="0">
                 <a:solidFill>
                   <a:srgbClr val="7030A0"/>
                 </a:solidFill>
@@ -4848,9 +4845,31 @@
                 <a:ea typeface="Verdana" panose="020B0604030504040204" pitchFamily="34" charset="0"/>
                 <a:cs typeface="Segoe UI" panose="020B0502040204020203" pitchFamily="34" charset="0"/>
               </a:rPr>
+              <a:t>from </a:t>
+            </a:r>
+            <a:r xmlns:a="http://schemas.openxmlformats.org/drawingml/2006/main">
+              <a:rPr lang="en" sz="8000" b="1" dirty="0" err="1" smtClean="0">
+                <a:solidFill>
+                  <a:srgbClr val="7030A0"/>
+                </a:solidFill>
+                <a:latin typeface="Segoe UI" panose="020B0502040204020203" pitchFamily="34" charset="0"/>
+                <a:ea typeface="Verdana" panose="020B0604030504040204" pitchFamily="34" charset="0"/>
+                <a:cs typeface="Segoe UI" panose="020B0502040204020203" pitchFamily="34" charset="0"/>
+              </a:rPr>
+              <a:t>Sq </a:t>
+            </a:r>
+            <a:r xmlns:a="http://schemas.openxmlformats.org/drawingml/2006/main">
+              <a:rPr lang="en" sz="8000" b="1" dirty="0" smtClean="0">
+                <a:solidFill>
+                  <a:srgbClr val="7030A0"/>
+                </a:solidFill>
+                <a:latin typeface="Segoe UI" panose="020B0502040204020203" pitchFamily="34" charset="0"/>
+                <a:ea typeface="Verdana" panose="020B0604030504040204" pitchFamily="34" charset="0"/>
+                <a:cs typeface="Segoe UI" panose="020B0502040204020203" pitchFamily="34" charset="0"/>
+              </a:rPr>
               <a:t>l Server</a:t>
             </a:r>
-            <a:endParaRPr lang="en-US" sz="8000" b="1" dirty="0">
+            <a:endParaRPr xmlns:a="http://schemas.openxmlformats.org/drawingml/2006/main" lang="en-US" sz="8000" b="1" dirty="0">
               <a:solidFill>
                 <a:srgbClr val="7030A0"/>
               </a:solidFill>
@@ -4863,14 +4882,14 @@
       </p:sp>
       <p:sp>
         <p:nvSpPr>
-          <p:cNvPr id="5" name="TextBox 4"/>
+          <p:cNvPr id="4" name="TextBox 3"/>
           <p:cNvSpPr txBox="1"/>
           <p:nvPr/>
         </p:nvSpPr>
         <p:spPr>
           <a:xfrm>
-            <a:off x="1405989" y="1914569"/>
-            <a:ext cx="9199606" cy="2554545"/>
+            <a:off x="1353468" y="1184319"/>
+            <a:ext cx="9199606" cy="3785652"/>
           </a:xfrm>
           <a:prstGeom prst="rect">
             <a:avLst/>
@@ -4883,9 +4902,9 @@
           </a:bodyPr>
           <a:lstStyle/>
           <a:p>
-            <a:pPr algn="ctr"/>
-            <a:r>
-              <a:rPr lang="en-US" sz="8000" b="1" dirty="0" smtClean="0">
+            <a:pPr xmlns:a="http://schemas.openxmlformats.org/drawingml/2006/main" algn="ctr"/>
+            <a:r xmlns:a="http://schemas.openxmlformats.org/drawingml/2006/main">
+              <a:rPr lang="en" sz="8000" b="1" dirty="0" smtClean="0">
                 <a:solidFill>
                   <a:schemeClr val="bg1"/>
                 </a:solidFill>
@@ -4893,13 +4912,10 @@
                 <a:ea typeface="Verdana" panose="020B0604030504040204" pitchFamily="34" charset="0"/>
                 <a:cs typeface="Segoe UI" panose="020B0502040204020203" pitchFamily="34" charset="0"/>
               </a:rPr>
-              <a:t>Import data from </a:t>
-            </a:r>
-          </a:p>
-          <a:p>
-            <a:pPr algn="ctr"/>
-            <a:r>
-              <a:rPr lang="fr-FR" sz="8000" b="1" dirty="0" err="1" smtClean="0">
+              <a:t>Import </a:t>
+            </a:r>
+            <a:r xmlns:a="http://schemas.openxmlformats.org/drawingml/2006/main">
+              <a:rPr lang="en" sz="8000" b="1" dirty="0" err="1" smtClean="0">
                 <a:solidFill>
                   <a:schemeClr val="bg1"/>
                 </a:solidFill>
@@ -4907,10 +4923,10 @@
                 <a:ea typeface="Verdana" panose="020B0604030504040204" pitchFamily="34" charset="0"/>
                 <a:cs typeface="Segoe UI" panose="020B0502040204020203" pitchFamily="34" charset="0"/>
               </a:rPr>
-              <a:t>Sql</a:t>
-            </a:r>
-            <a:r>
-              <a:rPr lang="fr-FR" sz="8000" b="1" dirty="0" smtClean="0">
+              <a:t>data </a:t>
+            </a:r>
+            <a:r xmlns:a="http://schemas.openxmlformats.org/drawingml/2006/main">
+              <a:rPr lang="en" sz="8000" b="1" dirty="0" smtClean="0">
                 <a:solidFill>
                   <a:schemeClr val="bg1"/>
                 </a:solidFill>
@@ -4918,9 +4934,31 @@
                 <a:ea typeface="Verdana" panose="020B0604030504040204" pitchFamily="34" charset="0"/>
                 <a:cs typeface="Segoe UI" panose="020B0502040204020203" pitchFamily="34" charset="0"/>
               </a:rPr>
-              <a:t> Server</a:t>
-            </a:r>
-            <a:endParaRPr lang="en-US" sz="8000" b="1" dirty="0">
+              <a:t>from </a:t>
+            </a:r>
+            <a:r xmlns:a="http://schemas.openxmlformats.org/drawingml/2006/main">
+              <a:rPr lang="en" sz="8000" b="1" dirty="0" err="1" smtClean="0">
+                <a:solidFill>
+                  <a:schemeClr val="bg1"/>
+                </a:solidFill>
+                <a:latin typeface="Segoe UI" panose="020B0502040204020203" pitchFamily="34" charset="0"/>
+                <a:ea typeface="Verdana" panose="020B0604030504040204" pitchFamily="34" charset="0"/>
+                <a:cs typeface="Segoe UI" panose="020B0502040204020203" pitchFamily="34" charset="0"/>
+              </a:rPr>
+              <a:t>Sq </a:t>
+            </a:r>
+            <a:r xmlns:a="http://schemas.openxmlformats.org/drawingml/2006/main">
+              <a:rPr lang="en" sz="8000" b="1" dirty="0" smtClean="0">
+                <a:solidFill>
+                  <a:schemeClr val="bg1"/>
+                </a:solidFill>
+                <a:latin typeface="Segoe UI" panose="020B0502040204020203" pitchFamily="34" charset="0"/>
+                <a:ea typeface="Verdana" panose="020B0604030504040204" pitchFamily="34" charset="0"/>
+                <a:cs typeface="Segoe UI" panose="020B0502040204020203" pitchFamily="34" charset="0"/>
+              </a:rPr>
+              <a:t>l Server</a:t>
+            </a:r>
+            <a:endParaRPr xmlns:a="http://schemas.openxmlformats.org/drawingml/2006/main" lang="en-US" sz="8000" b="1" dirty="0">
               <a:solidFill>
                 <a:schemeClr val="bg1"/>
               </a:solidFill>
@@ -4970,7 +5008,7 @@
         <p:spPr>
           <a:xfrm>
             <a:off x="449178" y="216445"/>
-            <a:ext cx="3092513" cy="366895"/>
+            <a:ext cx="3724096" cy="366895"/>
           </a:xfrm>
           <a:prstGeom prst="rect">
             <a:avLst/>
@@ -4982,7 +5020,7 @@
           </a:bodyPr>
           <a:lstStyle/>
           <a:p>
-            <a:pPr>
+            <a:pPr xmlns:a="http://schemas.openxmlformats.org/drawingml/2006/main">
               <a:lnSpc>
                 <a:spcPct val="107000"/>
               </a:lnSpc>
@@ -4993,87 +5031,17 @@
                 <a:spcPts val="0"/>
               </a:spcAft>
             </a:pPr>
-            <a:r>
-              <a:rPr lang="en-US" b="1" kern="0" dirty="0" smtClean="0">
+            <a:r xmlns:a="http://schemas.openxmlformats.org/drawingml/2006/main">
+              <a:rPr lang="en" b="1" kern="0" dirty="0" smtClean="0">
                 <a:latin typeface="Segoe UI" panose="020B0502040204020203" pitchFamily="34" charset="0"/>
                 <a:ea typeface="Times New Roman" panose="02020603050405020304" pitchFamily="18" charset="0"/>
                 <a:cs typeface="Times New Roman" panose="02020603050405020304" pitchFamily="18" charset="0"/>
               </a:rPr>
-              <a:t>Importing SQL Server Data</a:t>
-            </a:r>
-            <a:endParaRPr lang="en-US" b="1" kern="0" dirty="0">
+              <a:t>Import SQL Server data</a:t>
+            </a:r>
+            <a:endParaRPr xmlns:a="http://schemas.openxmlformats.org/drawingml/2006/main" lang="en-US" b="1" kern="0" dirty="0">
               <a:latin typeface="Segoe UI" panose="020B0502040204020203" pitchFamily="34" charset="0"/>
               <a:ea typeface="Times New Roman" panose="02020603050405020304" pitchFamily="18" charset="0"/>
-              <a:cs typeface="Times New Roman" panose="02020603050405020304" pitchFamily="18" charset="0"/>
-            </a:endParaRPr>
-          </a:p>
-        </p:txBody>
-      </p:sp>
-      <p:sp>
-        <p:nvSpPr>
-          <p:cNvPr id="4" name="Rectangle 3"/>
-          <p:cNvSpPr/>
-          <p:nvPr/>
-        </p:nvSpPr>
-        <p:spPr>
-          <a:xfrm>
-            <a:off x="449178" y="725209"/>
-            <a:ext cx="7079182" cy="388696"/>
-          </a:xfrm>
-          <a:prstGeom prst="rect">
-            <a:avLst/>
-          </a:prstGeom>
-        </p:spPr>
-        <p:txBody>
-          <a:bodyPr wrap="none">
-            <a:spAutoFit/>
-          </a:bodyPr>
-          <a:lstStyle/>
-          <a:p>
-            <a:pPr lvl="0">
-              <a:lnSpc>
-                <a:spcPct val="107000"/>
-              </a:lnSpc>
-              <a:spcAft>
-                <a:spcPts val="800"/>
-              </a:spcAft>
-            </a:pPr>
-            <a:r>
-              <a:rPr lang="en-US" dirty="0">
-                <a:latin typeface="Segoe UI" panose="020B0502040204020203" pitchFamily="34" charset="0"/>
-                <a:ea typeface="Calibri" panose="020F0502020204030204" pitchFamily="34" charset="0"/>
-                <a:cs typeface="Times New Roman" panose="02020603050405020304" pitchFamily="18" charset="0"/>
-              </a:rPr>
-              <a:t>Select the date as an example and press </a:t>
-            </a:r>
-            <a:r>
-              <a:rPr lang="en-US" b="1" dirty="0" smtClean="0">
-                <a:latin typeface="Segoe UI" panose="020B0502040204020203" pitchFamily="34" charset="0"/>
-                <a:ea typeface="Calibri" panose="020F0502020204030204" pitchFamily="34" charset="0"/>
-                <a:cs typeface="Times New Roman" panose="02020603050405020304" pitchFamily="18" charset="0"/>
-              </a:rPr>
-              <a:t>CTRL+ENTER </a:t>
-            </a:r>
-            <a:r>
-              <a:rPr lang="en-US" dirty="0" smtClean="0">
-                <a:latin typeface="Segoe UI" panose="020B0502040204020203" pitchFamily="34" charset="0"/>
-                <a:ea typeface="Calibri" panose="020F0502020204030204" pitchFamily="34" charset="0"/>
-                <a:cs typeface="Times New Roman" panose="02020603050405020304" pitchFamily="18" charset="0"/>
-              </a:rPr>
-              <a:t>and then </a:t>
-            </a:r>
-            <a:r>
-              <a:rPr lang="en-US" b="1" dirty="0" smtClean="0">
-                <a:latin typeface="Segoe UI" panose="020B0502040204020203" pitchFamily="34" charset="0"/>
-                <a:ea typeface="Calibri" panose="020F0502020204030204" pitchFamily="34" charset="0"/>
-                <a:cs typeface="Times New Roman" panose="02020603050405020304" pitchFamily="18" charset="0"/>
-              </a:rPr>
-              <a:t>OK</a:t>
-            </a:r>
-            <a:endParaRPr lang="en-US" sz="1400" b="1" dirty="0">
-              <a:effectLst/>
-              <a:latin typeface="Calibri" panose="020F0502020204030204" pitchFamily="34" charset="0"/>
-              <a:ea typeface="Calibri" panose="020F0502020204030204" pitchFamily="34" charset="0"/>
               <a:cs typeface="Times New Roman" panose="02020603050405020304" pitchFamily="18" charset="0"/>
             </a:endParaRPr>
           </a:p>
@@ -5103,6 +5071,149 @@
           </a:prstGeom>
         </p:spPr>
       </p:pic>
+      <p:sp>
+        <p:nvSpPr>
+          <p:cNvPr id="2" name="Rectangle 1"/>
+          <p:cNvSpPr>
+            <a:spLocks noChangeArrowheads="1"/>
+          </p:cNvSpPr>
+          <p:nvPr/>
+        </p:nvSpPr>
+        <p:spPr bwMode="auto">
+          <a:xfrm>
+            <a:off x="449178" y="627274"/>
+            <a:ext cx="9334607" cy="369332"/>
+          </a:xfrm>
+          <a:prstGeom prst="rect">
+            <a:avLst/>
+          </a:prstGeom>
+          <a:noFill/>
+          <a:ln>
+            <a:noFill/>
+          </a:ln>
+          <a:effectLst/>
+          <a:extLst>
+            <a:ext uri="{909E8E84-426E-40DD-AFC4-6F175D3DCCD1}">
+              <a14:hiddenFill xmlns:a14="http://schemas.microsoft.com/office/drawing/2010/main">
+                <a:solidFill>
+                  <a:schemeClr val="accent1"/>
+                </a:solidFill>
+              </a14:hiddenFill>
+            </a:ext>
+            <a:ext uri="{91240B29-F687-4F45-9708-019B960494DF}">
+              <a14:hiddenLine xmlns:a14="http://schemas.microsoft.com/office/drawing/2010/main" w="9525">
+                <a:solidFill>
+                  <a:schemeClr val="tx1"/>
+                </a:solidFill>
+                <a:miter lim="800000"/>
+                <a:headEnd/>
+                <a:tailEnd/>
+              </a14:hiddenLine>
+            </a:ext>
+            <a:ext uri="{AF507438-7753-43E0-B8FC-AC1667EBCBE1}">
+              <a14:hiddenEffects xmlns:a14="http://schemas.microsoft.com/office/drawing/2010/main">
+                <a:effectLst>
+                  <a:outerShdw dist="35921" dir="2700000" algn="ctr" rotWithShape="0">
+                    <a:schemeClr val="bg2"/>
+                  </a:outerShdw>
+                </a:effectLst>
+              </a14:hiddenEffects>
+            </a:ext>
+          </a:extLst>
+        </p:spPr>
+        <p:txBody>
+          <a:bodyPr vert="horz" wrap="none" lIns="91440" tIns="45720" rIns="91440" bIns="45720" numCol="1" anchor="ctr" anchorCtr="0" compatLnSpc="1">
+            <a:prstTxWarp prst="textNoShape">
+              <a:avLst/>
+            </a:prstTxWarp>
+            <a:spAutoFit/>
+          </a:bodyPr>
+          <a:lstStyle/>
+          <a:p>
+            <a:pPr xmlns:a="http://schemas.openxmlformats.org/drawingml/2006/main" marL="0" marR="0" lvl="0" indent="0" algn="l" defTabSz="914400" rtl="0" eaLnBrk="0" fontAlgn="base" latinLnBrk="0" hangingPunct="0">
+              <a:lnSpc>
+                <a:spcPct val="100000"/>
+              </a:lnSpc>
+              <a:spcBef>
+                <a:spcPct val="0"/>
+              </a:spcBef>
+              <a:spcAft>
+                <a:spcPct val="0"/>
+              </a:spcAft>
+              <a:buClrTx/>
+              <a:buSzTx/>
+              <a:buFontTx/>
+              <a:buNone/>
+              <a:tabLst/>
+            </a:pPr>
+            <a:r xmlns:a="http://schemas.openxmlformats.org/drawingml/2006/main">
+              <a:rPr kumimoji="0" lang="en" altLang="en-US" sz="1800" i="0" u="none" strike="noStrike" cap="none" normalizeH="0" baseline="0" dirty="0" smtClean="0">
+                <a:ln>
+                  <a:noFill/>
+                </a:ln>
+                <a:solidFill>
+                  <a:schemeClr val="tx1"/>
+                </a:solidFill>
+                <a:effectLst/>
+                <a:latin typeface="Arial" panose="020B0604020202020204" pitchFamily="34" charset="0"/>
+              </a:rPr>
+              <a:t>Select the date as an example, press </a:t>
+            </a:r>
+            <a:r xmlns:a="http://schemas.openxmlformats.org/drawingml/2006/main">
+              <a:rPr kumimoji="0" lang="en" altLang="en-US" sz="1800" b="1" i="0" u="none" strike="noStrike" cap="none" normalizeH="0" baseline="0" dirty="0" smtClean="0">
+                <a:ln>
+                  <a:noFill/>
+                </a:ln>
+                <a:solidFill>
+                  <a:schemeClr val="tx1"/>
+                </a:solidFill>
+                <a:effectLst/>
+                <a:latin typeface="Arial" panose="020B0604020202020204" pitchFamily="34" charset="0"/>
+              </a:rPr>
+              <a:t>CTRL+ENTER </a:t>
+            </a:r>
+            <a:r xmlns:a="http://schemas.openxmlformats.org/drawingml/2006/main">
+              <a:rPr kumimoji="0" lang="en" altLang="en-US" sz="1800" i="0" u="none" strike="noStrike" cap="none" normalizeH="0" baseline="0" dirty="0" smtClean="0">
+                <a:ln>
+                  <a:noFill/>
+                </a:ln>
+                <a:solidFill>
+                  <a:schemeClr val="tx1"/>
+                </a:solidFill>
+                <a:effectLst/>
+                <a:latin typeface="Arial" panose="020B0604020202020204" pitchFamily="34" charset="0"/>
+              </a:rPr>
+              <a:t>, and then click </a:t>
+            </a:r>
+            <a:r xmlns:a="http://schemas.openxmlformats.org/drawingml/2006/main">
+              <a:rPr kumimoji="0" lang="en" altLang="en-US" sz="1800" b="1" i="0" u="none" strike="noStrike" cap="none" normalizeH="0" baseline="0" dirty="0" smtClean="0">
+                <a:ln>
+                  <a:noFill/>
+                </a:ln>
+                <a:solidFill>
+                  <a:schemeClr val="tx1"/>
+                </a:solidFill>
+                <a:effectLst/>
+                <a:latin typeface="Arial" panose="020B0604020202020204" pitchFamily="34" charset="0"/>
+              </a:rPr>
+              <a:t>OK </a:t>
+            </a:r>
+            <a:r xmlns:a="http://schemas.openxmlformats.org/drawingml/2006/main">
+              <a:rPr kumimoji="0" lang="en" altLang="en-US" sz="1800" i="0" u="none" strike="noStrike" cap="none" normalizeH="0" baseline="0" dirty="0" smtClean="0">
+                <a:ln>
+                  <a:noFill/>
+                </a:ln>
+                <a:solidFill>
+                  <a:schemeClr val="tx1"/>
+                </a:solidFill>
+                <a:effectLst/>
+                <a:latin typeface="Arial" panose="020B0604020202020204" pitchFamily="34" charset="0"/>
+              </a:rPr>
+              <a:t>.</a:t>
+            </a:r>
+          </a:p>
+        </p:txBody>
+      </p:sp>
     </p:spTree>
     <p:extLst>
       <p:ext uri="{BB962C8B-B14F-4D97-AF65-F5344CB8AC3E}">
@@ -5142,7 +5253,7 @@
         <p:spPr>
           <a:xfrm>
             <a:off x="449178" y="216445"/>
-            <a:ext cx="3092513" cy="366895"/>
+            <a:ext cx="3724096" cy="366895"/>
           </a:xfrm>
           <a:prstGeom prst="rect">
             <a:avLst/>
@@ -5154,7 +5265,7 @@
           </a:bodyPr>
           <a:lstStyle/>
           <a:p>
-            <a:pPr>
+            <a:pPr xmlns:a="http://schemas.openxmlformats.org/drawingml/2006/main">
               <a:lnSpc>
                 <a:spcPct val="107000"/>
               </a:lnSpc>
@@ -5165,15 +5276,15 @@
                 <a:spcPts val="0"/>
               </a:spcAft>
             </a:pPr>
-            <a:r>
-              <a:rPr lang="en-US" b="1" kern="0" dirty="0" smtClean="0">
+            <a:r xmlns:a="http://schemas.openxmlformats.org/drawingml/2006/main">
+              <a:rPr lang="en" b="1" kern="0" dirty="0" smtClean="0">
                 <a:latin typeface="Segoe UI" panose="020B0502040204020203" pitchFamily="34" charset="0"/>
                 <a:ea typeface="Times New Roman" panose="02020603050405020304" pitchFamily="18" charset="0"/>
                 <a:cs typeface="Times New Roman" panose="02020603050405020304" pitchFamily="18" charset="0"/>
               </a:rPr>
-              <a:t>Importing SQL Server Data</a:t>
-            </a:r>
-            <a:endParaRPr lang="en-US" b="1" kern="0" dirty="0">
+              <a:t>Import SQL Server data</a:t>
+            </a:r>
+            <a:endParaRPr xmlns:a="http://schemas.openxmlformats.org/drawingml/2006/main" lang="en-US" b="1" kern="0" dirty="0">
               <a:latin typeface="Segoe UI" panose="020B0502040204020203" pitchFamily="34" charset="0"/>
               <a:ea typeface="Times New Roman" panose="02020603050405020304" pitchFamily="18" charset="0"/>
               <a:cs typeface="Times New Roman" panose="02020603050405020304" pitchFamily="18" charset="0"/>
@@ -5255,95 +5366,170 @@
       </p:sp>
       <p:sp>
         <p:nvSpPr>
-          <p:cNvPr id="17" name="Rectangle 16"/>
-          <p:cNvSpPr/>
+          <p:cNvPr id="4" name="Rectangle 1"/>
+          <p:cNvSpPr>
+            <a:spLocks noChangeArrowheads="1"/>
+          </p:cNvSpPr>
           <p:nvPr/>
         </p:nvSpPr>
-        <p:spPr>
+        <p:spPr bwMode="auto">
           <a:xfrm>
-            <a:off x="449177" y="751979"/>
-            <a:ext cx="10991135" cy="373692"/>
+            <a:off x="449178" y="695029"/>
+            <a:ext cx="9966190" cy="369332"/>
           </a:xfrm>
           <a:prstGeom prst="rect">
             <a:avLst/>
           </a:prstGeom>
+          <a:noFill/>
+          <a:ln>
+            <a:noFill/>
+          </a:ln>
+          <a:effectLst/>
+          <a:extLst>
+            <a:ext uri="{909E8E84-426E-40DD-AFC4-6F175D3DCCD1}">
+              <a14:hiddenFill xmlns:a14="http://schemas.microsoft.com/office/drawing/2010/main">
+                <a:solidFill>
+                  <a:schemeClr val="accent1"/>
+                </a:solidFill>
+              </a14:hiddenFill>
+            </a:ext>
+            <a:ext uri="{91240B29-F687-4F45-9708-019B960494DF}">
+              <a14:hiddenLine xmlns:a14="http://schemas.microsoft.com/office/drawing/2010/main" w="9525">
+                <a:solidFill>
+                  <a:schemeClr val="tx1"/>
+                </a:solidFill>
+                <a:miter lim="800000"/>
+                <a:headEnd/>
+                <a:tailEnd/>
+              </a14:hiddenLine>
+            </a:ext>
+            <a:ext uri="{AF507438-7753-43E0-B8FC-AC1667EBCBE1}">
+              <a14:hiddenEffects xmlns:a14="http://schemas.microsoft.com/office/drawing/2010/main">
+                <a:effectLst>
+                  <a:outerShdw dist="35921" dir="2700000" algn="ctr" rotWithShape="0">
+                    <a:schemeClr val="bg2"/>
+                  </a:outerShdw>
+                </a:effectLst>
+              </a14:hiddenEffects>
+            </a:ext>
+          </a:extLst>
         </p:spPr>
         <p:txBody>
-          <a:bodyPr wrap="square">
+          <a:bodyPr vert="horz" wrap="none" lIns="91440" tIns="45720" rIns="91440" bIns="45720" numCol="1" anchor="ctr" anchorCtr="0" compatLnSpc="1">
+            <a:prstTxWarp prst="textNoShape">
+              <a:avLst/>
+            </a:prstTxWarp>
             <a:spAutoFit/>
           </a:bodyPr>
           <a:lstStyle/>
           <a:p>
-            <a:pPr lvl="0">
+            <a:pPr xmlns:a="http://schemas.openxmlformats.org/drawingml/2006/main" marL="0" marR="0" lvl="0" indent="0" algn="l" defTabSz="914400" rtl="0" eaLnBrk="0" fontAlgn="base" latinLnBrk="0" hangingPunct="0">
               <a:lnSpc>
-                <a:spcPct val="107000"/>
+                <a:spcPct val="100000"/>
               </a:lnSpc>
+              <a:spcBef>
+                <a:spcPct val="0"/>
+              </a:spcBef>
               <a:spcAft>
-                <a:spcPts val="800"/>
+                <a:spcPct val="0"/>
               </a:spcAft>
+              <a:buClrTx/>
+              <a:buSzTx/>
+              <a:buFontTx/>
+              <a:buNone/>
+              <a:tabLst/>
             </a:pPr>
-            <a:r>
-              <a:rPr lang="en-US" dirty="0">
-                <a:latin typeface="Segoe UI" panose="020B0502040204020203" pitchFamily="34" charset="0"/>
-                <a:ea typeface="Calibri" panose="020F0502020204030204" pitchFamily="34" charset="0"/>
-                <a:cs typeface="Times New Roman" panose="02020603050405020304" pitchFamily="18" charset="0"/>
-              </a:rPr>
-              <a:t>It will be possible </a:t>
-            </a:r>
-            <a:r>
-              <a:rPr lang="en-US" dirty="0" smtClean="0">
-                <a:latin typeface="Segoe UI" panose="020B0502040204020203" pitchFamily="34" charset="0"/>
-                <a:ea typeface="Calibri" panose="020F0502020204030204" pitchFamily="34" charset="0"/>
-                <a:cs typeface="Times New Roman" panose="02020603050405020304" pitchFamily="18" charset="0"/>
-              </a:rPr>
-              <a:t>to use the </a:t>
-            </a:r>
-            <a:r>
-              <a:rPr lang="en-US" b="1" dirty="0" err="1" smtClean="0">
-                <a:latin typeface="Segoe UI" panose="020B0502040204020203" pitchFamily="34" charset="0"/>
-                <a:ea typeface="Calibri" panose="020F0502020204030204" pitchFamily="34" charset="0"/>
-                <a:cs typeface="Times New Roman" panose="02020603050405020304" pitchFamily="18" charset="0"/>
-              </a:rPr>
-              <a:t>DateKey</a:t>
-            </a:r>
-            <a:r>
-              <a:rPr lang="en-US" dirty="0" smtClean="0">
-                <a:latin typeface="Segoe UI" panose="020B0502040204020203" pitchFamily="34" charset="0"/>
-                <a:ea typeface="Calibri" panose="020F0502020204030204" pitchFamily="34" charset="0"/>
-                <a:cs typeface="Times New Roman" panose="02020603050405020304" pitchFamily="18" charset="0"/>
-              </a:rPr>
-              <a:t> of the </a:t>
-            </a:r>
-            <a:r>
-              <a:rPr lang="en-US" b="1" dirty="0" err="1" smtClean="0">
-                <a:latin typeface="Segoe UI" panose="020B0502040204020203" pitchFamily="34" charset="0"/>
-                <a:ea typeface="Calibri" panose="020F0502020204030204" pitchFamily="34" charset="0"/>
-                <a:cs typeface="Times New Roman" panose="02020603050405020304" pitchFamily="18" charset="0"/>
-              </a:rPr>
-              <a:t>FactSales</a:t>
-            </a:r>
-            <a:r>
-              <a:rPr lang="en-US" dirty="0" smtClean="0">
-                <a:latin typeface="Segoe UI" panose="020B0502040204020203" pitchFamily="34" charset="0"/>
-                <a:ea typeface="Calibri" panose="020F0502020204030204" pitchFamily="34" charset="0"/>
-                <a:cs typeface="Times New Roman" panose="02020603050405020304" pitchFamily="18" charset="0"/>
-              </a:rPr>
-              <a:t> to generate the entire </a:t>
-            </a:r>
-            <a:r>
-              <a:rPr lang="en-US" b="1" dirty="0" err="1" smtClean="0">
-                <a:latin typeface="Segoe UI" panose="020B0502040204020203" pitchFamily="34" charset="0"/>
-                <a:ea typeface="Calibri" panose="020F0502020204030204" pitchFamily="34" charset="0"/>
-                <a:cs typeface="Times New Roman" panose="02020603050405020304" pitchFamily="18" charset="0"/>
-              </a:rPr>
-              <a:t>DimDate</a:t>
-            </a:r>
-            <a:endParaRPr lang="en-US" sz="1400" b="1" dirty="0">
-              <a:effectLst/>
-              <a:latin typeface="Calibri" panose="020F0502020204030204" pitchFamily="34" charset="0"/>
-              <a:ea typeface="Calibri" panose="020F0502020204030204" pitchFamily="34" charset="0"/>
-              <a:cs typeface="Times New Roman" panose="02020603050405020304" pitchFamily="18" charset="0"/>
-            </a:endParaRPr>
+            <a:r xmlns:a="http://schemas.openxmlformats.org/drawingml/2006/main">
+              <a:rPr kumimoji="0" lang="en" altLang="en-US" sz="1800" b="0" i="0" u="none" strike="noStrike" cap="none" normalizeH="0" baseline="0" dirty="0" smtClean="0">
+                <a:ln>
+                  <a:noFill/>
+                </a:ln>
+                <a:solidFill>
+                  <a:schemeClr val="tx1"/>
+                </a:solidFill>
+                <a:effectLst/>
+                <a:latin typeface="Arial" panose="020B0604020202020204" pitchFamily="34" charset="0"/>
+              </a:rPr>
+              <a:t>It will be possible to use the </a:t>
+            </a:r>
+            <a:r xmlns:a="http://schemas.openxmlformats.org/drawingml/2006/main">
+              <a:rPr kumimoji="0" lang="en" altLang="en-US" sz="1800" b="1" i="0" u="none" strike="noStrike" cap="none" normalizeH="0" baseline="0" dirty="0" smtClean="0">
+                <a:ln>
+                  <a:noFill/>
+                </a:ln>
+                <a:solidFill>
+                  <a:schemeClr val="tx1"/>
+                </a:solidFill>
+                <a:effectLst/>
+                <a:latin typeface="Arial" panose="020B0604020202020204" pitchFamily="34" charset="0"/>
+              </a:rPr>
+              <a:t>FactSales </a:t>
+            </a:r>
+            <a:r xmlns:a="http://schemas.openxmlformats.org/drawingml/2006/main">
+              <a:rPr kumimoji="0" lang="en" altLang="en-US" sz="1800" b="0" i="0" u="none" strike="noStrike" cap="none" normalizeH="0" baseline="0" dirty="0" smtClean="0">
+                <a:ln>
+                  <a:noFill/>
+                </a:ln>
+                <a:solidFill>
+                  <a:schemeClr val="tx1"/>
+                </a:solidFill>
+                <a:effectLst/>
+                <a:latin typeface="Arial" panose="020B0604020202020204" pitchFamily="34" charset="0"/>
+              </a:rPr>
+              <a:t>DateKey </a:t>
+            </a:r>
+            <a:r xmlns:a="http://schemas.openxmlformats.org/drawingml/2006/main">
+              <a:rPr kumimoji="0" lang="en" altLang="en-US" sz="1800" b="1" i="0" u="none" strike="noStrike" cap="none" normalizeH="0" baseline="0" dirty="0" err="1" smtClean="0">
+                <a:ln>
+                  <a:noFill/>
+                </a:ln>
+                <a:solidFill>
+                  <a:schemeClr val="tx1"/>
+                </a:solidFill>
+                <a:effectLst/>
+                <a:latin typeface="Arial" panose="020B0604020202020204" pitchFamily="34" charset="0"/>
+              </a:rPr>
+              <a:t>to generate the entire </a:t>
+            </a:r>
+            <a:r xmlns:a="http://schemas.openxmlformats.org/drawingml/2006/main">
+              <a:rPr kumimoji="0" lang="en" altLang="en-US" sz="1800" b="1" i="0" u="none" strike="noStrike" cap="none" normalizeH="0" baseline="0" dirty="0" err="1" smtClean="0">
+                <a:ln>
+                  <a:noFill/>
+                </a:ln>
+                <a:solidFill>
+                  <a:schemeClr val="tx1"/>
+                </a:solidFill>
+                <a:effectLst/>
+                <a:latin typeface="Arial" panose="020B0604020202020204" pitchFamily="34" charset="0"/>
+              </a:rPr>
+              <a:t>DimDate </a:t>
+            </a:r>
+            <a:r xmlns:a="http://schemas.openxmlformats.org/drawingml/2006/main">
+              <a:rPr kumimoji="0" lang="en" altLang="en-US" sz="1800" b="0" i="0" u="none" strike="noStrike" cap="none" normalizeH="0" baseline="0" dirty="0" smtClean="0">
+                <a:ln>
+                  <a:noFill/>
+                </a:ln>
+                <a:solidFill>
+                  <a:schemeClr val="tx1"/>
+                </a:solidFill>
+                <a:effectLst/>
+                <a:latin typeface="Arial" panose="020B0604020202020204" pitchFamily="34" charset="0"/>
+              </a:rPr>
+              <a:t>table </a:t>
+            </a:r>
+            <a:r xmlns:a="http://schemas.openxmlformats.org/drawingml/2006/main">
+              <a:rPr kumimoji="0" lang="en" altLang="en-US" sz="1800" b="0" i="0" u="none" strike="noStrike" cap="none" normalizeH="0" baseline="0" dirty="0" smtClean="0">
+                <a:ln>
+                  <a:noFill/>
+                </a:ln>
+                <a:solidFill>
+                  <a:schemeClr val="tx1"/>
+                </a:solidFill>
+                <a:effectLst/>
+                <a:latin typeface="Arial" panose="020B0604020202020204" pitchFamily="34" charset="0"/>
+              </a:rPr>
+              <a:t>.</a:t>
+            </a:r>
           </a:p>
         </p:txBody>
       </p:sp>
@@ -5386,7 +5572,7 @@
         <p:spPr>
           <a:xfrm>
             <a:off x="449178" y="216445"/>
-            <a:ext cx="3092513" cy="366895"/>
+            <a:ext cx="3724096" cy="366895"/>
           </a:xfrm>
           <a:prstGeom prst="rect">
             <a:avLst/>
@@ -5398,7 +5584,7 @@
           </a:bodyPr>
           <a:lstStyle/>
           <a:p>
-            <a:pPr>
+            <a:pPr xmlns:a="http://schemas.openxmlformats.org/drawingml/2006/main">
               <a:lnSpc>
                 <a:spcPct val="107000"/>
               </a:lnSpc>
@@ -5409,79 +5595,17 @@
                 <a:spcPts val="0"/>
               </a:spcAft>
             </a:pPr>
-            <a:r>
-              <a:rPr lang="en-US" b="1" kern="0" dirty="0" smtClean="0">
+            <a:r xmlns:a="http://schemas.openxmlformats.org/drawingml/2006/main">
+              <a:rPr lang="en" b="1" kern="0" dirty="0" smtClean="0">
                 <a:latin typeface="Segoe UI" panose="020B0502040204020203" pitchFamily="34" charset="0"/>
                 <a:ea typeface="Times New Roman" panose="02020603050405020304" pitchFamily="18" charset="0"/>
                 <a:cs typeface="Times New Roman" panose="02020603050405020304" pitchFamily="18" charset="0"/>
               </a:rPr>
-              <a:t>Importing SQL Server Data</a:t>
-            </a:r>
-            <a:endParaRPr lang="en-US" b="1" kern="0" dirty="0">
+              <a:t>Import SQL Server data</a:t>
+            </a:r>
+            <a:endParaRPr xmlns:a="http://schemas.openxmlformats.org/drawingml/2006/main" lang="en-US" b="1" kern="0" dirty="0">
               <a:latin typeface="Segoe UI" panose="020B0502040204020203" pitchFamily="34" charset="0"/>
               <a:ea typeface="Times New Roman" panose="02020603050405020304" pitchFamily="18" charset="0"/>
-              <a:cs typeface="Times New Roman" panose="02020603050405020304" pitchFamily="18" charset="0"/>
-            </a:endParaRPr>
-          </a:p>
-        </p:txBody>
-      </p:sp>
-      <p:sp>
-        <p:nvSpPr>
-          <p:cNvPr id="4" name="Rectangle 3"/>
-          <p:cNvSpPr/>
-          <p:nvPr/>
-        </p:nvSpPr>
-        <p:spPr>
-          <a:xfrm>
-            <a:off x="449177" y="751979"/>
-            <a:ext cx="10991135" cy="685059"/>
-          </a:xfrm>
-          <a:prstGeom prst="rect">
-            <a:avLst/>
-          </a:prstGeom>
-        </p:spPr>
-        <p:txBody>
-          <a:bodyPr wrap="square">
-            <a:spAutoFit/>
-          </a:bodyPr>
-          <a:lstStyle/>
-          <a:p>
-            <a:pPr lvl="0">
-              <a:lnSpc>
-                <a:spcPct val="107000"/>
-              </a:lnSpc>
-              <a:spcAft>
-                <a:spcPts val="800"/>
-              </a:spcAft>
-            </a:pPr>
-            <a:r>
-              <a:rPr lang="en-US" dirty="0">
-                <a:latin typeface="Segoe UI" panose="020B0502040204020203" pitchFamily="34" charset="0"/>
-                <a:ea typeface="Calibri" panose="020F0502020204030204" pitchFamily="34" charset="0"/>
-                <a:cs typeface="Times New Roman" panose="02020603050405020304" pitchFamily="18" charset="0"/>
-              </a:rPr>
-              <a:t>It will be possible to recreate the date table </a:t>
-            </a:r>
-            <a:r>
-              <a:rPr lang="en-US" dirty="0" smtClean="0">
-                <a:latin typeface="Segoe UI" panose="020B0502040204020203" pitchFamily="34" charset="0"/>
-                <a:ea typeface="Calibri" panose="020F0502020204030204" pitchFamily="34" charset="0"/>
-                <a:cs typeface="Times New Roman" panose="02020603050405020304" pitchFamily="18" charset="0"/>
-              </a:rPr>
-              <a:t>having </a:t>
-            </a:r>
-            <a:r>
-              <a:rPr lang="en-US" dirty="0">
-                <a:latin typeface="Segoe UI" panose="020B0502040204020203" pitchFamily="34" charset="0"/>
-                <a:ea typeface="Calibri" panose="020F0502020204030204" pitchFamily="34" charset="0"/>
-                <a:cs typeface="Times New Roman" panose="02020603050405020304" pitchFamily="18" charset="0"/>
-              </a:rPr>
-              <a:t>the minimum date and the maximum date at the level of the table imported with DAX for example</a:t>
-            </a:r>
-            <a:endParaRPr lang="en-US" sz="1400" dirty="0">
-              <a:effectLst/>
-              <a:latin typeface="Calibri" panose="020F0502020204030204" pitchFamily="34" charset="0"/>
-              <a:ea typeface="Calibri" panose="020F0502020204030204" pitchFamily="34" charset="0"/>
               <a:cs typeface="Times New Roman" panose="02020603050405020304" pitchFamily="18" charset="0"/>
             </a:endParaRPr>
           </a:p>
@@ -5564,13 +5688,13 @@
           </a:bodyPr>
           <a:lstStyle/>
           <a:p>
-            <a:pPr algn="ctr">
+            <a:pPr xmlns:a="http://schemas.openxmlformats.org/drawingml/2006/main" algn="ctr">
               <a:spcAft>
                 <a:spcPts val="0"/>
               </a:spcAft>
             </a:pPr>
-            <a:r>
-              <a:rPr lang="fr-FR" sz="900" b="1" kern="1200">
+            <a:r xmlns:a="http://schemas.openxmlformats.org/drawingml/2006/main">
+              <a:rPr lang="en" sz="900" b="1" kern="1200">
                 <a:solidFill>
                   <a:srgbClr val="FFFFFF"/>
                 </a:solidFill>
@@ -5580,7 +5704,7 @@
               </a:rPr>
               <a:t>1</a:t>
             </a:r>
-            <a:endParaRPr lang="en-US" sz="1200">
+            <a:endParaRPr xmlns:a="http://schemas.openxmlformats.org/drawingml/2006/main" lang="en-US" sz="1200">
               <a:effectLst/>
               <a:latin typeface="Times New Roman" panose="02020603050405020304" pitchFamily="18" charset="0"/>
               <a:ea typeface="Times New Roman" panose="02020603050405020304" pitchFamily="18" charset="0"/>
@@ -5641,13 +5765,13 @@
           </a:bodyPr>
           <a:lstStyle/>
           <a:p>
-            <a:pPr algn="ctr">
+            <a:pPr xmlns:a="http://schemas.openxmlformats.org/drawingml/2006/main" algn="ctr">
               <a:spcAft>
                 <a:spcPts val="0"/>
               </a:spcAft>
             </a:pPr>
-            <a:r>
-              <a:rPr lang="fr-FR" sz="900" b="1" kern="1200" dirty="0" smtClean="0">
+            <a:r xmlns:a="http://schemas.openxmlformats.org/drawingml/2006/main">
+              <a:rPr lang="en" sz="900" b="1" kern="1200" dirty="0" smtClean="0">
                 <a:solidFill>
                   <a:srgbClr val="FFFFFF"/>
                 </a:solidFill>
@@ -5657,7 +5781,7 @@
               </a:rPr>
               <a:t>2</a:t>
             </a:r>
-            <a:endParaRPr lang="en-US" sz="1200" dirty="0">
+            <a:endParaRPr xmlns:a="http://schemas.openxmlformats.org/drawingml/2006/main" lang="en-US" sz="1200" dirty="0">
               <a:effectLst/>
               <a:latin typeface="Times New Roman" panose="02020603050405020304" pitchFamily="18" charset="0"/>
               <a:ea typeface="Times New Roman" panose="02020603050405020304" pitchFamily="18" charset="0"/>
@@ -5718,13 +5842,13 @@
           </a:bodyPr>
           <a:lstStyle/>
           <a:p>
-            <a:pPr algn="ctr">
+            <a:pPr xmlns:a="http://schemas.openxmlformats.org/drawingml/2006/main" algn="ctr">
               <a:spcAft>
                 <a:spcPts val="0"/>
               </a:spcAft>
             </a:pPr>
-            <a:r>
-              <a:rPr lang="fr-FR" sz="900" b="1" kern="1200" dirty="0" smtClean="0">
+            <a:r xmlns:a="http://schemas.openxmlformats.org/drawingml/2006/main">
+              <a:rPr lang="en" sz="900" b="1" kern="1200" dirty="0" smtClean="0">
                 <a:solidFill>
                   <a:srgbClr val="FFFFFF"/>
                 </a:solidFill>
@@ -5734,7 +5858,7 @@
               </a:rPr>
               <a:t>4</a:t>
             </a:r>
-            <a:endParaRPr lang="en-US" sz="1200" dirty="0">
+            <a:endParaRPr xmlns:a="http://schemas.openxmlformats.org/drawingml/2006/main" lang="en-US" sz="1200" dirty="0">
               <a:effectLst/>
               <a:latin typeface="Times New Roman" panose="02020603050405020304" pitchFamily="18" charset="0"/>
               <a:ea typeface="Times New Roman" panose="02020603050405020304" pitchFamily="18" charset="0"/>
@@ -5795,13 +5919,13 @@
           </a:bodyPr>
           <a:lstStyle/>
           <a:p>
-            <a:pPr algn="ctr">
+            <a:pPr xmlns:a="http://schemas.openxmlformats.org/drawingml/2006/main" algn="ctr">
               <a:spcAft>
                 <a:spcPts val="0"/>
               </a:spcAft>
             </a:pPr>
-            <a:r>
-              <a:rPr lang="fr-FR" sz="900" b="1" kern="1200" dirty="0" smtClean="0">
+            <a:r xmlns:a="http://schemas.openxmlformats.org/drawingml/2006/main">
+              <a:rPr lang="en" sz="900" b="1" kern="1200" dirty="0" smtClean="0">
                 <a:solidFill>
                   <a:srgbClr val="FFFFFF"/>
                 </a:solidFill>
@@ -5811,7 +5935,7 @@
               </a:rPr>
               <a:t>3</a:t>
             </a:r>
-            <a:endParaRPr lang="en-US" sz="1200" dirty="0">
+            <a:endParaRPr xmlns:a="http://schemas.openxmlformats.org/drawingml/2006/main" lang="en-US" sz="1200" dirty="0">
               <a:effectLst/>
               <a:latin typeface="Times New Roman" panose="02020603050405020304" pitchFamily="18" charset="0"/>
               <a:ea typeface="Times New Roman" panose="02020603050405020304" pitchFamily="18" charset="0"/>
@@ -5840,23 +5964,23 @@
           </a:bodyPr>
           <a:lstStyle/>
           <a:p>
-            <a:r>
-              <a:rPr lang="en-US" sz="1400" dirty="0" smtClean="0">
+            <a:r xmlns:a="http://schemas.openxmlformats.org/drawingml/2006/main">
+              <a:rPr lang="en" sz="1400" dirty="0" smtClean="0">
                 <a:latin typeface="Segoe UI" panose="020B0502040204020203" pitchFamily="34" charset="0"/>
                 <a:ea typeface="Calibri" panose="020F0502020204030204" pitchFamily="34" charset="0"/>
                 <a:cs typeface="Times New Roman" panose="02020603050405020304" pitchFamily="18" charset="0"/>
               </a:rPr>
               <a:t>Select </a:t>
             </a:r>
-            <a:r>
-              <a:rPr lang="en-US" sz="1400" b="1" dirty="0" smtClean="0">
+            <a:r xmlns:a="http://schemas.openxmlformats.org/drawingml/2006/main">
+              <a:rPr lang="en" sz="1400" b="1" dirty="0" smtClean="0">
                 <a:latin typeface="Segoe UI" panose="020B0502040204020203" pitchFamily="34" charset="0"/>
                 <a:ea typeface="Calibri" panose="020F0502020204030204" pitchFamily="34" charset="0"/>
                 <a:cs typeface="Times New Roman" panose="02020603050405020304" pitchFamily="18" charset="0"/>
               </a:rPr>
               <a:t>Table tools</a:t>
             </a:r>
-            <a:endParaRPr lang="en-US" sz="1400" b="1" dirty="0"/>
+            <a:endParaRPr xmlns:a="http://schemas.openxmlformats.org/drawingml/2006/main" lang="en-US" sz="1400" b="1" dirty="0"/>
           </a:p>
         </p:txBody>
       </p:sp>
@@ -5881,23 +6005,23 @@
           </a:bodyPr>
           <a:lstStyle/>
           <a:p>
-            <a:r>
-              <a:rPr lang="en-US" sz="1400" dirty="0" smtClean="0">
+            <a:r xmlns:a="http://schemas.openxmlformats.org/drawingml/2006/main">
+              <a:rPr lang="en" sz="1400" dirty="0" smtClean="0">
                 <a:latin typeface="Segoe UI" panose="020B0502040204020203" pitchFamily="34" charset="0"/>
                 <a:ea typeface="Calibri" panose="020F0502020204030204" pitchFamily="34" charset="0"/>
                 <a:cs typeface="Times New Roman" panose="02020603050405020304" pitchFamily="18" charset="0"/>
               </a:rPr>
               <a:t>Select </a:t>
             </a:r>
-            <a:r>
-              <a:rPr lang="en-US" sz="1400" b="1" dirty="0" smtClean="0">
+            <a:r xmlns:a="http://schemas.openxmlformats.org/drawingml/2006/main">
+              <a:rPr lang="en" sz="1400" b="1" dirty="0" smtClean="0">
                 <a:latin typeface="Segoe UI" panose="020B0502040204020203" pitchFamily="34" charset="0"/>
                 <a:ea typeface="Calibri" panose="020F0502020204030204" pitchFamily="34" charset="0"/>
                 <a:cs typeface="Times New Roman" panose="02020603050405020304" pitchFamily="18" charset="0"/>
               </a:rPr>
               <a:t>New Table</a:t>
             </a:r>
-            <a:endParaRPr lang="en-US" sz="1400" b="1" dirty="0"/>
+            <a:endParaRPr xmlns:a="http://schemas.openxmlformats.org/drawingml/2006/main" lang="en-US" sz="1400" b="1" dirty="0"/>
           </a:p>
         </p:txBody>
       </p:sp>
@@ -5922,8 +6046,8 @@
           </a:bodyPr>
           <a:lstStyle/>
           <a:p>
-            <a:r>
-              <a:rPr lang="en-US" sz="1400" dirty="0" smtClean="0">
+            <a:r xmlns:a="http://schemas.openxmlformats.org/drawingml/2006/main">
+              <a:rPr lang="en" sz="1400" dirty="0" smtClean="0">
                 <a:latin typeface="Segoe UI" panose="020B0502040204020203" pitchFamily="34" charset="0"/>
                 <a:ea typeface="Calibri" panose="020F0502020204030204" pitchFamily="34" charset="0"/>
                 <a:cs typeface="Times New Roman" panose="02020603050405020304" pitchFamily="18" charset="0"/>
@@ -5932,31 +6056,31 @@
             </a:r>
           </a:p>
           <a:p>
-            <a:r>
-              <a:rPr lang="fr-FR" sz="1400" dirty="0" err="1">
+            <a:r xmlns:a="http://schemas.openxmlformats.org/drawingml/2006/main">
+              <a:rPr lang="en" sz="1400" dirty="0" err="1">
                 <a:latin typeface="Segoe UI" panose="020B0502040204020203" pitchFamily="34" charset="0"/>
                 <a:ea typeface="Calibri" panose="020F0502020204030204" pitchFamily="34" charset="0"/>
                 <a:cs typeface="Times New Roman" panose="02020603050405020304" pitchFamily="18" charset="0"/>
               </a:rPr>
-              <a:t>g</a:t>
-            </a:r>
-            <a:r>
-              <a:rPr lang="fr-FR" sz="1400" dirty="0" err="1" smtClean="0">
+              <a:t>generate </a:t>
+            </a:r>
+            <a:r xmlns:a="http://schemas.openxmlformats.org/drawingml/2006/main">
+              <a:rPr lang="en" sz="1400" dirty="0" smtClean="0">
                 <a:latin typeface="Segoe UI" panose="020B0502040204020203" pitchFamily="34" charset="0"/>
                 <a:ea typeface="Calibri" panose="020F0502020204030204" pitchFamily="34" charset="0"/>
                 <a:cs typeface="Times New Roman" panose="02020603050405020304" pitchFamily="18" charset="0"/>
               </a:rPr>
-              <a:t>enerate</a:t>
-            </a:r>
-            <a:r>
-              <a:rPr lang="fr-FR" sz="1400" dirty="0" smtClean="0">
+              <a:t>the </a:t>
+            </a:r>
+            <a:endParaRPr xmlns:a="http://schemas.openxmlformats.org/drawingml/2006/main" lang="en-US" sz="1400" dirty="0"/>
+            <a:r xmlns:a="http://schemas.openxmlformats.org/drawingml/2006/main">
+              <a:rPr lang="en" sz="1400" dirty="0" err="1" smtClean="0">
                 <a:latin typeface="Segoe UI" panose="020B0502040204020203" pitchFamily="34" charset="0"/>
                 <a:ea typeface="Calibri" panose="020F0502020204030204" pitchFamily="34" charset="0"/>
                 <a:cs typeface="Times New Roman" panose="02020603050405020304" pitchFamily="18" charset="0"/>
               </a:rPr>
-              <a:t> the data</a:t>
-            </a:r>
-            <a:endParaRPr lang="en-US" sz="1400" dirty="0"/>
+              <a:t>data</a:t>
+            </a:r>
           </a:p>
         </p:txBody>
       </p:sp>
@@ -5981,13 +6105,317 @@
           </a:bodyPr>
           <a:lstStyle/>
           <a:p>
-            <a:r>
-              <a:rPr lang="en-US" sz="1400" dirty="0" smtClean="0">
+            <a:r xmlns:a="http://schemas.openxmlformats.org/drawingml/2006/main">
+              <a:rPr lang="en" sz="1400" dirty="0" smtClean="0">
                 <a:latin typeface="Segoe UI" panose="020B0502040204020203" pitchFamily="34" charset="0"/>
                 <a:ea typeface="Calibri" panose="020F0502020204030204" pitchFamily="34" charset="0"/>
                 <a:cs typeface="Times New Roman" panose="02020603050405020304" pitchFamily="18" charset="0"/>
               </a:rPr>
-              <a:t>Execute the query </a:t>
+              <a:t>Execute the query</a:t>
+            </a:r>
+          </a:p>
+        </p:txBody>
+      </p:sp>
+      <p:sp>
+        <p:nvSpPr>
+          <p:cNvPr id="2" name="Rectangle 1"/>
+          <p:cNvSpPr>
+            <a:spLocks noChangeArrowheads="1"/>
+          </p:cNvSpPr>
+          <p:nvPr/>
+        </p:nvSpPr>
+        <p:spPr bwMode="auto">
+          <a:xfrm>
+            <a:off x="449178" y="628930"/>
+            <a:ext cx="9751387" cy="646331"/>
+          </a:xfrm>
+          <a:prstGeom prst="rect">
+            <a:avLst/>
+          </a:prstGeom>
+          <a:noFill/>
+          <a:ln>
+            <a:noFill/>
+          </a:ln>
+          <a:effectLst/>
+          <a:extLst>
+            <a:ext uri="{909E8E84-426E-40DD-AFC4-6F175D3DCCD1}">
+              <a14:hiddenFill xmlns:a14="http://schemas.microsoft.com/office/drawing/2010/main">
+                <a:solidFill>
+                  <a:schemeClr val="accent1"/>
+                </a:solidFill>
+              </a14:hiddenFill>
+            </a:ext>
+            <a:ext uri="{91240B29-F687-4F45-9708-019B960494DF}">
+              <a14:hiddenLine xmlns:a14="http://schemas.microsoft.com/office/drawing/2010/main" w="9525">
+                <a:solidFill>
+                  <a:schemeClr val="tx1"/>
+                </a:solidFill>
+                <a:miter lim="800000"/>
+                <a:headEnd/>
+                <a:tailEnd/>
+              </a14:hiddenLine>
+            </a:ext>
+            <a:ext uri="{AF507438-7753-43E0-B8FC-AC1667EBCBE1}">
+              <a14:hiddenEffects xmlns:a14="http://schemas.microsoft.com/office/drawing/2010/main">
+                <a:effectLst>
+                  <a:outerShdw dist="35921" dir="2700000" algn="ctr" rotWithShape="0">
+                    <a:schemeClr val="bg2"/>
+                  </a:outerShdw>
+                </a:effectLst>
+              </a14:hiddenEffects>
+            </a:ext>
+          </a:extLst>
+        </p:spPr>
+        <p:txBody>
+          <a:bodyPr vert="horz" wrap="none" lIns="91440" tIns="45720" rIns="91440" bIns="45720" numCol="1" anchor="ctr" anchorCtr="0" compatLnSpc="1">
+            <a:prstTxWarp prst="textNoShape">
+              <a:avLst/>
+            </a:prstTxWarp>
+            <a:spAutoFit/>
+          </a:bodyPr>
+          <a:lstStyle/>
+          <a:p>
+            <a:pPr xmlns:a="http://schemas.openxmlformats.org/drawingml/2006/main" marL="0" marR="0" lvl="0" indent="0" algn="l" defTabSz="914400" rtl="0" eaLnBrk="0" fontAlgn="base" latinLnBrk="0" hangingPunct="0">
+              <a:lnSpc>
+                <a:spcPct val="100000"/>
+              </a:lnSpc>
+              <a:spcBef>
+                <a:spcPct val="0"/>
+              </a:spcBef>
+              <a:spcAft>
+                <a:spcPct val="0"/>
+              </a:spcAft>
+              <a:buClrTx/>
+              <a:buSzTx/>
+              <a:buFontTx/>
+              <a:buNone/>
+              <a:tabLst/>
+            </a:pPr>
+            <a:r xmlns:a="http://schemas.openxmlformats.org/drawingml/2006/main">
+              <a:rPr kumimoji="0" lang="en" altLang="en-US" sz="1800" b="0" i="0" u="none" strike="noStrike" cap="none" normalizeH="0" baseline="0" dirty="0" smtClean="0">
+                <a:ln>
+                  <a:noFill/>
+                </a:ln>
+                <a:solidFill>
+                  <a:schemeClr val="tx1"/>
+                </a:solidFill>
+                <a:effectLst/>
+                <a:latin typeface="Arial" panose="020B0604020202020204" pitchFamily="34" charset="0"/>
+              </a:rPr>
+              <a:t>It will be possible to </a:t>
+            </a:r>
+            <a:r xmlns:a="http://schemas.openxmlformats.org/drawingml/2006/main">
+              <a:rPr kumimoji="0" lang="en" altLang="en-US" sz="1800" b="0" i="0" u="none" strike="noStrike" cap="none" normalizeH="0" baseline="0" dirty="0" err="1" smtClean="0">
+                <a:ln>
+                  <a:noFill/>
+                </a:ln>
+                <a:solidFill>
+                  <a:schemeClr val="tx1"/>
+                </a:solidFill>
+                <a:effectLst/>
+                <a:latin typeface="Arial" panose="020B0604020202020204" pitchFamily="34" charset="0"/>
+              </a:rPr>
+              <a:t>recreate </a:t>
+            </a:r>
+            <a:r xmlns:a="http://schemas.openxmlformats.org/drawingml/2006/main">
+              <a:rPr kumimoji="0" lang="en" altLang="en-US" sz="1800" b="0" i="0" u="none" strike="noStrike" cap="none" normalizeH="0" baseline="0" dirty="0" smtClean="0">
+                <a:ln>
+                  <a:noFill/>
+                </a:ln>
+                <a:solidFill>
+                  <a:schemeClr val="tx1"/>
+                </a:solidFill>
+                <a:effectLst/>
+                <a:latin typeface="Arial" panose="020B0604020202020204" pitchFamily="34" charset="0"/>
+              </a:rPr>
+              <a:t>the date table </a:t>
+            </a:r>
+            <a:r xmlns:a="http://schemas.openxmlformats.org/drawingml/2006/main">
+              <a:rPr kumimoji="0" lang="en" altLang="en-US" sz="1800" b="0" i="0" u="none" strike="noStrike" cap="none" normalizeH="0" baseline="0" dirty="0" err="1" smtClean="0">
+                <a:ln>
+                  <a:noFill/>
+                </a:ln>
+                <a:solidFill>
+                  <a:schemeClr val="tx1"/>
+                </a:solidFill>
+                <a:effectLst/>
+                <a:latin typeface="Arial" panose="020B0604020202020204" pitchFamily="34" charset="0"/>
+              </a:rPr>
+              <a:t>in</a:t>
+            </a:r>
+            <a:r xmlns:a="http://schemas.openxmlformats.org/drawingml/2006/main">
+              <a:rPr kumimoji="0" lang="en" altLang="en-US" sz="1800" b="0" i="0" u="none" strike="noStrike" cap="none" normalizeH="0" baseline="0" dirty="0" smtClean="0">
+                <a:ln>
+                  <a:noFill/>
+                </a:ln>
+                <a:solidFill>
+                  <a:schemeClr val="tx1"/>
+                </a:solidFill>
+                <a:effectLst/>
+                <a:latin typeface="Arial" panose="020B0604020202020204" pitchFamily="34" charset="0"/>
+              </a:rPr>
+              <a:t> </a:t>
+            </a:r>
+            <a:r xmlns:a="http://schemas.openxmlformats.org/drawingml/2006/main">
+              <a:rPr kumimoji="0" lang="en" altLang="en-US" sz="1800" b="0" i="0" u="none" strike="noStrike" cap="none" normalizeH="0" baseline="0" dirty="0" err="1" smtClean="0">
+                <a:ln>
+                  <a:noFill/>
+                </a:ln>
+                <a:solidFill>
+                  <a:schemeClr val="tx1"/>
+                </a:solidFill>
+                <a:effectLst/>
+                <a:latin typeface="Arial" panose="020B0604020202020204" pitchFamily="34" charset="0"/>
+              </a:rPr>
+              <a:t>using the </a:t>
+            </a:r>
+            <a:r xmlns:a="http://schemas.openxmlformats.org/drawingml/2006/main">
+              <a:rPr kumimoji="0" lang="en" altLang="en-US" sz="1800" b="0" i="0" u="none" strike="noStrike" cap="none" normalizeH="0" baseline="0" dirty="0" err="1" smtClean="0">
+                <a:ln>
+                  <a:noFill/>
+                </a:ln>
+                <a:solidFill>
+                  <a:schemeClr val="tx1"/>
+                </a:solidFill>
+                <a:effectLst/>
+                <a:latin typeface="Arial" panose="020B0604020202020204" pitchFamily="34" charset="0"/>
+              </a:rPr>
+              <a:t>minimum </a:t>
+            </a:r>
+            <a:r xmlns:a="http://schemas.openxmlformats.org/drawingml/2006/main">
+              <a:rPr kumimoji="0" lang="en" altLang="en-US" sz="1800" b="0" i="0" u="none" strike="noStrike" cap="none" normalizeH="0" baseline="0" dirty="0" smtClean="0">
+                <a:ln>
+                  <a:noFill/>
+                </a:ln>
+                <a:solidFill>
+                  <a:schemeClr val="tx1"/>
+                </a:solidFill>
+                <a:effectLst/>
+                <a:latin typeface="Arial" panose="020B0604020202020204" pitchFamily="34" charset="0"/>
+              </a:rPr>
+              <a:t>date </a:t>
+            </a:r>
+            <a:r xmlns:a="http://schemas.openxmlformats.org/drawingml/2006/main">
+              <a:rPr kumimoji="0" lang="en" altLang="en-US" sz="1800" b="0" i="0" u="none" strike="noStrike" cap="none" normalizeH="0" baseline="0" dirty="0" smtClean="0">
+                <a:ln>
+                  <a:noFill/>
+                </a:ln>
+                <a:solidFill>
+                  <a:schemeClr val="tx1"/>
+                </a:solidFill>
+                <a:effectLst/>
+                <a:latin typeface="Arial" panose="020B0604020202020204" pitchFamily="34" charset="0"/>
+              </a:rPr>
+              <a:t>and the </a:t>
+            </a:r>
+            <a:r xmlns:a="http://schemas.openxmlformats.org/drawingml/2006/main">
+              <a:rPr kumimoji="0" lang="en" altLang="en-US" sz="1800" b="0" i="0" u="none" strike="noStrike" cap="none" normalizeH="0" baseline="0" dirty="0" err="1" smtClean="0">
+                <a:ln>
+                  <a:noFill/>
+                </a:ln>
+                <a:solidFill>
+                  <a:schemeClr val="tx1"/>
+                </a:solidFill>
+                <a:effectLst/>
+                <a:latin typeface="Arial" panose="020B0604020202020204" pitchFamily="34" charset="0"/>
+              </a:rPr>
+              <a:t>maximum date</a:t>
+            </a:r>
+            <a:r xmlns:a="http://schemas.openxmlformats.org/drawingml/2006/main">
+              <a:rPr kumimoji="0" lang="en" altLang="en-US" sz="1800" b="0" i="0" u="none" strike="noStrike" cap="none" normalizeH="0" baseline="0" dirty="0" smtClean="0">
+                <a:ln>
+                  <a:noFill/>
+                </a:ln>
+                <a:solidFill>
+                  <a:schemeClr val="tx1"/>
+                </a:solidFill>
+                <a:effectLst/>
+                <a:latin typeface="Arial" panose="020B0604020202020204" pitchFamily="34" charset="0"/>
+              </a:rPr>
+              <a:t> </a:t>
+            </a:r>
+          </a:p>
+          <a:p>
+            <a:pPr xmlns:a="http://schemas.openxmlformats.org/drawingml/2006/main" marL="0" marR="0" lvl="0" indent="0" algn="l" defTabSz="914400" rtl="0" eaLnBrk="0" fontAlgn="base" latinLnBrk="0" hangingPunct="0">
+              <a:lnSpc>
+                <a:spcPct val="100000"/>
+              </a:lnSpc>
+              <a:spcBef>
+                <a:spcPct val="0"/>
+              </a:spcBef>
+              <a:spcAft>
+                <a:spcPct val="0"/>
+              </a:spcAft>
+              <a:buClrTx/>
+              <a:buSzTx/>
+              <a:buFontTx/>
+              <a:buNone/>
+              <a:tabLst/>
+            </a:pPr>
+            <a:r xmlns:a="http://schemas.openxmlformats.org/drawingml/2006/main">
+              <a:rPr kumimoji="0" lang="en" altLang="en-US" sz="1800" b="0" i="0" u="none" strike="noStrike" cap="none" normalizeH="0" baseline="0" dirty="0" smtClean="0">
+                <a:ln>
+                  <a:noFill/>
+                </a:ln>
+                <a:solidFill>
+                  <a:schemeClr val="tx1"/>
+                </a:solidFill>
+                <a:effectLst/>
+                <a:latin typeface="Arial" panose="020B0604020202020204" pitchFamily="34" charset="0"/>
+              </a:rPr>
+              <a:t>from the </a:t>
+            </a:r>
+            <a:r xmlns:a="http://schemas.openxmlformats.org/drawingml/2006/main">
+              <a:rPr kumimoji="0" lang="en" altLang="en-US" sz="1800" b="0" i="0" u="none" strike="noStrike" cap="none" normalizeH="0" baseline="0" dirty="0" err="1" smtClean="0">
+                <a:ln>
+                  <a:noFill/>
+                </a:ln>
+                <a:solidFill>
+                  <a:schemeClr val="tx1"/>
+                </a:solidFill>
+                <a:effectLst/>
+                <a:latin typeface="Arial" panose="020B0604020202020204" pitchFamily="34" charset="0"/>
+              </a:rPr>
+              <a:t>imported table </a:t>
+            </a:r>
+            <a:r xmlns:a="http://schemas.openxmlformats.org/drawingml/2006/main">
+              <a:rPr kumimoji="0" lang="en" altLang="en-US" sz="1800" b="0" i="0" u="none" strike="noStrike" cap="none" normalizeH="0" baseline="0" dirty="0" smtClean="0">
+                <a:ln>
+                  <a:noFill/>
+                </a:ln>
+                <a:solidFill>
+                  <a:schemeClr val="tx1"/>
+                </a:solidFill>
+                <a:effectLst/>
+                <a:latin typeface="Arial" panose="020B0604020202020204" pitchFamily="34" charset="0"/>
+              </a:rPr>
+              <a:t>, for </a:t>
+            </a:r>
+            <a:r xmlns:a="http://schemas.openxmlformats.org/drawingml/2006/main">
+              <a:rPr kumimoji="0" lang="en" altLang="en-US" sz="1800" b="0" i="0" u="none" strike="noStrike" cap="none" normalizeH="0" baseline="0" dirty="0" err="1" smtClean="0">
+                <a:ln>
+                  <a:noFill/>
+                </a:ln>
+                <a:solidFill>
+                  <a:schemeClr val="tx1"/>
+                </a:solidFill>
+                <a:effectLst/>
+                <a:latin typeface="Arial" panose="020B0604020202020204" pitchFamily="34" charset="0"/>
+              </a:rPr>
+              <a:t>example </a:t>
+            </a:r>
+            <a:r xmlns:a="http://schemas.openxmlformats.org/drawingml/2006/main">
+              <a:rPr kumimoji="0" lang="en" altLang="en-US" sz="1800" b="0" i="0" u="none" strike="noStrike" cap="none" normalizeH="0" baseline="0" dirty="0" smtClean="0">
+                <a:ln>
+                  <a:noFill/>
+                </a:ln>
+                <a:solidFill>
+                  <a:schemeClr val="tx1"/>
+                </a:solidFill>
+                <a:effectLst/>
+                <a:latin typeface="Arial" panose="020B0604020202020204" pitchFamily="34" charset="0"/>
+              </a:rPr>
+              <a:t>with DAX.</a:t>
             </a:r>
           </a:p>
         </p:txBody>
@@ -6031,7 +6459,7 @@
         <p:spPr>
           <a:xfrm>
             <a:off x="449178" y="216445"/>
-            <a:ext cx="3092513" cy="366895"/>
+            <a:ext cx="3724096" cy="366895"/>
           </a:xfrm>
           <a:prstGeom prst="rect">
             <a:avLst/>
@@ -6043,7 +6471,7 @@
           </a:bodyPr>
           <a:lstStyle/>
           <a:p>
-            <a:pPr>
+            <a:pPr xmlns:a="http://schemas.openxmlformats.org/drawingml/2006/main">
               <a:lnSpc>
                 <a:spcPct val="107000"/>
               </a:lnSpc>
@@ -6054,71 +6482,17 @@
                 <a:spcPts val="0"/>
               </a:spcAft>
             </a:pPr>
-            <a:r>
-              <a:rPr lang="en-US" b="1" kern="0" dirty="0" smtClean="0">
+            <a:r xmlns:a="http://schemas.openxmlformats.org/drawingml/2006/main">
+              <a:rPr lang="en" b="1" kern="0" dirty="0" smtClean="0">
                 <a:latin typeface="Segoe UI" panose="020B0502040204020203" pitchFamily="34" charset="0"/>
                 <a:ea typeface="Times New Roman" panose="02020603050405020304" pitchFamily="18" charset="0"/>
                 <a:cs typeface="Times New Roman" panose="02020603050405020304" pitchFamily="18" charset="0"/>
               </a:rPr>
-              <a:t>Importing SQL Server Data</a:t>
-            </a:r>
-            <a:endParaRPr lang="en-US" b="1" kern="0" dirty="0">
+              <a:t>Import SQL Server data</a:t>
+            </a:r>
+            <a:endParaRPr xmlns:a="http://schemas.openxmlformats.org/drawingml/2006/main" lang="en-US" b="1" kern="0" dirty="0">
               <a:latin typeface="Segoe UI" panose="020B0502040204020203" pitchFamily="34" charset="0"/>
               <a:ea typeface="Times New Roman" panose="02020603050405020304" pitchFamily="18" charset="0"/>
-              <a:cs typeface="Times New Roman" panose="02020603050405020304" pitchFamily="18" charset="0"/>
-            </a:endParaRPr>
-          </a:p>
-        </p:txBody>
-      </p:sp>
-      <p:sp>
-        <p:nvSpPr>
-          <p:cNvPr id="17" name="Rectangle 16"/>
-          <p:cNvSpPr/>
-          <p:nvPr/>
-        </p:nvSpPr>
-        <p:spPr>
-          <a:xfrm>
-            <a:off x="449177" y="751979"/>
-            <a:ext cx="10991135" cy="373692"/>
-          </a:xfrm>
-          <a:prstGeom prst="rect">
-            <a:avLst/>
-          </a:prstGeom>
-        </p:spPr>
-        <p:txBody>
-          <a:bodyPr wrap="square">
-            <a:spAutoFit/>
-          </a:bodyPr>
-          <a:lstStyle/>
-          <a:p>
-            <a:pPr lvl="0">
-              <a:lnSpc>
-                <a:spcPct val="107000"/>
-              </a:lnSpc>
-              <a:spcAft>
-                <a:spcPts val="800"/>
-              </a:spcAft>
-            </a:pPr>
-            <a:r>
-              <a:rPr lang="en-US" dirty="0" smtClean="0">
-                <a:latin typeface="Segoe UI" panose="020B0502040204020203" pitchFamily="34" charset="0"/>
-                <a:ea typeface="Calibri" panose="020F0502020204030204" pitchFamily="34" charset="0"/>
-                <a:cs typeface="Times New Roman" panose="02020603050405020304" pitchFamily="18" charset="0"/>
-              </a:rPr>
-              <a:t>Execute this script to generate the </a:t>
-            </a:r>
-            <a:r>
-              <a:rPr lang="en-US" b="1" dirty="0" err="1" smtClean="0">
-                <a:latin typeface="Segoe UI" panose="020B0502040204020203" pitchFamily="34" charset="0"/>
-                <a:ea typeface="Calibri" panose="020F0502020204030204" pitchFamily="34" charset="0"/>
-                <a:cs typeface="Times New Roman" panose="02020603050405020304" pitchFamily="18" charset="0"/>
-              </a:rPr>
-              <a:t>DimDate</a:t>
-            </a:r>
-            <a:endParaRPr lang="en-US" sz="1400" b="1" dirty="0">
-              <a:effectLst/>
-              <a:latin typeface="Calibri" panose="020F0502020204030204" pitchFamily="34" charset="0"/>
-              <a:ea typeface="Calibri" panose="020F0502020204030204" pitchFamily="34" charset="0"/>
               <a:cs typeface="Times New Roman" panose="02020603050405020304" pitchFamily="18" charset="0"/>
             </a:endParaRPr>
           </a:p>
@@ -6145,1290 +6519,1407 @@
           </a:bodyPr>
           <a:lstStyle/>
           <a:p>
-            <a:r>
-              <a:rPr lang="en-US" sz="1400" dirty="0" err="1">
+            <a:r xmlns:a="http://schemas.openxmlformats.org/drawingml/2006/main">
+              <a:rPr lang="en" sz="1400" dirty="0" err="1">
                 <a:solidFill>
                   <a:srgbClr val="000000"/>
                 </a:solidFill>
                 <a:latin typeface="Consolas" panose="020B0609020204030204" pitchFamily="49" charset="0"/>
               </a:rPr>
-              <a:t>DimDate</a:t>
-            </a:r>
-            <a:r>
+              <a:t>DimDate </a:t>
+            </a:r>
+            <a:r xmlns:a="http://schemas.openxmlformats.org/drawingml/2006/main">
+              <a:rPr lang="en" sz="1400" dirty="0">
+                <a:solidFill>
+                  <a:srgbClr val="000000"/>
+                </a:solidFill>
+                <a:latin typeface="Consolas" panose="020B0609020204030204" pitchFamily="49" charset="0"/>
+              </a:rPr>
+              <a:t>=</a:t>
+            </a:r>
+          </a:p>
+          <a:p>
+            <a:r xmlns:a="http://schemas.openxmlformats.org/drawingml/2006/main">
+              <a:rPr lang="en" sz="1400" dirty="0">
+                <a:solidFill>
+                  <a:srgbClr val="3165BB"/>
+                </a:solidFill>
+                <a:latin typeface="Consolas" panose="020B0609020204030204" pitchFamily="49" charset="0"/>
+              </a:rPr>
+              <a:t>ADDCOLUMNS </a:t>
+            </a:r>
+            <a:r xmlns:a="http://schemas.openxmlformats.org/drawingml/2006/main">
+              <a:rPr lang="en" sz="1400" dirty="0">
+                <a:solidFill>
+                  <a:srgbClr val="000000"/>
+                </a:solidFill>
+                <a:latin typeface="Consolas" panose="020B0609020204030204" pitchFamily="49" charset="0"/>
+              </a:rPr>
+              <a:t>(</a:t>
+            </a:r>
+          </a:p>
+          <a:p>
+            <a:r xmlns:a="http://schemas.openxmlformats.org/drawingml/2006/main">
+              <a:rPr lang="en" sz="1400" dirty="0">
+                <a:solidFill>
+                  <a:srgbClr val="000000"/>
+                </a:solidFill>
+                <a:latin typeface="Consolas" panose="020B0609020204030204" pitchFamily="49" charset="0"/>
+              </a:rPr>
+              <a:t>    </a:t>
+            </a:r>
+            <a:r xmlns:a="http://schemas.openxmlformats.org/drawingml/2006/main">
+              <a:rPr lang="en" sz="1400" dirty="0">
+                <a:solidFill>
+                  <a:srgbClr val="3165BB"/>
+                </a:solidFill>
+                <a:latin typeface="Consolas" panose="020B0609020204030204" pitchFamily="49" charset="0"/>
+              </a:rPr>
+              <a:t>CALENDAR </a:t>
+            </a:r>
+            <a:r xmlns:a="http://schemas.openxmlformats.org/drawingml/2006/main">
+              <a:rPr lang="en" sz="1400" dirty="0">
+                <a:solidFill>
+                  <a:srgbClr val="000000"/>
+                </a:solidFill>
+                <a:latin typeface="Consolas" panose="020B0609020204030204" pitchFamily="49" charset="0"/>
+              </a:rPr>
+              <a:t>(</a:t>
+            </a:r>
+          </a:p>
+          <a:p>
+            <a:r xmlns:a="http://schemas.openxmlformats.org/drawingml/2006/main">
+              <a:rPr lang="en" sz="1400" dirty="0">
+                <a:solidFill>
+                  <a:srgbClr val="000000"/>
+                </a:solidFill>
+                <a:latin typeface="Consolas" panose="020B0609020204030204" pitchFamily="49" charset="0"/>
+              </a:rPr>
+              <a:t>        </a:t>
+            </a:r>
+            <a:r xmlns:a="http://schemas.openxmlformats.org/drawingml/2006/main">
+              <a:rPr lang="en" sz="1400" dirty="0">
+                <a:solidFill>
+                  <a:srgbClr val="3165BB"/>
+                </a:solidFill>
+                <a:latin typeface="Consolas" panose="020B0609020204030204" pitchFamily="49" charset="0"/>
+              </a:rPr>
+              <a:t>DATE </a:t>
+            </a:r>
+            <a:r xmlns:a="http://schemas.openxmlformats.org/drawingml/2006/main">
+              <a:rPr lang="en" sz="1400" dirty="0">
+                <a:solidFill>
+                  <a:srgbClr val="000000"/>
+                </a:solidFill>
+                <a:latin typeface="Consolas" panose="020B0609020204030204" pitchFamily="49" charset="0"/>
+              </a:rPr>
+              <a:t>( </a:t>
+            </a:r>
+            <a:r xmlns:a="http://schemas.openxmlformats.org/drawingml/2006/main">
+              <a:rPr lang="en" sz="1400" dirty="0">
+                <a:solidFill>
+                  <a:srgbClr val="3165BB"/>
+                </a:solidFill>
+                <a:latin typeface="Consolas" panose="020B0609020204030204" pitchFamily="49" charset="0"/>
+              </a:rPr>
+              <a:t>DIVIDE </a:t>
+            </a:r>
+            <a:r xmlns:a="http://schemas.openxmlformats.org/drawingml/2006/main">
+              <a:rPr lang="en" sz="1400" dirty="0">
+                <a:solidFill>
+                  <a:srgbClr val="000000"/>
+                </a:solidFill>
+                <a:latin typeface="Consolas" panose="020B0609020204030204" pitchFamily="49" charset="0"/>
+              </a:rPr>
+              <a:t>( </a:t>
+            </a:r>
+            <a:r xmlns:a="http://schemas.openxmlformats.org/drawingml/2006/main">
+              <a:rPr lang="en" sz="1400" dirty="0">
+                <a:solidFill>
+                  <a:srgbClr val="3165BB"/>
+                </a:solidFill>
+                <a:latin typeface="Consolas" panose="020B0609020204030204" pitchFamily="49" charset="0"/>
+              </a:rPr>
+              <a:t>MIN </a:t>
+            </a:r>
+            <a:r xmlns:a="http://schemas.openxmlformats.org/drawingml/2006/main">
+              <a:rPr lang="en" sz="1400" dirty="0">
+                <a:solidFill>
+                  <a:srgbClr val="000000"/>
+                </a:solidFill>
+                <a:latin typeface="Consolas" panose="020B0609020204030204" pitchFamily="49" charset="0"/>
+              </a:rPr>
+              <a:t>( </a:t>
+            </a:r>
+            <a:r xmlns:a="http://schemas.openxmlformats.org/drawingml/2006/main">
+              <a:rPr lang="en" sz="1400" dirty="0" err="1">
+                <a:solidFill>
+                  <a:srgbClr val="000000"/>
+                </a:solidFill>
+                <a:latin typeface="Consolas" panose="020B0609020204030204" pitchFamily="49" charset="0"/>
+              </a:rPr>
+              <a:t>FactSales </a:t>
+            </a:r>
+            <a:r xmlns:a="http://schemas.openxmlformats.org/drawingml/2006/main">
+              <a:rPr lang="en" sz="1400" dirty="0">
+                <a:solidFill>
+                  <a:srgbClr val="000000"/>
+                </a:solidFill>
+                <a:latin typeface="Consolas" panose="020B0609020204030204" pitchFamily="49" charset="0"/>
+              </a:rPr>
+              <a:t>[ </a:t>
+            </a:r>
+            <a:r xmlns:a="http://schemas.openxmlformats.org/drawingml/2006/main">
+              <a:rPr lang="en" sz="1400" dirty="0" err="1">
+                <a:solidFill>
+                  <a:srgbClr val="000000"/>
+                </a:solidFill>
+                <a:latin typeface="Consolas" panose="020B0609020204030204" pitchFamily="49" charset="0"/>
+              </a:rPr>
+              <a:t>DateKey </a:t>
+            </a:r>
+            <a:r xmlns:a="http://schemas.openxmlformats.org/drawingml/2006/main">
+              <a:rPr lang="en" sz="1400" dirty="0">
+                <a:solidFill>
+                  <a:srgbClr val="000000"/>
+                </a:solidFill>
+                <a:latin typeface="Consolas" panose="020B0609020204030204" pitchFamily="49" charset="0"/>
+              </a:rPr>
+              <a:t>]), </a:t>
+            </a:r>
+            <a:r xmlns:a="http://schemas.openxmlformats.org/drawingml/2006/main">
+              <a:rPr lang="en" sz="1400" dirty="0">
+                <a:solidFill>
+                  <a:srgbClr val="098658"/>
+                </a:solidFill>
+                <a:latin typeface="Consolas" panose="020B0609020204030204" pitchFamily="49" charset="0"/>
+              </a:rPr>
+              <a:t>10000 </a:t>
+            </a:r>
+            <a:r xmlns:a="http://schemas.openxmlformats.org/drawingml/2006/main">
+              <a:rPr lang="en" sz="1400" dirty="0">
+                <a:solidFill>
+                  <a:srgbClr val="000000"/>
+                </a:solidFill>
+                <a:latin typeface="Consolas" panose="020B0609020204030204" pitchFamily="49" charset="0"/>
+              </a:rPr>
+              <a:t>),</a:t>
+            </a:r>
+          </a:p>
+          <a:p>
+            <a:r xmlns:a="http://schemas.openxmlformats.org/drawingml/2006/main">
+              <a:rPr lang="en" sz="1400" dirty="0">
+                <a:solidFill>
+                  <a:srgbClr val="000000"/>
+                </a:solidFill>
+                <a:latin typeface="Consolas" panose="020B0609020204030204" pitchFamily="49" charset="0"/>
+              </a:rPr>
+              <a:t>               </a:t>
+            </a:r>
+            <a:r xmlns:a="http://schemas.openxmlformats.org/drawingml/2006/main">
+              <a:rPr lang="en" sz="1400" dirty="0">
+                <a:solidFill>
+                  <a:srgbClr val="3165BB"/>
+                </a:solidFill>
+                <a:latin typeface="Consolas" panose="020B0609020204030204" pitchFamily="49" charset="0"/>
+              </a:rPr>
+              <a:t>MOD </a:t>
+            </a:r>
+            <a:r xmlns:a="http://schemas.openxmlformats.org/drawingml/2006/main">
+              <a:rPr lang="en" sz="1400" dirty="0">
+                <a:solidFill>
+                  <a:srgbClr val="000000"/>
+                </a:solidFill>
+                <a:latin typeface="Consolas" panose="020B0609020204030204" pitchFamily="49" charset="0"/>
+              </a:rPr>
+              <a:t>( </a:t>
+            </a:r>
+            <a:r xmlns:a="http://schemas.openxmlformats.org/drawingml/2006/main">
+              <a:rPr lang="en" sz="1400" dirty="0">
+                <a:solidFill>
+                  <a:srgbClr val="3165BB"/>
+                </a:solidFill>
+                <a:latin typeface="Consolas" panose="020B0609020204030204" pitchFamily="49" charset="0"/>
+              </a:rPr>
+              <a:t>DIVIDE </a:t>
+            </a:r>
+            <a:r xmlns:a="http://schemas.openxmlformats.org/drawingml/2006/main">
+              <a:rPr lang="en" sz="1400" dirty="0">
+                <a:solidFill>
+                  <a:srgbClr val="000000"/>
+                </a:solidFill>
+                <a:latin typeface="Consolas" panose="020B0609020204030204" pitchFamily="49" charset="0"/>
+              </a:rPr>
+              <a:t>( </a:t>
+            </a:r>
+            <a:r xmlns:a="http://schemas.openxmlformats.org/drawingml/2006/main">
+              <a:rPr lang="en" sz="1400" dirty="0">
+                <a:solidFill>
+                  <a:srgbClr val="3165BB"/>
+                </a:solidFill>
+                <a:latin typeface="Consolas" panose="020B0609020204030204" pitchFamily="49" charset="0"/>
+              </a:rPr>
+              <a:t>MIN </a:t>
+            </a:r>
+            <a:r xmlns:a="http://schemas.openxmlformats.org/drawingml/2006/main">
+              <a:rPr lang="en" sz="1400" dirty="0">
+                <a:solidFill>
+                  <a:srgbClr val="000000"/>
+                </a:solidFill>
+                <a:latin typeface="Consolas" panose="020B0609020204030204" pitchFamily="49" charset="0"/>
+              </a:rPr>
+              <a:t>( </a:t>
+            </a:r>
+            <a:r xmlns:a="http://schemas.openxmlformats.org/drawingml/2006/main">
+              <a:rPr lang="en" sz="1400" dirty="0" err="1">
+                <a:solidFill>
+                  <a:srgbClr val="000000"/>
+                </a:solidFill>
+                <a:latin typeface="Consolas" panose="020B0609020204030204" pitchFamily="49" charset="0"/>
+              </a:rPr>
+              <a:t>FactSales </a:t>
+            </a:r>
+            <a:r xmlns:a="http://schemas.openxmlformats.org/drawingml/2006/main">
+              <a:rPr lang="en" sz="1400" dirty="0">
+                <a:solidFill>
+                  <a:srgbClr val="000000"/>
+                </a:solidFill>
+                <a:latin typeface="Consolas" panose="020B0609020204030204" pitchFamily="49" charset="0"/>
+              </a:rPr>
+              <a:t>[ </a:t>
+            </a:r>
+            <a:r xmlns:a="http://schemas.openxmlformats.org/drawingml/2006/main">
+              <a:rPr lang="en" sz="1400" dirty="0" err="1">
+                <a:solidFill>
+                  <a:srgbClr val="000000"/>
+                </a:solidFill>
+                <a:latin typeface="Consolas" panose="020B0609020204030204" pitchFamily="49" charset="0"/>
+              </a:rPr>
+              <a:t>DateKey </a:t>
+            </a:r>
+            <a:r xmlns:a="http://schemas.openxmlformats.org/drawingml/2006/main">
+              <a:rPr lang="en" sz="1400" dirty="0">
+                <a:solidFill>
+                  <a:srgbClr val="000000"/>
+                </a:solidFill>
+                <a:latin typeface="Consolas" panose="020B0609020204030204" pitchFamily="49" charset="0"/>
+              </a:rPr>
+              <a:t>]), </a:t>
+            </a:r>
+            <a:r xmlns:a="http://schemas.openxmlformats.org/drawingml/2006/main">
+              <a:rPr lang="en" sz="1400" dirty="0">
+                <a:solidFill>
+                  <a:srgbClr val="098658"/>
+                </a:solidFill>
+                <a:latin typeface="Consolas" panose="020B0609020204030204" pitchFamily="49" charset="0"/>
+              </a:rPr>
+              <a:t>100 </a:t>
+            </a:r>
+            <a:r xmlns:a="http://schemas.openxmlformats.org/drawingml/2006/main">
+              <a:rPr lang="en" sz="1400" dirty="0">
+                <a:solidFill>
+                  <a:srgbClr val="000000"/>
+                </a:solidFill>
+                <a:latin typeface="Consolas" panose="020B0609020204030204" pitchFamily="49" charset="0"/>
+              </a:rPr>
+              <a:t>), </a:t>
+            </a:r>
+            <a:r xmlns:a="http://schemas.openxmlformats.org/drawingml/2006/main">
+              <a:rPr lang="en" sz="1400" dirty="0">
+                <a:solidFill>
+                  <a:srgbClr val="098658"/>
+                </a:solidFill>
+                <a:latin typeface="Consolas" panose="020B0609020204030204" pitchFamily="49" charset="0"/>
+              </a:rPr>
+              <a:t>100 </a:t>
+            </a:r>
+            <a:r xmlns:a="http://schemas.openxmlformats.org/drawingml/2006/main">
+              <a:rPr lang="en" sz="1400" dirty="0">
+                <a:solidFill>
+                  <a:srgbClr val="000000"/>
+                </a:solidFill>
+                <a:latin typeface="Consolas" panose="020B0609020204030204" pitchFamily="49" charset="0"/>
+              </a:rPr>
+              <a:t>),</a:t>
+            </a:r>
+          </a:p>
+          <a:p>
+            <a:r xmlns:a="http://schemas.openxmlformats.org/drawingml/2006/main">
+              <a:rPr lang="en" sz="1400" dirty="0">
+                <a:solidFill>
+                  <a:srgbClr val="000000"/>
+                </a:solidFill>
+                <a:latin typeface="Consolas" panose="020B0609020204030204" pitchFamily="49" charset="0"/>
+              </a:rPr>
+              <a:t>               </a:t>
+            </a:r>
+            <a:r xmlns:a="http://schemas.openxmlformats.org/drawingml/2006/main">
+              <a:rPr lang="en" sz="1400" dirty="0">
+                <a:solidFill>
+                  <a:srgbClr val="3165BB"/>
+                </a:solidFill>
+                <a:latin typeface="Consolas" panose="020B0609020204030204" pitchFamily="49" charset="0"/>
+              </a:rPr>
+              <a:t>MOD </a:t>
+            </a:r>
+            <a:r xmlns:a="http://schemas.openxmlformats.org/drawingml/2006/main">
+              <a:rPr lang="en" sz="1400" dirty="0">
+                <a:solidFill>
+                  <a:srgbClr val="000000"/>
+                </a:solidFill>
+                <a:latin typeface="Consolas" panose="020B0609020204030204" pitchFamily="49" charset="0"/>
+              </a:rPr>
+              <a:t>( </a:t>
+            </a:r>
+            <a:r xmlns:a="http://schemas.openxmlformats.org/drawingml/2006/main">
+              <a:rPr lang="en" sz="1400" dirty="0">
+                <a:solidFill>
+                  <a:srgbClr val="3165BB"/>
+                </a:solidFill>
+                <a:latin typeface="Consolas" panose="020B0609020204030204" pitchFamily="49" charset="0"/>
+              </a:rPr>
+              <a:t>MIN </a:t>
+            </a:r>
+            <a:r xmlns:a="http://schemas.openxmlformats.org/drawingml/2006/main">
+              <a:rPr lang="en" sz="1400" dirty="0">
+                <a:solidFill>
+                  <a:srgbClr val="000000"/>
+                </a:solidFill>
+                <a:latin typeface="Consolas" panose="020B0609020204030204" pitchFamily="49" charset="0"/>
+              </a:rPr>
+              <a:t>( </a:t>
+            </a:r>
+            <a:r xmlns:a="http://schemas.openxmlformats.org/drawingml/2006/main">
+              <a:rPr lang="en" sz="1400" dirty="0" err="1">
+                <a:solidFill>
+                  <a:srgbClr val="000000"/>
+                </a:solidFill>
+                <a:latin typeface="Consolas" panose="020B0609020204030204" pitchFamily="49" charset="0"/>
+              </a:rPr>
+              <a:t>FactSales </a:t>
+            </a:r>
+            <a:r xmlns:a="http://schemas.openxmlformats.org/drawingml/2006/main">
+              <a:rPr lang="en" sz="1400" dirty="0">
+                <a:solidFill>
+                  <a:srgbClr val="000000"/>
+                </a:solidFill>
+                <a:latin typeface="Consolas" panose="020B0609020204030204" pitchFamily="49" charset="0"/>
+              </a:rPr>
+              <a:t>[ </a:t>
+            </a:r>
+            <a:r xmlns:a="http://schemas.openxmlformats.org/drawingml/2006/main">
+              <a:rPr lang="en" sz="1400" dirty="0" err="1">
+                <a:solidFill>
+                  <a:srgbClr val="000000"/>
+                </a:solidFill>
+                <a:latin typeface="Consolas" panose="020B0609020204030204" pitchFamily="49" charset="0"/>
+              </a:rPr>
+              <a:t>DateKey </a:t>
+            </a:r>
+            <a:r xmlns:a="http://schemas.openxmlformats.org/drawingml/2006/main">
+              <a:rPr lang="en" sz="1400" dirty="0">
+                <a:solidFill>
+                  <a:srgbClr val="000000"/>
+                </a:solidFill>
+                <a:latin typeface="Consolas" panose="020B0609020204030204" pitchFamily="49" charset="0"/>
+              </a:rPr>
+              <a:t>]), </a:t>
+            </a:r>
+            <a:r xmlns:a="http://schemas.openxmlformats.org/drawingml/2006/main">
+              <a:rPr lang="en" sz="1400" dirty="0">
+                <a:solidFill>
+                  <a:srgbClr val="098658"/>
+                </a:solidFill>
+                <a:latin typeface="Consolas" panose="020B0609020204030204" pitchFamily="49" charset="0"/>
+              </a:rPr>
+              <a:t>100 </a:t>
+            </a:r>
+            <a:r xmlns:a="http://schemas.openxmlformats.org/drawingml/2006/main">
+              <a:rPr lang="en" sz="1400" dirty="0">
+                <a:solidFill>
+                  <a:srgbClr val="000000"/>
+                </a:solidFill>
+                <a:latin typeface="Consolas" panose="020B0609020204030204" pitchFamily="49" charset="0"/>
+              </a:rPr>
+              <a:t>)</a:t>
+            </a:r>
+          </a:p>
+          <a:p>
+            <a:r xmlns:a="http://schemas.openxmlformats.org/drawingml/2006/main">
+              <a:rPr lang="en" sz="1400" dirty="0">
+                <a:solidFill>
+                  <a:srgbClr val="000000"/>
+                </a:solidFill>
+                <a:latin typeface="Consolas" panose="020B0609020204030204" pitchFamily="49" charset="0"/>
+              </a:rPr>
+              <a:t>),</a:t>
+            </a:r>
+          </a:p>
+          <a:p>
+            <a:r xmlns:a="http://schemas.openxmlformats.org/drawingml/2006/main">
+              <a:rPr lang="en" sz="1400" dirty="0">
+                <a:solidFill>
+                  <a:srgbClr val="000000"/>
+                </a:solidFill>
+                <a:latin typeface="Consolas" panose="020B0609020204030204" pitchFamily="49" charset="0"/>
+              </a:rPr>
+              <a:t>        </a:t>
+            </a:r>
+            <a:r xmlns:a="http://schemas.openxmlformats.org/drawingml/2006/main">
+              <a:rPr lang="en" sz="1400" dirty="0">
+                <a:solidFill>
+                  <a:srgbClr val="3165BB"/>
+                </a:solidFill>
+                <a:latin typeface="Consolas" panose="020B0609020204030204" pitchFamily="49" charset="0"/>
+              </a:rPr>
+              <a:t>DATE </a:t>
+            </a:r>
+            <a:r xmlns:a="http://schemas.openxmlformats.org/drawingml/2006/main">
+              <a:rPr lang="en" sz="1400" dirty="0">
+                <a:solidFill>
+                  <a:srgbClr val="000000"/>
+                </a:solidFill>
+                <a:latin typeface="Consolas" panose="020B0609020204030204" pitchFamily="49" charset="0"/>
+              </a:rPr>
+              <a:t>( </a:t>
+            </a:r>
+            <a:r xmlns:a="http://schemas.openxmlformats.org/drawingml/2006/main">
+              <a:rPr lang="en" sz="1400" dirty="0">
+                <a:solidFill>
+                  <a:srgbClr val="3165BB"/>
+                </a:solidFill>
+                <a:latin typeface="Consolas" panose="020B0609020204030204" pitchFamily="49" charset="0"/>
+              </a:rPr>
+              <a:t>DIVIDE </a:t>
+            </a:r>
+            <a:r xmlns:a="http://schemas.openxmlformats.org/drawingml/2006/main">
+              <a:rPr lang="en" sz="1400" dirty="0">
+                <a:solidFill>
+                  <a:srgbClr val="000000"/>
+                </a:solidFill>
+                <a:latin typeface="Consolas" panose="020B0609020204030204" pitchFamily="49" charset="0"/>
+              </a:rPr>
+              <a:t>( </a:t>
+            </a:r>
+            <a:r xmlns:a="http://schemas.openxmlformats.org/drawingml/2006/main">
+              <a:rPr lang="en" sz="1400" dirty="0">
+                <a:solidFill>
+                  <a:srgbClr val="3165BB"/>
+                </a:solidFill>
+                <a:latin typeface="Consolas" panose="020B0609020204030204" pitchFamily="49" charset="0"/>
+              </a:rPr>
+              <a:t>MAX </a:t>
+            </a:r>
+            <a:r xmlns:a="http://schemas.openxmlformats.org/drawingml/2006/main">
+              <a:rPr lang="en" sz="1400" dirty="0">
+                <a:solidFill>
+                  <a:srgbClr val="000000"/>
+                </a:solidFill>
+                <a:latin typeface="Consolas" panose="020B0609020204030204" pitchFamily="49" charset="0"/>
+              </a:rPr>
+              <a:t>( </a:t>
+            </a:r>
+            <a:r xmlns:a="http://schemas.openxmlformats.org/drawingml/2006/main">
+              <a:rPr lang="en" sz="1400" dirty="0" err="1">
+                <a:solidFill>
+                  <a:srgbClr val="000000"/>
+                </a:solidFill>
+                <a:latin typeface="Consolas" panose="020B0609020204030204" pitchFamily="49" charset="0"/>
+              </a:rPr>
+              <a:t>FactSales </a:t>
+            </a:r>
+            <a:r xmlns:a="http://schemas.openxmlformats.org/drawingml/2006/main">
+              <a:rPr lang="en" sz="1400" dirty="0">
+                <a:solidFill>
+                  <a:srgbClr val="000000"/>
+                </a:solidFill>
+                <a:latin typeface="Consolas" panose="020B0609020204030204" pitchFamily="49" charset="0"/>
+              </a:rPr>
+              <a:t>[ </a:t>
+            </a:r>
+            <a:r xmlns:a="http://schemas.openxmlformats.org/drawingml/2006/main">
+              <a:rPr lang="en" sz="1400" dirty="0" err="1">
+                <a:solidFill>
+                  <a:srgbClr val="000000"/>
+                </a:solidFill>
+                <a:latin typeface="Consolas" panose="020B0609020204030204" pitchFamily="49" charset="0"/>
+              </a:rPr>
+              <a:t>DateKey </a:t>
+            </a:r>
+            <a:r xmlns:a="http://schemas.openxmlformats.org/drawingml/2006/main">
+              <a:rPr lang="en" sz="1400" dirty="0">
+                <a:solidFill>
+                  <a:srgbClr val="000000"/>
+                </a:solidFill>
+                <a:latin typeface="Consolas" panose="020B0609020204030204" pitchFamily="49" charset="0"/>
+              </a:rPr>
+              <a:t>]), </a:t>
+            </a:r>
+            <a:r xmlns:a="http://schemas.openxmlformats.org/drawingml/2006/main">
+              <a:rPr lang="en" sz="1400" dirty="0">
+                <a:solidFill>
+                  <a:srgbClr val="098658"/>
+                </a:solidFill>
+                <a:latin typeface="Consolas" panose="020B0609020204030204" pitchFamily="49" charset="0"/>
+              </a:rPr>
+              <a:t>10000 </a:t>
+            </a:r>
+            <a:r xmlns:a="http://schemas.openxmlformats.org/drawingml/2006/main">
+              <a:rPr lang="en" sz="1400" dirty="0">
+                <a:solidFill>
+                  <a:srgbClr val="000000"/>
+                </a:solidFill>
+                <a:latin typeface="Consolas" panose="020B0609020204030204" pitchFamily="49" charset="0"/>
+              </a:rPr>
+              <a:t>),</a:t>
+            </a:r>
+          </a:p>
+          <a:p>
+            <a:r xmlns:a="http://schemas.openxmlformats.org/drawingml/2006/main">
+              <a:rPr lang="en" sz="1400" dirty="0">
+                <a:solidFill>
+                  <a:srgbClr val="000000"/>
+                </a:solidFill>
+                <a:latin typeface="Consolas" panose="020B0609020204030204" pitchFamily="49" charset="0"/>
+              </a:rPr>
+              <a:t>               </a:t>
+            </a:r>
+            <a:r xmlns:a="http://schemas.openxmlformats.org/drawingml/2006/main">
+              <a:rPr lang="en" sz="1400" dirty="0">
+                <a:solidFill>
+                  <a:srgbClr val="3165BB"/>
+                </a:solidFill>
+                <a:latin typeface="Consolas" panose="020B0609020204030204" pitchFamily="49" charset="0"/>
+              </a:rPr>
+              <a:t>MOD </a:t>
+            </a:r>
+            <a:r xmlns:a="http://schemas.openxmlformats.org/drawingml/2006/main">
+              <a:rPr lang="en" sz="1400" dirty="0">
+                <a:solidFill>
+                  <a:srgbClr val="000000"/>
+                </a:solidFill>
+                <a:latin typeface="Consolas" panose="020B0609020204030204" pitchFamily="49" charset="0"/>
+              </a:rPr>
+              <a:t>( </a:t>
+            </a:r>
+            <a:r xmlns:a="http://schemas.openxmlformats.org/drawingml/2006/main">
+              <a:rPr lang="en" sz="1400" dirty="0">
+                <a:solidFill>
+                  <a:srgbClr val="3165BB"/>
+                </a:solidFill>
+                <a:latin typeface="Consolas" panose="020B0609020204030204" pitchFamily="49" charset="0"/>
+              </a:rPr>
+              <a:t>DIVIDE </a:t>
+            </a:r>
+            <a:r xmlns:a="http://schemas.openxmlformats.org/drawingml/2006/main">
+              <a:rPr lang="en" sz="1400" dirty="0">
+                <a:solidFill>
+                  <a:srgbClr val="000000"/>
+                </a:solidFill>
+                <a:latin typeface="Consolas" panose="020B0609020204030204" pitchFamily="49" charset="0"/>
+              </a:rPr>
+              <a:t>( </a:t>
+            </a:r>
+            <a:r xmlns:a="http://schemas.openxmlformats.org/drawingml/2006/main">
+              <a:rPr lang="en" sz="1400" dirty="0">
+                <a:solidFill>
+                  <a:srgbClr val="3165BB"/>
+                </a:solidFill>
+                <a:latin typeface="Consolas" panose="020B0609020204030204" pitchFamily="49" charset="0"/>
+              </a:rPr>
+              <a:t>MAX </a:t>
+            </a:r>
+            <a:r xmlns:a="http://schemas.openxmlformats.org/drawingml/2006/main">
+              <a:rPr lang="en" sz="1400" dirty="0">
+                <a:solidFill>
+                  <a:srgbClr val="000000"/>
+                </a:solidFill>
+                <a:latin typeface="Consolas" panose="020B0609020204030204" pitchFamily="49" charset="0"/>
+              </a:rPr>
+              <a:t>( </a:t>
+            </a:r>
+            <a:r xmlns:a="http://schemas.openxmlformats.org/drawingml/2006/main">
+              <a:rPr lang="en" sz="1400" dirty="0" err="1">
+                <a:solidFill>
+                  <a:srgbClr val="000000"/>
+                </a:solidFill>
+                <a:latin typeface="Consolas" panose="020B0609020204030204" pitchFamily="49" charset="0"/>
+              </a:rPr>
+              <a:t>FactSales </a:t>
+            </a:r>
+            <a:r xmlns:a="http://schemas.openxmlformats.org/drawingml/2006/main">
+              <a:rPr lang="en" sz="1400" dirty="0">
+                <a:solidFill>
+                  <a:srgbClr val="000000"/>
+                </a:solidFill>
+                <a:latin typeface="Consolas" panose="020B0609020204030204" pitchFamily="49" charset="0"/>
+              </a:rPr>
+              <a:t>[ </a:t>
+            </a:r>
+            <a:r xmlns:a="http://schemas.openxmlformats.org/drawingml/2006/main">
+              <a:rPr lang="en" sz="1400" dirty="0" err="1">
+                <a:solidFill>
+                  <a:srgbClr val="000000"/>
+                </a:solidFill>
+                <a:latin typeface="Consolas" panose="020B0609020204030204" pitchFamily="49" charset="0"/>
+              </a:rPr>
+              <a:t>DateKey </a:t>
+            </a:r>
+            <a:r xmlns:a="http://schemas.openxmlformats.org/drawingml/2006/main">
+              <a:rPr lang="en" sz="1400" dirty="0">
+                <a:solidFill>
+                  <a:srgbClr val="000000"/>
+                </a:solidFill>
+                <a:latin typeface="Consolas" panose="020B0609020204030204" pitchFamily="49" charset="0"/>
+              </a:rPr>
+              <a:t>]), </a:t>
+            </a:r>
+            <a:r xmlns:a="http://schemas.openxmlformats.org/drawingml/2006/main">
+              <a:rPr lang="en" sz="1400" dirty="0">
+                <a:solidFill>
+                  <a:srgbClr val="098658"/>
+                </a:solidFill>
+                <a:latin typeface="Consolas" panose="020B0609020204030204" pitchFamily="49" charset="0"/>
+              </a:rPr>
+              <a:t>100 </a:t>
+            </a:r>
+            <a:r xmlns:a="http://schemas.openxmlformats.org/drawingml/2006/main">
+              <a:rPr lang="en" sz="1400" dirty="0">
+                <a:solidFill>
+                  <a:srgbClr val="000000"/>
+                </a:solidFill>
+                <a:latin typeface="Consolas" panose="020B0609020204030204" pitchFamily="49" charset="0"/>
+              </a:rPr>
+              <a:t>), </a:t>
+            </a:r>
+            <a:r xmlns:a="http://schemas.openxmlformats.org/drawingml/2006/main">
+              <a:rPr lang="en" sz="1400" dirty="0">
+                <a:solidFill>
+                  <a:srgbClr val="098658"/>
+                </a:solidFill>
+                <a:latin typeface="Consolas" panose="020B0609020204030204" pitchFamily="49" charset="0"/>
+              </a:rPr>
+              <a:t>100 </a:t>
+            </a:r>
+            <a:r xmlns:a="http://schemas.openxmlformats.org/drawingml/2006/main">
+              <a:rPr lang="en" sz="1400" dirty="0">
+                <a:solidFill>
+                  <a:srgbClr val="000000"/>
+                </a:solidFill>
+                <a:latin typeface="Consolas" panose="020B0609020204030204" pitchFamily="49" charset="0"/>
+              </a:rPr>
+              <a:t>),</a:t>
+            </a:r>
+          </a:p>
+          <a:p>
+            <a:r xmlns:a="http://schemas.openxmlformats.org/drawingml/2006/main">
+              <a:rPr lang="en" sz="1400" dirty="0">
+                <a:solidFill>
+                  <a:srgbClr val="000000"/>
+                </a:solidFill>
+                <a:latin typeface="Consolas" panose="020B0609020204030204" pitchFamily="49" charset="0"/>
+              </a:rPr>
+              <a:t>               </a:t>
+            </a:r>
+            <a:r xmlns:a="http://schemas.openxmlformats.org/drawingml/2006/main">
+              <a:rPr lang="en" sz="1400" dirty="0">
+                <a:solidFill>
+                  <a:srgbClr val="3165BB"/>
+                </a:solidFill>
+                <a:latin typeface="Consolas" panose="020B0609020204030204" pitchFamily="49" charset="0"/>
+              </a:rPr>
+              <a:t>MOD </a:t>
+            </a:r>
+            <a:r xmlns:a="http://schemas.openxmlformats.org/drawingml/2006/main">
+              <a:rPr lang="en" sz="1400" dirty="0">
+                <a:solidFill>
+                  <a:srgbClr val="000000"/>
+                </a:solidFill>
+                <a:latin typeface="Consolas" panose="020B0609020204030204" pitchFamily="49" charset="0"/>
+              </a:rPr>
+              <a:t>( </a:t>
+            </a:r>
+            <a:r xmlns:a="http://schemas.openxmlformats.org/drawingml/2006/main">
+              <a:rPr lang="en" sz="1400" dirty="0">
+                <a:solidFill>
+                  <a:srgbClr val="3165BB"/>
+                </a:solidFill>
+                <a:latin typeface="Consolas" panose="020B0609020204030204" pitchFamily="49" charset="0"/>
+              </a:rPr>
+              <a:t>MAX </a:t>
+            </a:r>
+            <a:r xmlns:a="http://schemas.openxmlformats.org/drawingml/2006/main">
+              <a:rPr lang="en" sz="1400" dirty="0">
+                <a:solidFill>
+                  <a:srgbClr val="000000"/>
+                </a:solidFill>
+                <a:latin typeface="Consolas" panose="020B0609020204030204" pitchFamily="49" charset="0"/>
+              </a:rPr>
+              <a:t>( </a:t>
+            </a:r>
+            <a:r xmlns:a="http://schemas.openxmlformats.org/drawingml/2006/main">
+              <a:rPr lang="en" sz="1400" dirty="0" err="1">
+                <a:solidFill>
+                  <a:srgbClr val="000000"/>
+                </a:solidFill>
+                <a:latin typeface="Consolas" panose="020B0609020204030204" pitchFamily="49" charset="0"/>
+              </a:rPr>
+              <a:t>FactSales </a:t>
+            </a:r>
+            <a:r xmlns:a="http://schemas.openxmlformats.org/drawingml/2006/main">
+              <a:rPr lang="en" sz="1400" dirty="0">
+                <a:solidFill>
+                  <a:srgbClr val="000000"/>
+                </a:solidFill>
+                <a:latin typeface="Consolas" panose="020B0609020204030204" pitchFamily="49" charset="0"/>
+              </a:rPr>
+              <a:t>[ </a:t>
+            </a:r>
+            <a:r xmlns:a="http://schemas.openxmlformats.org/drawingml/2006/main">
+              <a:rPr lang="en" sz="1400" dirty="0" err="1">
+                <a:solidFill>
+                  <a:srgbClr val="000000"/>
+                </a:solidFill>
+                <a:latin typeface="Consolas" panose="020B0609020204030204" pitchFamily="49" charset="0"/>
+              </a:rPr>
+              <a:t>DateKey </a:t>
+            </a:r>
+            <a:r xmlns:a="http://schemas.openxmlformats.org/drawingml/2006/main">
+              <a:rPr lang="en" sz="1400" dirty="0">
+                <a:solidFill>
+                  <a:srgbClr val="000000"/>
+                </a:solidFill>
+                <a:latin typeface="Consolas" panose="020B0609020204030204" pitchFamily="49" charset="0"/>
+              </a:rPr>
+              <a:t>]), </a:t>
+            </a:r>
+            <a:r xmlns:a="http://schemas.openxmlformats.org/drawingml/2006/main">
+              <a:rPr lang="en" sz="1400" dirty="0">
+                <a:solidFill>
+                  <a:srgbClr val="098658"/>
+                </a:solidFill>
+                <a:latin typeface="Consolas" panose="020B0609020204030204" pitchFamily="49" charset="0"/>
+              </a:rPr>
+              <a:t>100 </a:t>
+            </a:r>
+            <a:r xmlns:a="http://schemas.openxmlformats.org/drawingml/2006/main">
+              <a:rPr lang="en" sz="1400" dirty="0">
+                <a:solidFill>
+                  <a:srgbClr val="000000"/>
+                </a:solidFill>
+                <a:latin typeface="Consolas" panose="020B0609020204030204" pitchFamily="49" charset="0"/>
+              </a:rPr>
+              <a:t>)</a:t>
+            </a:r>
+          </a:p>
+          <a:p>
+            <a:r xmlns:a="http://schemas.openxmlformats.org/drawingml/2006/main">
+              <a:rPr lang="en" sz="1400" dirty="0">
+                <a:solidFill>
+                  <a:srgbClr val="000000"/>
+                </a:solidFill>
+                <a:latin typeface="Consolas" panose="020B0609020204030204" pitchFamily="49" charset="0"/>
+              </a:rPr>
+              <a:t>)</a:t>
+            </a:r>
+          </a:p>
+          <a:p>
+            <a:r xmlns:a="http://schemas.openxmlformats.org/drawingml/2006/main">
+              <a:rPr lang="en" sz="1400" dirty="0">
+                <a:solidFill>
+                  <a:srgbClr val="000000"/>
+                </a:solidFill>
+                <a:latin typeface="Consolas" panose="020B0609020204030204" pitchFamily="49" charset="0"/>
+              </a:rPr>
+              <a:t>),</a:t>
+            </a:r>
+          </a:p>
+          <a:p>
+            <a:r xmlns:a="http://schemas.openxmlformats.org/drawingml/2006/main">
+              <a:rPr lang="en" sz="1400" dirty="0">
+                <a:solidFill>
+                  <a:srgbClr val="000000"/>
+                </a:solidFill>
+                <a:latin typeface="Consolas" panose="020B0609020204030204" pitchFamily="49" charset="0"/>
+              </a:rPr>
+              <a:t>    </a:t>
+            </a:r>
+            <a:r xmlns:a="http://schemas.openxmlformats.org/drawingml/2006/main">
+              <a:rPr lang="en" sz="1400" dirty="0">
+                <a:solidFill>
+                  <a:srgbClr val="A31515"/>
+                </a:solidFill>
+                <a:latin typeface="Consolas" panose="020B0609020204030204" pitchFamily="49" charset="0"/>
+              </a:rPr>
+              <a:t>" </a:t>
+            </a:r>
+            <a:r xmlns:a="http://schemas.openxmlformats.org/drawingml/2006/main">
+              <a:rPr lang="en" sz="1400" dirty="0" err="1">
+                <a:solidFill>
+                  <a:srgbClr val="A31515"/>
+                </a:solidFill>
+                <a:latin typeface="Consolas" panose="020B0609020204030204" pitchFamily="49" charset="0"/>
+              </a:rPr>
+              <a:t>DateKey </a:t>
+            </a:r>
+            <a:r xmlns:a="http://schemas.openxmlformats.org/drawingml/2006/main">
+              <a:rPr lang="en" sz="1400" dirty="0">
+                <a:solidFill>
+                  <a:srgbClr val="A31515"/>
+                </a:solidFill>
+                <a:latin typeface="Consolas" panose="020B0609020204030204" pitchFamily="49" charset="0"/>
+              </a:rPr>
+              <a:t>" </a:t>
+            </a:r>
+            <a:r xmlns:a="http://schemas.openxmlformats.org/drawingml/2006/main">
+              <a:rPr lang="en" sz="1400" dirty="0">
+                <a:solidFill>
+                  <a:srgbClr val="000000"/>
+                </a:solidFill>
+                <a:latin typeface="Consolas" panose="020B0609020204030204" pitchFamily="49" charset="0"/>
+              </a:rPr>
+              <a:t>, </a:t>
+            </a:r>
+            <a:r xmlns:a="http://schemas.openxmlformats.org/drawingml/2006/main">
+              <a:rPr lang="en" sz="1400" dirty="0">
+                <a:solidFill>
+                  <a:srgbClr val="3165BB"/>
+                </a:solidFill>
+                <a:latin typeface="Consolas" panose="020B0609020204030204" pitchFamily="49" charset="0"/>
+              </a:rPr>
+              <a:t>YEAR </a:t>
+            </a:r>
+            <a:r xmlns:a="http://schemas.openxmlformats.org/drawingml/2006/main">
+              <a:rPr lang="en" sz="1400" dirty="0">
+                <a:solidFill>
+                  <a:srgbClr val="000000"/>
+                </a:solidFill>
+                <a:latin typeface="Consolas" panose="020B0609020204030204" pitchFamily="49" charset="0"/>
+              </a:rPr>
+              <a:t>([Date]) * </a:t>
+            </a:r>
+            <a:r xmlns:a="http://schemas.openxmlformats.org/drawingml/2006/main">
+              <a:rPr lang="en" sz="1400" dirty="0">
+                <a:solidFill>
+                  <a:srgbClr val="098658"/>
+                </a:solidFill>
+                <a:latin typeface="Consolas" panose="020B0609020204030204" pitchFamily="49" charset="0"/>
+              </a:rPr>
+              <a:t>10000 </a:t>
+            </a:r>
+            <a:r xmlns:a="http://schemas.openxmlformats.org/drawingml/2006/main">
+              <a:rPr lang="en" sz="1400" dirty="0">
+                <a:solidFill>
+                  <a:srgbClr val="000000"/>
+                </a:solidFill>
+                <a:latin typeface="Consolas" panose="020B0609020204030204" pitchFamily="49" charset="0"/>
+              </a:rPr>
+              <a:t>+ </a:t>
+            </a:r>
+            <a:r xmlns:a="http://schemas.openxmlformats.org/drawingml/2006/main">
+              <a:rPr lang="en" sz="1400" dirty="0">
+                <a:solidFill>
+                  <a:srgbClr val="3165BB"/>
+                </a:solidFill>
+                <a:latin typeface="Consolas" panose="020B0609020204030204" pitchFamily="49" charset="0"/>
+              </a:rPr>
+              <a:t>MONTH </a:t>
+            </a:r>
+            <a:r xmlns:a="http://schemas.openxmlformats.org/drawingml/2006/main">
+              <a:rPr lang="en" sz="1400" dirty="0">
+                <a:solidFill>
+                  <a:srgbClr val="000000"/>
+                </a:solidFill>
+                <a:latin typeface="Consolas" panose="020B0609020204030204" pitchFamily="49" charset="0"/>
+              </a:rPr>
+              <a:t>([Date]) * </a:t>
+            </a:r>
+            <a:r xmlns:a="http://schemas.openxmlformats.org/drawingml/2006/main">
+              <a:rPr lang="en" sz="1400" dirty="0">
+                <a:solidFill>
+                  <a:srgbClr val="098658"/>
+                </a:solidFill>
+                <a:latin typeface="Consolas" panose="020B0609020204030204" pitchFamily="49" charset="0"/>
+              </a:rPr>
+              <a:t>100 </a:t>
+            </a:r>
+            <a:r xmlns:a="http://schemas.openxmlformats.org/drawingml/2006/main">
+              <a:rPr lang="en" sz="1400" dirty="0">
+                <a:solidFill>
+                  <a:srgbClr val="000000"/>
+                </a:solidFill>
+                <a:latin typeface="Consolas" panose="020B0609020204030204" pitchFamily="49" charset="0"/>
+              </a:rPr>
+              <a:t>+ </a:t>
+            </a:r>
+            <a:r xmlns:a="http://schemas.openxmlformats.org/drawingml/2006/main">
+              <a:rPr lang="en" sz="1400" dirty="0">
+                <a:solidFill>
+                  <a:srgbClr val="3165BB"/>
+                </a:solidFill>
+                <a:latin typeface="Consolas" panose="020B0609020204030204" pitchFamily="49" charset="0"/>
+              </a:rPr>
+              <a:t>DAY </a:t>
+            </a:r>
+            <a:r xmlns:a="http://schemas.openxmlformats.org/drawingml/2006/main">
+              <a:rPr lang="en" sz="1400" dirty="0">
+                <a:solidFill>
+                  <a:srgbClr val="000000"/>
+                </a:solidFill>
+                <a:latin typeface="Consolas" panose="020B0609020204030204" pitchFamily="49" charset="0"/>
+              </a:rPr>
+              <a:t>([Date]), </a:t>
+            </a:r>
+            <a:r xmlns:a="http://schemas.openxmlformats.org/drawingml/2006/main">
+              <a:rPr lang="en" sz="1400" dirty="0">
+                <a:solidFill>
+                  <a:srgbClr val="A31515"/>
+                </a:solidFill>
+                <a:latin typeface="Consolas" panose="020B0609020204030204" pitchFamily="49" charset="0"/>
+              </a:rPr>
+              <a:t>"Year" </a:t>
+            </a:r>
+            <a:r xmlns:a="http://schemas.openxmlformats.org/drawingml/2006/main">
+              <a:rPr lang="en" sz="1400" dirty="0">
+                <a:solidFill>
+                  <a:srgbClr val="000000"/>
+                </a:solidFill>
+                <a:latin typeface="Consolas" panose="020B0609020204030204" pitchFamily="49" charset="0"/>
+              </a:rPr>
+              <a:t>, </a:t>
+            </a:r>
+            <a:r xmlns:a="http://schemas.openxmlformats.org/drawingml/2006/main">
+              <a:rPr lang="en" sz="1400" dirty="0">
+                <a:solidFill>
+                  <a:srgbClr val="3165BB"/>
+                </a:solidFill>
+                <a:latin typeface="Consolas" panose="020B0609020204030204" pitchFamily="49" charset="0"/>
+              </a:rPr>
+              <a:t>YEAR </a:t>
+            </a:r>
+            <a:r xmlns:a="http://schemas.openxmlformats.org/drawingml/2006/main">
+              <a:rPr lang="en" sz="1400" dirty="0">
+                <a:solidFill>
+                  <a:srgbClr val="000000"/>
+                </a:solidFill>
+                <a:latin typeface="Consolas" panose="020B0609020204030204" pitchFamily="49" charset="0"/>
+              </a:rPr>
+              <a:t>([Date]),</a:t>
+            </a:r>
+          </a:p>
+          <a:p>
+            <a:r xmlns:a="http://schemas.openxmlformats.org/drawingml/2006/main">
+              <a:rPr lang="en" sz="1400" dirty="0">
+                <a:solidFill>
+                  <a:srgbClr val="000000"/>
+                </a:solidFill>
+                <a:latin typeface="Consolas" panose="020B0609020204030204" pitchFamily="49" charset="0"/>
+              </a:rPr>
+              <a:t>    </a:t>
+            </a:r>
+            <a:r xmlns:a="http://schemas.openxmlformats.org/drawingml/2006/main">
+              <a:rPr lang="en" sz="1400" dirty="0">
+                <a:solidFill>
+                  <a:srgbClr val="A31515"/>
+                </a:solidFill>
+                <a:latin typeface="Consolas" panose="020B0609020204030204" pitchFamily="49" charset="0"/>
+              </a:rPr>
+              <a:t>"Month" </a:t>
+            </a:r>
+            <a:r xmlns:a="http://schemas.openxmlformats.org/drawingml/2006/main">
+              <a:rPr lang="en" sz="1400" dirty="0">
+                <a:solidFill>
+                  <a:srgbClr val="000000"/>
+                </a:solidFill>
+                <a:latin typeface="Consolas" panose="020B0609020204030204" pitchFamily="49" charset="0"/>
+              </a:rPr>
+              <a:t>, </a:t>
+            </a:r>
+            <a:r xmlns:a="http://schemas.openxmlformats.org/drawingml/2006/main">
+              <a:rPr lang="en" sz="1400" dirty="0">
+                <a:solidFill>
+                  <a:srgbClr val="3165BB"/>
+                </a:solidFill>
+                <a:latin typeface="Consolas" panose="020B0609020204030204" pitchFamily="49" charset="0"/>
+              </a:rPr>
+              <a:t>MONTH </a:t>
+            </a:r>
+            <a:r xmlns:a="http://schemas.openxmlformats.org/drawingml/2006/main">
+              <a:rPr lang="en" sz="1400" dirty="0">
+                <a:solidFill>
+                  <a:srgbClr val="000000"/>
+                </a:solidFill>
+                <a:latin typeface="Consolas" panose="020B0609020204030204" pitchFamily="49" charset="0"/>
+              </a:rPr>
+              <a:t>( [Date] ),</a:t>
+            </a:r>
+          </a:p>
+          <a:p>
+            <a:r xmlns:a="http://schemas.openxmlformats.org/drawingml/2006/main">
+              <a:rPr lang="en" sz="1400" dirty="0">
+                <a:solidFill>
+                  <a:srgbClr val="000000"/>
+                </a:solidFill>
+                <a:latin typeface="Consolas" panose="020B0609020204030204" pitchFamily="49" charset="0"/>
+              </a:rPr>
+              <a:t>    </a:t>
+            </a:r>
+            <a:r xmlns:a="http://schemas.openxmlformats.org/drawingml/2006/main">
+              <a:rPr lang="en" sz="1400" dirty="0">
+                <a:solidFill>
+                  <a:srgbClr val="A31515"/>
+                </a:solidFill>
+                <a:latin typeface="Consolas" panose="020B0609020204030204" pitchFamily="49" charset="0"/>
+              </a:rPr>
+              <a:t>"Day" </a:t>
+            </a:r>
+            <a:r xmlns:a="http://schemas.openxmlformats.org/drawingml/2006/main">
+              <a:rPr lang="en" sz="1400" dirty="0">
+                <a:solidFill>
+                  <a:srgbClr val="000000"/>
+                </a:solidFill>
+                <a:latin typeface="Consolas" panose="020B0609020204030204" pitchFamily="49" charset="0"/>
+              </a:rPr>
+              <a:t>, </a:t>
+            </a:r>
+            <a:r xmlns:a="http://schemas.openxmlformats.org/drawingml/2006/main">
+              <a:rPr lang="en" sz="1400" dirty="0">
+                <a:solidFill>
+                  <a:srgbClr val="3165BB"/>
+                </a:solidFill>
+                <a:latin typeface="Consolas" panose="020B0609020204030204" pitchFamily="49" charset="0"/>
+              </a:rPr>
+              <a:t>DAY </a:t>
+            </a:r>
+            <a:r xmlns:a="http://schemas.openxmlformats.org/drawingml/2006/main">
+              <a:rPr lang="en" sz="1400" dirty="0">
+                <a:solidFill>
+                  <a:srgbClr val="000000"/>
+                </a:solidFill>
+                <a:latin typeface="Consolas" panose="020B0609020204030204" pitchFamily="49" charset="0"/>
+              </a:rPr>
+              <a:t>( [Date] ),</a:t>
+            </a:r>
+          </a:p>
+          <a:p>
+            <a:r xmlns:a="http://schemas.openxmlformats.org/drawingml/2006/main">
+              <a:rPr lang="en" sz="1400" dirty="0">
+                <a:solidFill>
+                  <a:srgbClr val="000000"/>
+                </a:solidFill>
+                <a:latin typeface="Consolas" panose="020B0609020204030204" pitchFamily="49" charset="0"/>
+              </a:rPr>
+              <a:t>    </a:t>
+            </a:r>
+            <a:r xmlns:a="http://schemas.openxmlformats.org/drawingml/2006/main">
+              <a:rPr lang="en" sz="1400" dirty="0">
+                <a:solidFill>
+                  <a:srgbClr val="A31515"/>
+                </a:solidFill>
+                <a:latin typeface="Consolas" panose="020B0609020204030204" pitchFamily="49" charset="0"/>
+              </a:rPr>
+              <a:t>"Month Name" </a:t>
+            </a:r>
+            <a:r xmlns:a="http://schemas.openxmlformats.org/drawingml/2006/main">
+              <a:rPr lang="en" sz="1400" dirty="0">
+                <a:solidFill>
+                  <a:srgbClr val="000000"/>
+                </a:solidFill>
+                <a:latin typeface="Consolas" panose="020B0609020204030204" pitchFamily="49" charset="0"/>
+              </a:rPr>
+              <a:t>, </a:t>
+            </a:r>
+            <a:r xmlns:a="http://schemas.openxmlformats.org/drawingml/2006/main">
+              <a:rPr lang="en" sz="1400" dirty="0">
+                <a:solidFill>
+                  <a:srgbClr val="3165BB"/>
+                </a:solidFill>
+                <a:latin typeface="Consolas" panose="020B0609020204030204" pitchFamily="49" charset="0"/>
+              </a:rPr>
+              <a:t>FORMAT </a:t>
+            </a:r>
+            <a:r xmlns:a="http://schemas.openxmlformats.org/drawingml/2006/main">
+              <a:rPr lang="en" sz="1400" dirty="0">
+                <a:solidFill>
+                  <a:srgbClr val="000000"/>
+                </a:solidFill>
+                <a:latin typeface="Consolas" panose="020B0609020204030204" pitchFamily="49" charset="0"/>
+              </a:rPr>
+              <a:t>([Date], </a:t>
+            </a:r>
+            <a:r xmlns:a="http://schemas.openxmlformats.org/drawingml/2006/main">
+              <a:rPr lang="en" sz="1400" dirty="0">
+                <a:solidFill>
+                  <a:srgbClr val="A31515"/>
+                </a:solidFill>
+                <a:latin typeface="Consolas" panose="020B0609020204030204" pitchFamily="49" charset="0"/>
+              </a:rPr>
+              <a:t>" </a:t>
+            </a:r>
+            <a:r xmlns:a="http://schemas.openxmlformats.org/drawingml/2006/main">
+              <a:rPr lang="en" sz="1400" dirty="0" err="1">
+                <a:solidFill>
+                  <a:srgbClr val="A31515"/>
+                </a:solidFill>
+                <a:latin typeface="Consolas" panose="020B0609020204030204" pitchFamily="49" charset="0"/>
+              </a:rPr>
+              <a:t>mmmm </a:t>
+            </a:r>
+            <a:r xmlns:a="http://schemas.openxmlformats.org/drawingml/2006/main">
+              <a:rPr lang="en" sz="1400" dirty="0">
+                <a:solidFill>
+                  <a:srgbClr val="A31515"/>
+                </a:solidFill>
+                <a:latin typeface="Consolas" panose="020B0609020204030204" pitchFamily="49" charset="0"/>
+              </a:rPr>
+              <a:t>" </a:t>
+            </a:r>
+            <a:r xmlns:a="http://schemas.openxmlformats.org/drawingml/2006/main">
+              <a:rPr lang="en" sz="1400" dirty="0">
+                <a:solidFill>
+                  <a:srgbClr val="000000"/>
+                </a:solidFill>
+                <a:latin typeface="Consolas" panose="020B0609020204030204" pitchFamily="49" charset="0"/>
+              </a:rPr>
+              <a:t>),</a:t>
+            </a:r>
+          </a:p>
+          <a:p>
+            <a:r xmlns:a="http://schemas.openxmlformats.org/drawingml/2006/main">
+              <a:rPr lang="en" sz="1400" dirty="0">
+                <a:solidFill>
+                  <a:srgbClr val="000000"/>
+                </a:solidFill>
+                <a:latin typeface="Consolas" panose="020B0609020204030204" pitchFamily="49" charset="0"/>
+              </a:rPr>
+              <a:t>    </a:t>
+            </a:r>
+            <a:r xmlns:a="http://schemas.openxmlformats.org/drawingml/2006/main">
+              <a:rPr lang="en" sz="1400" dirty="0">
+                <a:solidFill>
+                  <a:srgbClr val="A31515"/>
+                </a:solidFill>
+                <a:latin typeface="Consolas" panose="020B0609020204030204" pitchFamily="49" charset="0"/>
+              </a:rPr>
+              <a:t>"Quarter" </a:t>
+            </a:r>
+            <a:r xmlns:a="http://schemas.openxmlformats.org/drawingml/2006/main">
+              <a:rPr lang="en" sz="1400" dirty="0">
+                <a:solidFill>
+                  <a:srgbClr val="000000"/>
+                </a:solidFill>
+                <a:latin typeface="Consolas" panose="020B0609020204030204" pitchFamily="49" charset="0"/>
+              </a:rPr>
+              <a:t>, </a:t>
+            </a:r>
+            <a:r xmlns:a="http://schemas.openxmlformats.org/drawingml/2006/main">
+              <a:rPr lang="en" sz="1400" dirty="0">
+                <a:solidFill>
+                  <a:srgbClr val="A31515"/>
+                </a:solidFill>
+                <a:latin typeface="Consolas" panose="020B0609020204030204" pitchFamily="49" charset="0"/>
+              </a:rPr>
+              <a:t>"Q" </a:t>
+            </a:r>
+            <a:r xmlns:a="http://schemas.openxmlformats.org/drawingml/2006/main">
+              <a:rPr lang="en" sz="1400" dirty="0">
+                <a:solidFill>
+                  <a:srgbClr val="000000"/>
+                </a:solidFill>
+                <a:latin typeface="Consolas" panose="020B0609020204030204" pitchFamily="49" charset="0"/>
+              </a:rPr>
+              <a:t>&amp; </a:t>
+            </a:r>
+            <a:r xmlns:a="http://schemas.openxmlformats.org/drawingml/2006/main">
+              <a:rPr lang="en" sz="1400" dirty="0">
+                <a:solidFill>
+                  <a:srgbClr val="3165BB"/>
+                </a:solidFill>
+                <a:latin typeface="Consolas" panose="020B0609020204030204" pitchFamily="49" charset="0"/>
+              </a:rPr>
+              <a:t>FORMAT </a:t>
+            </a:r>
+            <a:r xmlns:a="http://schemas.openxmlformats.org/drawingml/2006/main">
+              <a:rPr lang="en" sz="1400" dirty="0">
+                <a:solidFill>
+                  <a:srgbClr val="000000"/>
+                </a:solidFill>
+                <a:latin typeface="Consolas" panose="020B0609020204030204" pitchFamily="49" charset="0"/>
+              </a:rPr>
+              <a:t>([Date], </a:t>
+            </a:r>
+            <a:r xmlns:a="http://schemas.openxmlformats.org/drawingml/2006/main">
+              <a:rPr lang="en" sz="1400" dirty="0">
+                <a:solidFill>
+                  <a:srgbClr val="A31515"/>
+                </a:solidFill>
+                <a:latin typeface="Consolas" panose="020B0609020204030204" pitchFamily="49" charset="0"/>
+              </a:rPr>
+              <a:t>"Q" </a:t>
+            </a:r>
+            <a:r xmlns:a="http://schemas.openxmlformats.org/drawingml/2006/main">
+              <a:rPr lang="en" sz="1400" dirty="0">
+                <a:solidFill>
+                  <a:srgbClr val="000000"/>
+                </a:solidFill>
+                <a:latin typeface="Consolas" panose="020B0609020204030204" pitchFamily="49" charset="0"/>
+              </a:rPr>
+              <a:t>)</a:t>
+            </a:r>
+          </a:p>
+          <a:p>
+            <a:r xmlns:a="http://schemas.openxmlformats.org/drawingml/2006/main">
+              <a:rPr lang="en" sz="1400" dirty="0">
+                <a:solidFill>
+                  <a:srgbClr val="000000"/>
+                </a:solidFill>
+                <a:latin typeface="Consolas" panose="020B0609020204030204" pitchFamily="49" charset="0"/>
+              </a:rPr>
+              <a:t>)</a:t>
+            </a:r>
+          </a:p>
+          <a:p>
+            <a:r xmlns:a="http://schemas.openxmlformats.org/drawingml/2006/main">
+              <a:rPr lang="en" sz="1400" dirty="0">
+                <a:solidFill>
+                  <a:srgbClr val="000000"/>
+                </a:solidFill>
+                <a:latin typeface="Consolas" panose="020B0609020204030204" pitchFamily="49" charset="0"/>
+              </a:rPr>
+              <a:t/>
+            </a:r>
+            <a:br xmlns:a="http://schemas.openxmlformats.org/drawingml/2006/main">
               <a:rPr lang="en-US" sz="1400" dirty="0">
                 <a:solidFill>
                   <a:srgbClr val="000000"/>
                 </a:solidFill>
                 <a:latin typeface="Consolas" panose="020B0609020204030204" pitchFamily="49" charset="0"/>
               </a:rPr>
-              <a:t> = </a:t>
-            </a:r>
-          </a:p>
-          <a:p>
-            <a:r>
-              <a:rPr lang="en-US" sz="1400" dirty="0">
-                <a:solidFill>
-                  <a:srgbClr val="3165BB"/>
-                </a:solidFill>
-                <a:latin typeface="Consolas" panose="020B0609020204030204" pitchFamily="49" charset="0"/>
-              </a:rPr>
-              <a:t>ADDCOLUMNS</a:t>
-            </a:r>
-            <a:r>
-              <a:rPr lang="en-US" sz="1400" dirty="0">
-                <a:solidFill>
-                  <a:srgbClr val="000000"/>
-                </a:solidFill>
-                <a:latin typeface="Consolas" panose="020B0609020204030204" pitchFamily="49" charset="0"/>
-              </a:rPr>
-              <a:t> ( </a:t>
-            </a:r>
-          </a:p>
-          <a:p>
-            <a:r>
-              <a:rPr lang="en-US" sz="1400" dirty="0">
-                <a:solidFill>
-                  <a:srgbClr val="000000"/>
-                </a:solidFill>
-                <a:latin typeface="Consolas" panose="020B0609020204030204" pitchFamily="49" charset="0"/>
-              </a:rPr>
-              <a:t>    </a:t>
-            </a:r>
-            <a:r>
-              <a:rPr lang="en-US" sz="1400" dirty="0">
-                <a:solidFill>
-                  <a:srgbClr val="3165BB"/>
-                </a:solidFill>
-                <a:latin typeface="Consolas" panose="020B0609020204030204" pitchFamily="49" charset="0"/>
-              </a:rPr>
-              <a:t>CALENDAR</a:t>
-            </a:r>
-            <a:r>
-              <a:rPr lang="en-US" sz="1400" dirty="0">
-                <a:solidFill>
-                  <a:srgbClr val="000000"/>
-                </a:solidFill>
-                <a:latin typeface="Consolas" panose="020B0609020204030204" pitchFamily="49" charset="0"/>
-              </a:rPr>
-              <a:t> (</a:t>
-            </a:r>
-          </a:p>
-          <a:p>
-            <a:r>
-              <a:rPr lang="en-US" sz="1400" dirty="0">
-                <a:solidFill>
-                  <a:srgbClr val="000000"/>
-                </a:solidFill>
-                <a:latin typeface="Consolas" panose="020B0609020204030204" pitchFamily="49" charset="0"/>
-              </a:rPr>
-              <a:t>        </a:t>
-            </a:r>
-            <a:r>
-              <a:rPr lang="en-US" sz="1400" dirty="0">
-                <a:solidFill>
-                  <a:srgbClr val="3165BB"/>
-                </a:solidFill>
-                <a:latin typeface="Consolas" panose="020B0609020204030204" pitchFamily="49" charset="0"/>
-              </a:rPr>
-              <a:t>DATE</a:t>
-            </a:r>
-            <a:r>
-              <a:rPr lang="en-US" sz="1400" dirty="0">
-                <a:solidFill>
-                  <a:srgbClr val="000000"/>
-                </a:solidFill>
-                <a:latin typeface="Consolas" panose="020B0609020204030204" pitchFamily="49" charset="0"/>
-              </a:rPr>
-              <a:t> ( </a:t>
-            </a:r>
-            <a:r>
-              <a:rPr lang="en-US" sz="1400" dirty="0">
-                <a:solidFill>
-                  <a:srgbClr val="3165BB"/>
-                </a:solidFill>
-                <a:latin typeface="Consolas" panose="020B0609020204030204" pitchFamily="49" charset="0"/>
-              </a:rPr>
-              <a:t>DIVIDE</a:t>
-            </a:r>
-            <a:r>
-              <a:rPr lang="en-US" sz="1400" dirty="0">
-                <a:solidFill>
-                  <a:srgbClr val="000000"/>
-                </a:solidFill>
-                <a:latin typeface="Consolas" panose="020B0609020204030204" pitchFamily="49" charset="0"/>
-              </a:rPr>
-              <a:t> ( </a:t>
-            </a:r>
-            <a:r>
-              <a:rPr lang="en-US" sz="1400" dirty="0">
-                <a:solidFill>
-                  <a:srgbClr val="3165BB"/>
-                </a:solidFill>
-                <a:latin typeface="Consolas" panose="020B0609020204030204" pitchFamily="49" charset="0"/>
-              </a:rPr>
-              <a:t>MIN</a:t>
-            </a:r>
-            <a:r>
-              <a:rPr lang="en-US" sz="1400" dirty="0">
-                <a:solidFill>
-                  <a:srgbClr val="000000"/>
-                </a:solidFill>
-                <a:latin typeface="Consolas" panose="020B0609020204030204" pitchFamily="49" charset="0"/>
-              </a:rPr>
-              <a:t> ( </a:t>
-            </a:r>
-            <a:r>
-              <a:rPr lang="en-US" sz="1400" dirty="0" err="1">
-                <a:solidFill>
-                  <a:srgbClr val="000000"/>
-                </a:solidFill>
-                <a:latin typeface="Consolas" panose="020B0609020204030204" pitchFamily="49" charset="0"/>
-              </a:rPr>
-              <a:t>FactSales</a:t>
-            </a:r>
-            <a:r>
-              <a:rPr lang="en-US" sz="1400" dirty="0">
-                <a:solidFill>
-                  <a:srgbClr val="000000"/>
-                </a:solidFill>
-                <a:latin typeface="Consolas" panose="020B0609020204030204" pitchFamily="49" charset="0"/>
-              </a:rPr>
-              <a:t>[</a:t>
-            </a:r>
-            <a:r>
-              <a:rPr lang="en-US" sz="1400" dirty="0" err="1">
-                <a:solidFill>
-                  <a:srgbClr val="000000"/>
-                </a:solidFill>
-                <a:latin typeface="Consolas" panose="020B0609020204030204" pitchFamily="49" charset="0"/>
-              </a:rPr>
-              <a:t>DateKey</a:t>
-            </a:r>
-            <a:r>
-              <a:rPr lang="en-US" sz="1400" dirty="0">
-                <a:solidFill>
-                  <a:srgbClr val="000000"/>
-                </a:solidFill>
-                <a:latin typeface="Consolas" panose="020B0609020204030204" pitchFamily="49" charset="0"/>
-              </a:rPr>
-              <a:t>] ), </a:t>
-            </a:r>
-            <a:r>
-              <a:rPr lang="en-US" sz="1400" dirty="0">
-                <a:solidFill>
-                  <a:srgbClr val="098658"/>
-                </a:solidFill>
-                <a:latin typeface="Consolas" panose="020B0609020204030204" pitchFamily="49" charset="0"/>
-              </a:rPr>
-              <a:t>10000</a:t>
-            </a:r>
-            <a:r>
-              <a:rPr lang="en-US" sz="1400" dirty="0">
-                <a:solidFill>
-                  <a:srgbClr val="000000"/>
-                </a:solidFill>
-                <a:latin typeface="Consolas" panose="020B0609020204030204" pitchFamily="49" charset="0"/>
-              </a:rPr>
-              <a:t> ), </a:t>
-            </a:r>
-          </a:p>
-          <a:p>
-            <a:r>
-              <a:rPr lang="en-US" sz="1400" dirty="0">
-                <a:solidFill>
-                  <a:srgbClr val="000000"/>
-                </a:solidFill>
-                <a:latin typeface="Consolas" panose="020B0609020204030204" pitchFamily="49" charset="0"/>
-              </a:rPr>
-              <a:t>               </a:t>
-            </a:r>
-            <a:r>
-              <a:rPr lang="en-US" sz="1400" dirty="0">
-                <a:solidFill>
-                  <a:srgbClr val="3165BB"/>
-                </a:solidFill>
-                <a:latin typeface="Consolas" panose="020B0609020204030204" pitchFamily="49" charset="0"/>
-              </a:rPr>
-              <a:t>MOD</a:t>
-            </a:r>
-            <a:r>
-              <a:rPr lang="en-US" sz="1400" dirty="0">
-                <a:solidFill>
-                  <a:srgbClr val="000000"/>
-                </a:solidFill>
-                <a:latin typeface="Consolas" panose="020B0609020204030204" pitchFamily="49" charset="0"/>
-              </a:rPr>
-              <a:t> ( </a:t>
-            </a:r>
-            <a:r>
-              <a:rPr lang="en-US" sz="1400" dirty="0">
-                <a:solidFill>
-                  <a:srgbClr val="3165BB"/>
-                </a:solidFill>
-                <a:latin typeface="Consolas" panose="020B0609020204030204" pitchFamily="49" charset="0"/>
-              </a:rPr>
-              <a:t>DIVIDE</a:t>
-            </a:r>
-            <a:r>
-              <a:rPr lang="en-US" sz="1400" dirty="0">
-                <a:solidFill>
-                  <a:srgbClr val="000000"/>
-                </a:solidFill>
-                <a:latin typeface="Consolas" panose="020B0609020204030204" pitchFamily="49" charset="0"/>
-              </a:rPr>
-              <a:t> ( </a:t>
-            </a:r>
-            <a:r>
-              <a:rPr lang="en-US" sz="1400" dirty="0">
-                <a:solidFill>
-                  <a:srgbClr val="3165BB"/>
-                </a:solidFill>
-                <a:latin typeface="Consolas" panose="020B0609020204030204" pitchFamily="49" charset="0"/>
-              </a:rPr>
-              <a:t>MIN</a:t>
-            </a:r>
-            <a:r>
-              <a:rPr lang="en-US" sz="1400" dirty="0">
-                <a:solidFill>
-                  <a:srgbClr val="000000"/>
-                </a:solidFill>
-                <a:latin typeface="Consolas" panose="020B0609020204030204" pitchFamily="49" charset="0"/>
-              </a:rPr>
-              <a:t> ( </a:t>
-            </a:r>
-            <a:r>
-              <a:rPr lang="en-US" sz="1400" dirty="0" err="1">
-                <a:solidFill>
-                  <a:srgbClr val="000000"/>
-                </a:solidFill>
-                <a:latin typeface="Consolas" panose="020B0609020204030204" pitchFamily="49" charset="0"/>
-              </a:rPr>
-              <a:t>FactSales</a:t>
-            </a:r>
-            <a:r>
-              <a:rPr lang="en-US" sz="1400" dirty="0">
-                <a:solidFill>
-                  <a:srgbClr val="000000"/>
-                </a:solidFill>
-                <a:latin typeface="Consolas" panose="020B0609020204030204" pitchFamily="49" charset="0"/>
-              </a:rPr>
-              <a:t>[</a:t>
-            </a:r>
-            <a:r>
-              <a:rPr lang="en-US" sz="1400" dirty="0" err="1">
-                <a:solidFill>
-                  <a:srgbClr val="000000"/>
-                </a:solidFill>
-                <a:latin typeface="Consolas" panose="020B0609020204030204" pitchFamily="49" charset="0"/>
-              </a:rPr>
-              <a:t>DateKey</a:t>
-            </a:r>
-            <a:r>
-              <a:rPr lang="en-US" sz="1400" dirty="0">
-                <a:solidFill>
-                  <a:srgbClr val="000000"/>
-                </a:solidFill>
-                <a:latin typeface="Consolas" panose="020B0609020204030204" pitchFamily="49" charset="0"/>
-              </a:rPr>
-              <a:t>] ), </a:t>
-            </a:r>
-            <a:r>
-              <a:rPr lang="en-US" sz="1400" dirty="0">
-                <a:solidFill>
-                  <a:srgbClr val="098658"/>
-                </a:solidFill>
-                <a:latin typeface="Consolas" panose="020B0609020204030204" pitchFamily="49" charset="0"/>
-              </a:rPr>
-              <a:t>100</a:t>
-            </a:r>
-            <a:r>
-              <a:rPr lang="en-US" sz="1400" dirty="0">
-                <a:solidFill>
-                  <a:srgbClr val="000000"/>
-                </a:solidFill>
-                <a:latin typeface="Consolas" panose="020B0609020204030204" pitchFamily="49" charset="0"/>
-              </a:rPr>
-              <a:t> ), </a:t>
-            </a:r>
-            <a:r>
-              <a:rPr lang="en-US" sz="1400" dirty="0">
-                <a:solidFill>
-                  <a:srgbClr val="098658"/>
-                </a:solidFill>
-                <a:latin typeface="Consolas" panose="020B0609020204030204" pitchFamily="49" charset="0"/>
-              </a:rPr>
-              <a:t>100</a:t>
-            </a:r>
-            <a:r>
-              <a:rPr lang="en-US" sz="1400" dirty="0">
-                <a:solidFill>
-                  <a:srgbClr val="000000"/>
-                </a:solidFill>
-                <a:latin typeface="Consolas" panose="020B0609020204030204" pitchFamily="49" charset="0"/>
-              </a:rPr>
-              <a:t> ), </a:t>
-            </a:r>
-          </a:p>
-          <a:p>
-            <a:r>
-              <a:rPr lang="en-US" sz="1400" dirty="0">
-                <a:solidFill>
-                  <a:srgbClr val="000000"/>
-                </a:solidFill>
-                <a:latin typeface="Consolas" panose="020B0609020204030204" pitchFamily="49" charset="0"/>
-              </a:rPr>
-              <a:t>               </a:t>
-            </a:r>
-            <a:r>
-              <a:rPr lang="en-US" sz="1400" dirty="0">
-                <a:solidFill>
-                  <a:srgbClr val="3165BB"/>
-                </a:solidFill>
-                <a:latin typeface="Consolas" panose="020B0609020204030204" pitchFamily="49" charset="0"/>
-              </a:rPr>
-              <a:t>MOD</a:t>
-            </a:r>
-            <a:r>
-              <a:rPr lang="en-US" sz="1400" dirty="0">
-                <a:solidFill>
-                  <a:srgbClr val="000000"/>
-                </a:solidFill>
-                <a:latin typeface="Consolas" panose="020B0609020204030204" pitchFamily="49" charset="0"/>
-              </a:rPr>
-              <a:t> ( </a:t>
-            </a:r>
-            <a:r>
-              <a:rPr lang="en-US" sz="1400" dirty="0">
-                <a:solidFill>
-                  <a:srgbClr val="3165BB"/>
-                </a:solidFill>
-                <a:latin typeface="Consolas" panose="020B0609020204030204" pitchFamily="49" charset="0"/>
-              </a:rPr>
-              <a:t>MIN</a:t>
-            </a:r>
-            <a:r>
-              <a:rPr lang="en-US" sz="1400" dirty="0">
-                <a:solidFill>
-                  <a:srgbClr val="000000"/>
-                </a:solidFill>
-                <a:latin typeface="Consolas" panose="020B0609020204030204" pitchFamily="49" charset="0"/>
-              </a:rPr>
-              <a:t> ( </a:t>
-            </a:r>
-            <a:r>
-              <a:rPr lang="en-US" sz="1400" dirty="0" err="1">
-                <a:solidFill>
-                  <a:srgbClr val="000000"/>
-                </a:solidFill>
-                <a:latin typeface="Consolas" panose="020B0609020204030204" pitchFamily="49" charset="0"/>
-              </a:rPr>
-              <a:t>FactSales</a:t>
-            </a:r>
-            <a:r>
-              <a:rPr lang="en-US" sz="1400" dirty="0">
-                <a:solidFill>
-                  <a:srgbClr val="000000"/>
-                </a:solidFill>
-                <a:latin typeface="Consolas" panose="020B0609020204030204" pitchFamily="49" charset="0"/>
-              </a:rPr>
-              <a:t>[</a:t>
-            </a:r>
-            <a:r>
-              <a:rPr lang="en-US" sz="1400" dirty="0" err="1">
-                <a:solidFill>
-                  <a:srgbClr val="000000"/>
-                </a:solidFill>
-                <a:latin typeface="Consolas" panose="020B0609020204030204" pitchFamily="49" charset="0"/>
-              </a:rPr>
-              <a:t>DateKey</a:t>
-            </a:r>
-            <a:r>
-              <a:rPr lang="en-US" sz="1400" dirty="0">
-                <a:solidFill>
-                  <a:srgbClr val="000000"/>
-                </a:solidFill>
-                <a:latin typeface="Consolas" panose="020B0609020204030204" pitchFamily="49" charset="0"/>
-              </a:rPr>
-              <a:t>] ), </a:t>
-            </a:r>
-            <a:r>
-              <a:rPr lang="en-US" sz="1400" dirty="0">
-                <a:solidFill>
-                  <a:srgbClr val="098658"/>
-                </a:solidFill>
-                <a:latin typeface="Consolas" panose="020B0609020204030204" pitchFamily="49" charset="0"/>
-              </a:rPr>
-              <a:t>100</a:t>
-            </a:r>
-            <a:r>
-              <a:rPr lang="en-US" sz="1400" dirty="0">
-                <a:solidFill>
-                  <a:srgbClr val="000000"/>
-                </a:solidFill>
-                <a:latin typeface="Consolas" panose="020B0609020204030204" pitchFamily="49" charset="0"/>
-              </a:rPr>
-              <a:t> ) </a:t>
-            </a:r>
-          </a:p>
-          <a:p>
-            <a:r>
-              <a:rPr lang="en-US" sz="1400" dirty="0">
-                <a:solidFill>
-                  <a:srgbClr val="000000"/>
-                </a:solidFill>
-                <a:latin typeface="Consolas" panose="020B0609020204030204" pitchFamily="49" charset="0"/>
-              </a:rPr>
-              <a:t>        ),</a:t>
-            </a:r>
-          </a:p>
-          <a:p>
-            <a:r>
-              <a:rPr lang="en-US" sz="1400" dirty="0">
-                <a:solidFill>
-                  <a:srgbClr val="000000"/>
-                </a:solidFill>
-                <a:latin typeface="Consolas" panose="020B0609020204030204" pitchFamily="49" charset="0"/>
-              </a:rPr>
-              <a:t>        </a:t>
-            </a:r>
-            <a:r>
-              <a:rPr lang="en-US" sz="1400" dirty="0">
-                <a:solidFill>
-                  <a:srgbClr val="3165BB"/>
-                </a:solidFill>
-                <a:latin typeface="Consolas" panose="020B0609020204030204" pitchFamily="49" charset="0"/>
-              </a:rPr>
-              <a:t>DATE</a:t>
-            </a:r>
-            <a:r>
-              <a:rPr lang="en-US" sz="1400" dirty="0">
-                <a:solidFill>
-                  <a:srgbClr val="000000"/>
-                </a:solidFill>
-                <a:latin typeface="Consolas" panose="020B0609020204030204" pitchFamily="49" charset="0"/>
-              </a:rPr>
-              <a:t> ( </a:t>
-            </a:r>
-            <a:r>
-              <a:rPr lang="en-US" sz="1400" dirty="0">
-                <a:solidFill>
-                  <a:srgbClr val="3165BB"/>
-                </a:solidFill>
-                <a:latin typeface="Consolas" panose="020B0609020204030204" pitchFamily="49" charset="0"/>
-              </a:rPr>
-              <a:t>DIVIDE</a:t>
-            </a:r>
-            <a:r>
-              <a:rPr lang="en-US" sz="1400" dirty="0">
-                <a:solidFill>
-                  <a:srgbClr val="000000"/>
-                </a:solidFill>
-                <a:latin typeface="Consolas" panose="020B0609020204030204" pitchFamily="49" charset="0"/>
-              </a:rPr>
-              <a:t> ( </a:t>
-            </a:r>
-            <a:r>
-              <a:rPr lang="en-US" sz="1400" dirty="0">
-                <a:solidFill>
-                  <a:srgbClr val="3165BB"/>
-                </a:solidFill>
-                <a:latin typeface="Consolas" panose="020B0609020204030204" pitchFamily="49" charset="0"/>
-              </a:rPr>
-              <a:t>MAX</a:t>
-            </a:r>
-            <a:r>
-              <a:rPr lang="en-US" sz="1400" dirty="0">
-                <a:solidFill>
-                  <a:srgbClr val="000000"/>
-                </a:solidFill>
-                <a:latin typeface="Consolas" panose="020B0609020204030204" pitchFamily="49" charset="0"/>
-              </a:rPr>
-              <a:t> ( </a:t>
-            </a:r>
-            <a:r>
-              <a:rPr lang="en-US" sz="1400" dirty="0" err="1">
-                <a:solidFill>
-                  <a:srgbClr val="000000"/>
-                </a:solidFill>
-                <a:latin typeface="Consolas" panose="020B0609020204030204" pitchFamily="49" charset="0"/>
-              </a:rPr>
-              <a:t>FactSales</a:t>
-            </a:r>
-            <a:r>
-              <a:rPr lang="en-US" sz="1400" dirty="0">
-                <a:solidFill>
-                  <a:srgbClr val="000000"/>
-                </a:solidFill>
-                <a:latin typeface="Consolas" panose="020B0609020204030204" pitchFamily="49" charset="0"/>
-              </a:rPr>
-              <a:t>[</a:t>
-            </a:r>
-            <a:r>
-              <a:rPr lang="en-US" sz="1400" dirty="0" err="1">
-                <a:solidFill>
-                  <a:srgbClr val="000000"/>
-                </a:solidFill>
-                <a:latin typeface="Consolas" panose="020B0609020204030204" pitchFamily="49" charset="0"/>
-              </a:rPr>
-              <a:t>DateKey</a:t>
-            </a:r>
-            <a:r>
-              <a:rPr lang="en-US" sz="1400" dirty="0">
-                <a:solidFill>
-                  <a:srgbClr val="000000"/>
-                </a:solidFill>
-                <a:latin typeface="Consolas" panose="020B0609020204030204" pitchFamily="49" charset="0"/>
-              </a:rPr>
-              <a:t>] ), </a:t>
-            </a:r>
-            <a:r>
-              <a:rPr lang="en-US" sz="1400" dirty="0">
-                <a:solidFill>
-                  <a:srgbClr val="098658"/>
-                </a:solidFill>
-                <a:latin typeface="Consolas" panose="020B0609020204030204" pitchFamily="49" charset="0"/>
-              </a:rPr>
-              <a:t>10000</a:t>
-            </a:r>
-            <a:r>
-              <a:rPr lang="en-US" sz="1400" dirty="0">
-                <a:solidFill>
-                  <a:srgbClr val="000000"/>
-                </a:solidFill>
-                <a:latin typeface="Consolas" panose="020B0609020204030204" pitchFamily="49" charset="0"/>
-              </a:rPr>
-              <a:t> ), </a:t>
-            </a:r>
-          </a:p>
-          <a:p>
-            <a:r>
-              <a:rPr lang="en-US" sz="1400" dirty="0">
-                <a:solidFill>
-                  <a:srgbClr val="000000"/>
-                </a:solidFill>
-                <a:latin typeface="Consolas" panose="020B0609020204030204" pitchFamily="49" charset="0"/>
-              </a:rPr>
-              <a:t>               </a:t>
-            </a:r>
-            <a:r>
-              <a:rPr lang="en-US" sz="1400" dirty="0">
-                <a:solidFill>
-                  <a:srgbClr val="3165BB"/>
-                </a:solidFill>
-                <a:latin typeface="Consolas" panose="020B0609020204030204" pitchFamily="49" charset="0"/>
-              </a:rPr>
-              <a:t>MOD</a:t>
-            </a:r>
-            <a:r>
-              <a:rPr lang="en-US" sz="1400" dirty="0">
-                <a:solidFill>
-                  <a:srgbClr val="000000"/>
-                </a:solidFill>
-                <a:latin typeface="Consolas" panose="020B0609020204030204" pitchFamily="49" charset="0"/>
-              </a:rPr>
-              <a:t> ( </a:t>
-            </a:r>
-            <a:r>
-              <a:rPr lang="en-US" sz="1400" dirty="0">
-                <a:solidFill>
-                  <a:srgbClr val="3165BB"/>
-                </a:solidFill>
-                <a:latin typeface="Consolas" panose="020B0609020204030204" pitchFamily="49" charset="0"/>
-              </a:rPr>
-              <a:t>DIVIDE</a:t>
-            </a:r>
-            <a:r>
-              <a:rPr lang="en-US" sz="1400" dirty="0">
-                <a:solidFill>
-                  <a:srgbClr val="000000"/>
-                </a:solidFill>
-                <a:latin typeface="Consolas" panose="020B0609020204030204" pitchFamily="49" charset="0"/>
-              </a:rPr>
-              <a:t> ( </a:t>
-            </a:r>
-            <a:r>
-              <a:rPr lang="en-US" sz="1400" dirty="0">
-                <a:solidFill>
-                  <a:srgbClr val="3165BB"/>
-                </a:solidFill>
-                <a:latin typeface="Consolas" panose="020B0609020204030204" pitchFamily="49" charset="0"/>
-              </a:rPr>
-              <a:t>MAX</a:t>
-            </a:r>
-            <a:r>
-              <a:rPr lang="en-US" sz="1400" dirty="0">
-                <a:solidFill>
-                  <a:srgbClr val="000000"/>
-                </a:solidFill>
-                <a:latin typeface="Consolas" panose="020B0609020204030204" pitchFamily="49" charset="0"/>
-              </a:rPr>
-              <a:t> ( </a:t>
-            </a:r>
-            <a:r>
-              <a:rPr lang="en-US" sz="1400" dirty="0" err="1">
-                <a:solidFill>
-                  <a:srgbClr val="000000"/>
-                </a:solidFill>
-                <a:latin typeface="Consolas" panose="020B0609020204030204" pitchFamily="49" charset="0"/>
-              </a:rPr>
-              <a:t>FactSales</a:t>
-            </a:r>
-            <a:r>
-              <a:rPr lang="en-US" sz="1400" dirty="0">
-                <a:solidFill>
-                  <a:srgbClr val="000000"/>
-                </a:solidFill>
-                <a:latin typeface="Consolas" panose="020B0609020204030204" pitchFamily="49" charset="0"/>
-              </a:rPr>
-              <a:t>[</a:t>
-            </a:r>
-            <a:r>
-              <a:rPr lang="en-US" sz="1400" dirty="0" err="1">
-                <a:solidFill>
-                  <a:srgbClr val="000000"/>
-                </a:solidFill>
-                <a:latin typeface="Consolas" panose="020B0609020204030204" pitchFamily="49" charset="0"/>
-              </a:rPr>
-              <a:t>DateKey</a:t>
-            </a:r>
-            <a:r>
-              <a:rPr lang="en-US" sz="1400" dirty="0">
-                <a:solidFill>
-                  <a:srgbClr val="000000"/>
-                </a:solidFill>
-                <a:latin typeface="Consolas" panose="020B0609020204030204" pitchFamily="49" charset="0"/>
-              </a:rPr>
-              <a:t>] ), </a:t>
-            </a:r>
-            <a:r>
-              <a:rPr lang="en-US" sz="1400" dirty="0">
-                <a:solidFill>
-                  <a:srgbClr val="098658"/>
-                </a:solidFill>
-                <a:latin typeface="Consolas" panose="020B0609020204030204" pitchFamily="49" charset="0"/>
-              </a:rPr>
-              <a:t>100</a:t>
-            </a:r>
-            <a:r>
-              <a:rPr lang="en-US" sz="1400" dirty="0">
-                <a:solidFill>
-                  <a:srgbClr val="000000"/>
-                </a:solidFill>
-                <a:latin typeface="Consolas" panose="020B0609020204030204" pitchFamily="49" charset="0"/>
-              </a:rPr>
-              <a:t> ), </a:t>
-            </a:r>
-            <a:r>
-              <a:rPr lang="en-US" sz="1400" dirty="0">
-                <a:solidFill>
-                  <a:srgbClr val="098658"/>
-                </a:solidFill>
-                <a:latin typeface="Consolas" panose="020B0609020204030204" pitchFamily="49" charset="0"/>
-              </a:rPr>
-              <a:t>100</a:t>
-            </a:r>
-            <a:r>
-              <a:rPr lang="en-US" sz="1400" dirty="0">
-                <a:solidFill>
-                  <a:srgbClr val="000000"/>
-                </a:solidFill>
-                <a:latin typeface="Consolas" panose="020B0609020204030204" pitchFamily="49" charset="0"/>
-              </a:rPr>
-              <a:t> ), </a:t>
-            </a:r>
-          </a:p>
-          <a:p>
-            <a:r>
-              <a:rPr lang="en-US" sz="1400" dirty="0">
-                <a:solidFill>
-                  <a:srgbClr val="000000"/>
-                </a:solidFill>
-                <a:latin typeface="Consolas" panose="020B0609020204030204" pitchFamily="49" charset="0"/>
-              </a:rPr>
-              <a:t>               </a:t>
-            </a:r>
-            <a:r>
-              <a:rPr lang="en-US" sz="1400" dirty="0">
-                <a:solidFill>
-                  <a:srgbClr val="3165BB"/>
-                </a:solidFill>
-                <a:latin typeface="Consolas" panose="020B0609020204030204" pitchFamily="49" charset="0"/>
-              </a:rPr>
-              <a:t>MOD</a:t>
-            </a:r>
-            <a:r>
-              <a:rPr lang="en-US" sz="1400" dirty="0">
-                <a:solidFill>
-                  <a:srgbClr val="000000"/>
-                </a:solidFill>
-                <a:latin typeface="Consolas" panose="020B0609020204030204" pitchFamily="49" charset="0"/>
-              </a:rPr>
-              <a:t> ( </a:t>
-            </a:r>
-            <a:r>
-              <a:rPr lang="en-US" sz="1400" dirty="0">
-                <a:solidFill>
-                  <a:srgbClr val="3165BB"/>
-                </a:solidFill>
-                <a:latin typeface="Consolas" panose="020B0609020204030204" pitchFamily="49" charset="0"/>
-              </a:rPr>
-              <a:t>MAX</a:t>
-            </a:r>
-            <a:r>
-              <a:rPr lang="en-US" sz="1400" dirty="0">
-                <a:solidFill>
-                  <a:srgbClr val="000000"/>
-                </a:solidFill>
-                <a:latin typeface="Consolas" panose="020B0609020204030204" pitchFamily="49" charset="0"/>
-              </a:rPr>
-              <a:t> ( </a:t>
-            </a:r>
-            <a:r>
-              <a:rPr lang="en-US" sz="1400" dirty="0" err="1">
-                <a:solidFill>
-                  <a:srgbClr val="000000"/>
-                </a:solidFill>
-                <a:latin typeface="Consolas" panose="020B0609020204030204" pitchFamily="49" charset="0"/>
-              </a:rPr>
-              <a:t>FactSales</a:t>
-            </a:r>
-            <a:r>
-              <a:rPr lang="en-US" sz="1400" dirty="0">
-                <a:solidFill>
-                  <a:srgbClr val="000000"/>
-                </a:solidFill>
-                <a:latin typeface="Consolas" panose="020B0609020204030204" pitchFamily="49" charset="0"/>
-              </a:rPr>
-              <a:t>[</a:t>
-            </a:r>
-            <a:r>
-              <a:rPr lang="en-US" sz="1400" dirty="0" err="1">
-                <a:solidFill>
-                  <a:srgbClr val="000000"/>
-                </a:solidFill>
-                <a:latin typeface="Consolas" panose="020B0609020204030204" pitchFamily="49" charset="0"/>
-              </a:rPr>
-              <a:t>DateKey</a:t>
-            </a:r>
-            <a:r>
-              <a:rPr lang="en-US" sz="1400" dirty="0">
-                <a:solidFill>
-                  <a:srgbClr val="000000"/>
-                </a:solidFill>
-                <a:latin typeface="Consolas" panose="020B0609020204030204" pitchFamily="49" charset="0"/>
-              </a:rPr>
-              <a:t>] ), </a:t>
-            </a:r>
-            <a:r>
-              <a:rPr lang="en-US" sz="1400" dirty="0">
-                <a:solidFill>
-                  <a:srgbClr val="098658"/>
-                </a:solidFill>
-                <a:latin typeface="Consolas" panose="020B0609020204030204" pitchFamily="49" charset="0"/>
-              </a:rPr>
-              <a:t>100</a:t>
-            </a:r>
-            <a:r>
-              <a:rPr lang="en-US" sz="1400" dirty="0">
-                <a:solidFill>
-                  <a:srgbClr val="000000"/>
-                </a:solidFill>
-                <a:latin typeface="Consolas" panose="020B0609020204030204" pitchFamily="49" charset="0"/>
-              </a:rPr>
-              <a:t> ) </a:t>
-            </a:r>
-          </a:p>
-          <a:p>
-            <a:r>
-              <a:rPr lang="en-US" sz="1400" dirty="0">
-                <a:solidFill>
-                  <a:srgbClr val="000000"/>
-                </a:solidFill>
-                <a:latin typeface="Consolas" panose="020B0609020204030204" pitchFamily="49" charset="0"/>
-              </a:rPr>
-              <a:t>        )</a:t>
-            </a:r>
-          </a:p>
-          <a:p>
-            <a:r>
-              <a:rPr lang="en-US" sz="1400" dirty="0">
-                <a:solidFill>
-                  <a:srgbClr val="000000"/>
-                </a:solidFill>
-                <a:latin typeface="Consolas" panose="020B0609020204030204" pitchFamily="49" charset="0"/>
-              </a:rPr>
-              <a:t>    ),</a:t>
-            </a:r>
-          </a:p>
-          <a:p>
-            <a:r>
-              <a:rPr lang="en-US" sz="1400" dirty="0">
-                <a:solidFill>
-                  <a:srgbClr val="000000"/>
-                </a:solidFill>
-                <a:latin typeface="Consolas" panose="020B0609020204030204" pitchFamily="49" charset="0"/>
-              </a:rPr>
-              <a:t>    </a:t>
-            </a:r>
-            <a:r>
-              <a:rPr lang="en-US" sz="1400" dirty="0">
-                <a:solidFill>
-                  <a:srgbClr val="A31515"/>
-                </a:solidFill>
-                <a:latin typeface="Consolas" panose="020B0609020204030204" pitchFamily="49" charset="0"/>
-              </a:rPr>
-              <a:t>"</a:t>
-            </a:r>
-            <a:r>
-              <a:rPr lang="en-US" sz="1400" dirty="0" err="1">
-                <a:solidFill>
-                  <a:srgbClr val="A31515"/>
-                </a:solidFill>
-                <a:latin typeface="Consolas" panose="020B0609020204030204" pitchFamily="49" charset="0"/>
-              </a:rPr>
-              <a:t>DateKey</a:t>
-            </a:r>
-            <a:r>
-              <a:rPr lang="en-US" sz="1400" dirty="0">
-                <a:solidFill>
-                  <a:srgbClr val="A31515"/>
-                </a:solidFill>
-                <a:latin typeface="Consolas" panose="020B0609020204030204" pitchFamily="49" charset="0"/>
-              </a:rPr>
-              <a:t>"</a:t>
-            </a:r>
-            <a:r>
-              <a:rPr lang="en-US" sz="1400" dirty="0">
-                <a:solidFill>
-                  <a:srgbClr val="000000"/>
-                </a:solidFill>
-                <a:latin typeface="Consolas" panose="020B0609020204030204" pitchFamily="49" charset="0"/>
-              </a:rPr>
-              <a:t>, </a:t>
-            </a:r>
-            <a:r>
-              <a:rPr lang="en-US" sz="1400" dirty="0">
-                <a:solidFill>
-                  <a:srgbClr val="3165BB"/>
-                </a:solidFill>
-                <a:latin typeface="Consolas" panose="020B0609020204030204" pitchFamily="49" charset="0"/>
-              </a:rPr>
-              <a:t>YEAR</a:t>
-            </a:r>
-            <a:r>
-              <a:rPr lang="en-US" sz="1400" dirty="0">
-                <a:solidFill>
-                  <a:srgbClr val="000000"/>
-                </a:solidFill>
-                <a:latin typeface="Consolas" panose="020B0609020204030204" pitchFamily="49" charset="0"/>
-              </a:rPr>
-              <a:t> ( [Date] ) * </a:t>
-            </a:r>
-            <a:r>
-              <a:rPr lang="en-US" sz="1400" dirty="0">
-                <a:solidFill>
-                  <a:srgbClr val="098658"/>
-                </a:solidFill>
-                <a:latin typeface="Consolas" panose="020B0609020204030204" pitchFamily="49" charset="0"/>
-              </a:rPr>
-              <a:t>10000</a:t>
-            </a:r>
-            <a:r>
-              <a:rPr lang="en-US" sz="1400" dirty="0">
-                <a:solidFill>
-                  <a:srgbClr val="000000"/>
-                </a:solidFill>
-                <a:latin typeface="Consolas" panose="020B0609020204030204" pitchFamily="49" charset="0"/>
-              </a:rPr>
-              <a:t> + </a:t>
-            </a:r>
-            <a:r>
-              <a:rPr lang="en-US" sz="1400" dirty="0">
-                <a:solidFill>
-                  <a:srgbClr val="3165BB"/>
-                </a:solidFill>
-                <a:latin typeface="Consolas" panose="020B0609020204030204" pitchFamily="49" charset="0"/>
-              </a:rPr>
-              <a:t>MONTH</a:t>
-            </a:r>
-            <a:r>
-              <a:rPr lang="en-US" sz="1400" dirty="0">
-                <a:solidFill>
-                  <a:srgbClr val="000000"/>
-                </a:solidFill>
-                <a:latin typeface="Consolas" panose="020B0609020204030204" pitchFamily="49" charset="0"/>
-              </a:rPr>
-              <a:t> ( [Date] ) * </a:t>
-            </a:r>
-            <a:r>
-              <a:rPr lang="en-US" sz="1400" dirty="0">
-                <a:solidFill>
-                  <a:srgbClr val="098658"/>
-                </a:solidFill>
-                <a:latin typeface="Consolas" panose="020B0609020204030204" pitchFamily="49" charset="0"/>
-              </a:rPr>
-              <a:t>100</a:t>
-            </a:r>
-            <a:r>
-              <a:rPr lang="en-US" sz="1400" dirty="0">
-                <a:solidFill>
-                  <a:srgbClr val="000000"/>
-                </a:solidFill>
-                <a:latin typeface="Consolas" panose="020B0609020204030204" pitchFamily="49" charset="0"/>
-              </a:rPr>
-              <a:t> + </a:t>
-            </a:r>
-            <a:r>
-              <a:rPr lang="en-US" sz="1400" dirty="0">
-                <a:solidFill>
-                  <a:srgbClr val="3165BB"/>
-                </a:solidFill>
-                <a:latin typeface="Consolas" panose="020B0609020204030204" pitchFamily="49" charset="0"/>
-              </a:rPr>
-              <a:t>DAY</a:t>
-            </a:r>
-            <a:r>
-              <a:rPr lang="en-US" sz="1400" dirty="0">
-                <a:solidFill>
-                  <a:srgbClr val="000000"/>
-                </a:solidFill>
-                <a:latin typeface="Consolas" panose="020B0609020204030204" pitchFamily="49" charset="0"/>
-              </a:rPr>
-              <a:t> ( [Date] ),</a:t>
-            </a:r>
-            <a:r>
-              <a:rPr lang="en-US" sz="1400" dirty="0">
-                <a:solidFill>
-                  <a:srgbClr val="A31515"/>
-                </a:solidFill>
-                <a:latin typeface="Consolas" panose="020B0609020204030204" pitchFamily="49" charset="0"/>
-              </a:rPr>
-              <a:t>"Year"</a:t>
-            </a:r>
-            <a:r>
-              <a:rPr lang="en-US" sz="1400" dirty="0">
-                <a:solidFill>
-                  <a:srgbClr val="000000"/>
-                </a:solidFill>
-                <a:latin typeface="Consolas" panose="020B0609020204030204" pitchFamily="49" charset="0"/>
-              </a:rPr>
-              <a:t>, </a:t>
-            </a:r>
-            <a:r>
-              <a:rPr lang="en-US" sz="1400" dirty="0">
-                <a:solidFill>
-                  <a:srgbClr val="3165BB"/>
-                </a:solidFill>
-                <a:latin typeface="Consolas" panose="020B0609020204030204" pitchFamily="49" charset="0"/>
-              </a:rPr>
-              <a:t>YEAR</a:t>
-            </a:r>
-            <a:r>
-              <a:rPr lang="en-US" sz="1400" dirty="0">
-                <a:solidFill>
-                  <a:srgbClr val="000000"/>
-                </a:solidFill>
-                <a:latin typeface="Consolas" panose="020B0609020204030204" pitchFamily="49" charset="0"/>
-              </a:rPr>
-              <a:t> ( [Date] ),</a:t>
-            </a:r>
-          </a:p>
-          <a:p>
-            <a:r>
-              <a:rPr lang="en-US" sz="1400" dirty="0">
-                <a:solidFill>
-                  <a:srgbClr val="000000"/>
-                </a:solidFill>
-                <a:latin typeface="Consolas" panose="020B0609020204030204" pitchFamily="49" charset="0"/>
-              </a:rPr>
-              <a:t>    </a:t>
-            </a:r>
-            <a:r>
-              <a:rPr lang="en-US" sz="1400" dirty="0">
-                <a:solidFill>
-                  <a:srgbClr val="A31515"/>
-                </a:solidFill>
-                <a:latin typeface="Consolas" panose="020B0609020204030204" pitchFamily="49" charset="0"/>
-              </a:rPr>
-              <a:t>"Month"</a:t>
-            </a:r>
-            <a:r>
-              <a:rPr lang="en-US" sz="1400" dirty="0">
-                <a:solidFill>
-                  <a:srgbClr val="000000"/>
-                </a:solidFill>
-                <a:latin typeface="Consolas" panose="020B0609020204030204" pitchFamily="49" charset="0"/>
-              </a:rPr>
-              <a:t>, </a:t>
-            </a:r>
-            <a:r>
-              <a:rPr lang="en-US" sz="1400" dirty="0">
-                <a:solidFill>
-                  <a:srgbClr val="3165BB"/>
-                </a:solidFill>
-                <a:latin typeface="Consolas" panose="020B0609020204030204" pitchFamily="49" charset="0"/>
-              </a:rPr>
-              <a:t>MONTH</a:t>
-            </a:r>
-            <a:r>
-              <a:rPr lang="en-US" sz="1400" dirty="0">
-                <a:solidFill>
-                  <a:srgbClr val="000000"/>
-                </a:solidFill>
-                <a:latin typeface="Consolas" panose="020B0609020204030204" pitchFamily="49" charset="0"/>
-              </a:rPr>
-              <a:t> ( [Date] ),</a:t>
-            </a:r>
-          </a:p>
-          <a:p>
-            <a:r>
-              <a:rPr lang="en-US" sz="1400" dirty="0">
-                <a:solidFill>
-                  <a:srgbClr val="000000"/>
-                </a:solidFill>
-                <a:latin typeface="Consolas" panose="020B0609020204030204" pitchFamily="49" charset="0"/>
-              </a:rPr>
-              <a:t>    </a:t>
-            </a:r>
-            <a:r>
-              <a:rPr lang="en-US" sz="1400" dirty="0">
-                <a:solidFill>
-                  <a:srgbClr val="A31515"/>
-                </a:solidFill>
-                <a:latin typeface="Consolas" panose="020B0609020204030204" pitchFamily="49" charset="0"/>
-              </a:rPr>
-              <a:t>"Day"</a:t>
-            </a:r>
-            <a:r>
-              <a:rPr lang="en-US" sz="1400" dirty="0">
-                <a:solidFill>
-                  <a:srgbClr val="000000"/>
-                </a:solidFill>
-                <a:latin typeface="Consolas" panose="020B0609020204030204" pitchFamily="49" charset="0"/>
-              </a:rPr>
-              <a:t>, </a:t>
-            </a:r>
-            <a:r>
-              <a:rPr lang="en-US" sz="1400" dirty="0">
-                <a:solidFill>
-                  <a:srgbClr val="3165BB"/>
-                </a:solidFill>
-                <a:latin typeface="Consolas" panose="020B0609020204030204" pitchFamily="49" charset="0"/>
-              </a:rPr>
-              <a:t>DAY</a:t>
-            </a:r>
-            <a:r>
-              <a:rPr lang="en-US" sz="1400" dirty="0">
-                <a:solidFill>
-                  <a:srgbClr val="000000"/>
-                </a:solidFill>
-                <a:latin typeface="Consolas" panose="020B0609020204030204" pitchFamily="49" charset="0"/>
-              </a:rPr>
-              <a:t> ( [Date] ),</a:t>
-            </a:r>
-          </a:p>
-          <a:p>
-            <a:r>
-              <a:rPr lang="en-US" sz="1400" dirty="0">
-                <a:solidFill>
-                  <a:srgbClr val="000000"/>
-                </a:solidFill>
-                <a:latin typeface="Consolas" panose="020B0609020204030204" pitchFamily="49" charset="0"/>
-              </a:rPr>
-              <a:t>    </a:t>
-            </a:r>
-            <a:r>
-              <a:rPr lang="en-US" sz="1400" dirty="0">
-                <a:solidFill>
-                  <a:srgbClr val="A31515"/>
-                </a:solidFill>
-                <a:latin typeface="Consolas" panose="020B0609020204030204" pitchFamily="49" charset="0"/>
-              </a:rPr>
-              <a:t>"Month Name"</a:t>
-            </a:r>
-            <a:r>
-              <a:rPr lang="en-US" sz="1400" dirty="0">
-                <a:solidFill>
-                  <a:srgbClr val="000000"/>
-                </a:solidFill>
-                <a:latin typeface="Consolas" panose="020B0609020204030204" pitchFamily="49" charset="0"/>
-              </a:rPr>
-              <a:t>, </a:t>
-            </a:r>
-            <a:r>
-              <a:rPr lang="en-US" sz="1400" dirty="0">
-                <a:solidFill>
-                  <a:srgbClr val="3165BB"/>
-                </a:solidFill>
-                <a:latin typeface="Consolas" panose="020B0609020204030204" pitchFamily="49" charset="0"/>
-              </a:rPr>
-              <a:t>FORMAT</a:t>
-            </a:r>
-            <a:r>
-              <a:rPr lang="en-US" sz="1400" dirty="0">
-                <a:solidFill>
-                  <a:srgbClr val="000000"/>
-                </a:solidFill>
-                <a:latin typeface="Consolas" panose="020B0609020204030204" pitchFamily="49" charset="0"/>
-              </a:rPr>
-              <a:t> ( [Date], </a:t>
-            </a:r>
-            <a:r>
-              <a:rPr lang="en-US" sz="1400" dirty="0">
-                <a:solidFill>
-                  <a:srgbClr val="A31515"/>
-                </a:solidFill>
-                <a:latin typeface="Consolas" panose="020B0609020204030204" pitchFamily="49" charset="0"/>
-              </a:rPr>
-              <a:t>"</a:t>
-            </a:r>
-            <a:r>
-              <a:rPr lang="en-US" sz="1400" dirty="0" err="1">
-                <a:solidFill>
-                  <a:srgbClr val="A31515"/>
-                </a:solidFill>
-                <a:latin typeface="Consolas" panose="020B0609020204030204" pitchFamily="49" charset="0"/>
-              </a:rPr>
-              <a:t>mmmm</a:t>
-            </a:r>
-            <a:r>
-              <a:rPr lang="en-US" sz="1400" dirty="0">
-                <a:solidFill>
-                  <a:srgbClr val="A31515"/>
-                </a:solidFill>
-                <a:latin typeface="Consolas" panose="020B0609020204030204" pitchFamily="49" charset="0"/>
-              </a:rPr>
-              <a:t>"</a:t>
-            </a:r>
-            <a:r>
-              <a:rPr lang="en-US" sz="1400" dirty="0">
-                <a:solidFill>
-                  <a:srgbClr val="000000"/>
-                </a:solidFill>
-                <a:latin typeface="Consolas" panose="020B0609020204030204" pitchFamily="49" charset="0"/>
-              </a:rPr>
-              <a:t> ),</a:t>
-            </a:r>
-          </a:p>
-          <a:p>
-            <a:r>
-              <a:rPr lang="en-US" sz="1400" dirty="0">
-                <a:solidFill>
-                  <a:srgbClr val="000000"/>
-                </a:solidFill>
-                <a:latin typeface="Consolas" panose="020B0609020204030204" pitchFamily="49" charset="0"/>
-              </a:rPr>
-              <a:t>    </a:t>
-            </a:r>
-            <a:r>
-              <a:rPr lang="en-US" sz="1400" dirty="0">
-                <a:solidFill>
-                  <a:srgbClr val="A31515"/>
-                </a:solidFill>
-                <a:latin typeface="Consolas" panose="020B0609020204030204" pitchFamily="49" charset="0"/>
-              </a:rPr>
-              <a:t>"Quarter"</a:t>
-            </a:r>
-            <a:r>
-              <a:rPr lang="en-US" sz="1400" dirty="0">
-                <a:solidFill>
-                  <a:srgbClr val="000000"/>
-                </a:solidFill>
-                <a:latin typeface="Consolas" panose="020B0609020204030204" pitchFamily="49" charset="0"/>
-              </a:rPr>
-              <a:t>, </a:t>
-            </a:r>
-            <a:r>
-              <a:rPr lang="en-US" sz="1400" dirty="0">
-                <a:solidFill>
-                  <a:srgbClr val="A31515"/>
-                </a:solidFill>
-                <a:latin typeface="Consolas" panose="020B0609020204030204" pitchFamily="49" charset="0"/>
-              </a:rPr>
-              <a:t>"Q"</a:t>
-            </a:r>
-            <a:r>
-              <a:rPr lang="en-US" sz="1400" dirty="0">
-                <a:solidFill>
-                  <a:srgbClr val="000000"/>
-                </a:solidFill>
-                <a:latin typeface="Consolas" panose="020B0609020204030204" pitchFamily="49" charset="0"/>
-              </a:rPr>
-              <a:t> &amp; </a:t>
-            </a:r>
-            <a:r>
-              <a:rPr lang="en-US" sz="1400" dirty="0">
-                <a:solidFill>
-                  <a:srgbClr val="3165BB"/>
-                </a:solidFill>
-                <a:latin typeface="Consolas" panose="020B0609020204030204" pitchFamily="49" charset="0"/>
-              </a:rPr>
-              <a:t>FORMAT</a:t>
-            </a:r>
-            <a:r>
-              <a:rPr lang="en-US" sz="1400" dirty="0">
-                <a:solidFill>
-                  <a:srgbClr val="000000"/>
-                </a:solidFill>
-                <a:latin typeface="Consolas" panose="020B0609020204030204" pitchFamily="49" charset="0"/>
-              </a:rPr>
-              <a:t> ( [Date], </a:t>
-            </a:r>
-            <a:r>
-              <a:rPr lang="en-US" sz="1400" dirty="0">
-                <a:solidFill>
-                  <a:srgbClr val="A31515"/>
-                </a:solidFill>
-                <a:latin typeface="Consolas" panose="020B0609020204030204" pitchFamily="49" charset="0"/>
-              </a:rPr>
-              <a:t>"Q"</a:t>
-            </a:r>
-            <a:r>
-              <a:rPr lang="en-US" sz="1400" dirty="0">
-                <a:solidFill>
-                  <a:srgbClr val="000000"/>
-                </a:solidFill>
-                <a:latin typeface="Consolas" panose="020B0609020204030204" pitchFamily="49" charset="0"/>
-              </a:rPr>
-              <a:t> )</a:t>
-            </a:r>
-          </a:p>
-          <a:p>
-            <a:r>
-              <a:rPr lang="en-US" sz="1400" dirty="0">
-                <a:solidFill>
-                  <a:srgbClr val="000000"/>
-                </a:solidFill>
-                <a:latin typeface="Consolas" panose="020B0609020204030204" pitchFamily="49" charset="0"/>
-              </a:rPr>
-              <a:t>)</a:t>
-            </a:r>
-          </a:p>
-          <a:p>
-            <a:r>
-              <a:rPr lang="en-US" sz="1400" dirty="0">
-                <a:solidFill>
-                  <a:srgbClr val="000000"/>
-                </a:solidFill>
-                <a:latin typeface="Consolas" panose="020B0609020204030204" pitchFamily="49" charset="0"/>
-              </a:rPr>
-              <a:t/>
-            </a:r>
-            <a:br>
-              <a:rPr lang="en-US" sz="1400" dirty="0">
-                <a:solidFill>
-                  <a:srgbClr val="000000"/>
-                </a:solidFill>
-                <a:latin typeface="Consolas" panose="020B0609020204030204" pitchFamily="49" charset="0"/>
-              </a:rPr>
             </a:br>
-            <a:endParaRPr lang="en-US" sz="1400" b="0" dirty="0">
+            <a:endParaRPr xmlns:a="http://schemas.openxmlformats.org/drawingml/2006/main" lang="en-US" sz="1400" b="0" dirty="0">
               <a:solidFill>
                 <a:srgbClr val="000000"/>
               </a:solidFill>
               <a:effectLst/>
               <a:latin typeface="Consolas" panose="020B0609020204030204" pitchFamily="49" charset="0"/>
             </a:endParaRPr>
+          </a:p>
+        </p:txBody>
+      </p:sp>
+      <p:sp>
+        <p:nvSpPr>
+          <p:cNvPr id="2" name="Rectangle 1"/>
+          <p:cNvSpPr>
+            <a:spLocks noChangeArrowheads="1"/>
+          </p:cNvSpPr>
+          <p:nvPr/>
+        </p:nvSpPr>
+        <p:spPr bwMode="auto">
+          <a:xfrm>
+            <a:off x="508000" y="698414"/>
+            <a:ext cx="5314275" cy="369332"/>
+          </a:xfrm>
+          <a:prstGeom prst="rect">
+            <a:avLst/>
+          </a:prstGeom>
+          <a:noFill/>
+          <a:ln>
+            <a:noFill/>
+          </a:ln>
+          <a:effectLst/>
+          <a:extLst>
+            <a:ext uri="{909E8E84-426E-40DD-AFC4-6F175D3DCCD1}">
+              <a14:hiddenFill xmlns:a14="http://schemas.microsoft.com/office/drawing/2010/main">
+                <a:solidFill>
+                  <a:schemeClr val="accent1"/>
+                </a:solidFill>
+              </a14:hiddenFill>
+            </a:ext>
+            <a:ext uri="{91240B29-F687-4F45-9708-019B960494DF}">
+              <a14:hiddenLine xmlns:a14="http://schemas.microsoft.com/office/drawing/2010/main" w="9525">
+                <a:solidFill>
+                  <a:schemeClr val="tx1"/>
+                </a:solidFill>
+                <a:miter lim="800000"/>
+                <a:headEnd/>
+                <a:tailEnd/>
+              </a14:hiddenLine>
+            </a:ext>
+            <a:ext uri="{AF507438-7753-43E0-B8FC-AC1667EBCBE1}">
+              <a14:hiddenEffects xmlns:a14="http://schemas.microsoft.com/office/drawing/2010/main">
+                <a:effectLst>
+                  <a:outerShdw dist="35921" dir="2700000" algn="ctr" rotWithShape="0">
+                    <a:schemeClr val="bg2"/>
+                  </a:outerShdw>
+                </a:effectLst>
+              </a14:hiddenEffects>
+            </a:ext>
+          </a:extLst>
+        </p:spPr>
+        <p:txBody>
+          <a:bodyPr vert="horz" wrap="none" lIns="91440" tIns="45720" rIns="91440" bIns="45720" numCol="1" anchor="ctr" anchorCtr="0" compatLnSpc="1">
+            <a:prstTxWarp prst="textNoShape">
+              <a:avLst/>
+            </a:prstTxWarp>
+            <a:spAutoFit/>
+          </a:bodyPr>
+          <a:lstStyle/>
+          <a:p>
+            <a:pPr xmlns:a="http://schemas.openxmlformats.org/drawingml/2006/main" marL="0" marR="0" lvl="0" indent="0" algn="l" defTabSz="914400" rtl="0" eaLnBrk="0" fontAlgn="base" latinLnBrk="0" hangingPunct="0">
+              <a:lnSpc>
+                <a:spcPct val="100000"/>
+              </a:lnSpc>
+              <a:spcBef>
+                <a:spcPct val="0"/>
+              </a:spcBef>
+              <a:spcAft>
+                <a:spcPct val="0"/>
+              </a:spcAft>
+              <a:buClrTx/>
+              <a:buSzTx/>
+              <a:buFontTx/>
+              <a:buNone/>
+              <a:tabLst/>
+            </a:pPr>
+            <a:r xmlns:a="http://schemas.openxmlformats.org/drawingml/2006/main">
+              <a:rPr kumimoji="0" lang="en" altLang="en-US" sz="1800" b="0" i="0" u="none" strike="noStrike" cap="none" normalizeH="0" baseline="0" dirty="0" smtClean="0">
+                <a:ln>
+                  <a:noFill/>
+                </a:ln>
+                <a:solidFill>
+                  <a:schemeClr val="tx1"/>
+                </a:solidFill>
+                <a:effectLst/>
+                <a:latin typeface="Arial" panose="020B0604020202020204" pitchFamily="34" charset="0"/>
+              </a:rPr>
+              <a:t>Run this script to generate the </a:t>
+            </a:r>
+            <a:r xmlns:a="http://schemas.openxmlformats.org/drawingml/2006/main">
+              <a:rPr kumimoji="0" lang="en" altLang="en-US" sz="1800" b="1" i="0" u="none" strike="noStrike" cap="none" normalizeH="0" baseline="0" dirty="0" err="1" smtClean="0">
+                <a:ln>
+                  <a:noFill/>
+                </a:ln>
+                <a:solidFill>
+                  <a:schemeClr val="tx1"/>
+                </a:solidFill>
+                <a:effectLst/>
+                <a:latin typeface="Arial" panose="020B0604020202020204" pitchFamily="34" charset="0"/>
+              </a:rPr>
+              <a:t>DimDate table </a:t>
+            </a:r>
+            <a:r xmlns:a="http://schemas.openxmlformats.org/drawingml/2006/main">
+              <a:rPr kumimoji="0" lang="en" altLang="en-US" sz="1800" b="0" i="0" u="none" strike="noStrike" cap="none" normalizeH="0" baseline="0" dirty="0" smtClean="0">
+                <a:ln>
+                  <a:noFill/>
+                </a:ln>
+                <a:solidFill>
+                  <a:schemeClr val="tx1"/>
+                </a:solidFill>
+                <a:effectLst/>
+                <a:latin typeface="Arial" panose="020B0604020202020204" pitchFamily="34" charset="0"/>
+              </a:rPr>
+              <a:t>.</a:t>
+            </a:r>
           </a:p>
         </p:txBody>
       </p:sp>
@@ -7471,7 +7962,7 @@
         <p:spPr>
           <a:xfrm>
             <a:off x="449178" y="216445"/>
-            <a:ext cx="3092513" cy="366895"/>
+            <a:ext cx="3724096" cy="366895"/>
           </a:xfrm>
           <a:prstGeom prst="rect">
             <a:avLst/>
@@ -7483,7 +7974,7 @@
           </a:bodyPr>
           <a:lstStyle/>
           <a:p>
-            <a:pPr>
+            <a:pPr xmlns:a="http://schemas.openxmlformats.org/drawingml/2006/main">
               <a:lnSpc>
                 <a:spcPct val="107000"/>
               </a:lnSpc>
@@ -7494,79 +7985,17 @@
                 <a:spcPts val="0"/>
               </a:spcAft>
             </a:pPr>
-            <a:r>
-              <a:rPr lang="en-US" b="1" kern="0" dirty="0" smtClean="0">
+            <a:r xmlns:a="http://schemas.openxmlformats.org/drawingml/2006/main">
+              <a:rPr lang="en" b="1" kern="0" dirty="0" smtClean="0">
                 <a:latin typeface="Segoe UI" panose="020B0502040204020203" pitchFamily="34" charset="0"/>
                 <a:ea typeface="Times New Roman" panose="02020603050405020304" pitchFamily="18" charset="0"/>
                 <a:cs typeface="Times New Roman" panose="02020603050405020304" pitchFamily="18" charset="0"/>
               </a:rPr>
-              <a:t>Importing SQL Server Data</a:t>
-            </a:r>
-            <a:endParaRPr lang="en-US" b="1" kern="0" dirty="0">
+              <a:t>Import SQL Server data</a:t>
+            </a:r>
+            <a:endParaRPr xmlns:a="http://schemas.openxmlformats.org/drawingml/2006/main" lang="en-US" b="1" kern="0" dirty="0">
               <a:latin typeface="Segoe UI" panose="020B0502040204020203" pitchFamily="34" charset="0"/>
               <a:ea typeface="Times New Roman" panose="02020603050405020304" pitchFamily="18" charset="0"/>
-              <a:cs typeface="Times New Roman" panose="02020603050405020304" pitchFamily="18" charset="0"/>
-            </a:endParaRPr>
-          </a:p>
-        </p:txBody>
-      </p:sp>
-      <p:sp>
-        <p:nvSpPr>
-          <p:cNvPr id="4" name="Rectangle 3"/>
-          <p:cNvSpPr/>
-          <p:nvPr/>
-        </p:nvSpPr>
-        <p:spPr>
-          <a:xfrm>
-            <a:off x="449177" y="751979"/>
-            <a:ext cx="10991135" cy="373692"/>
-          </a:xfrm>
-          <a:prstGeom prst="rect">
-            <a:avLst/>
-          </a:prstGeom>
-        </p:spPr>
-        <p:txBody>
-          <a:bodyPr wrap="square">
-            <a:spAutoFit/>
-          </a:bodyPr>
-          <a:lstStyle/>
-          <a:p>
-            <a:pPr lvl="0">
-              <a:lnSpc>
-                <a:spcPct val="107000"/>
-              </a:lnSpc>
-              <a:spcAft>
-                <a:spcPts val="800"/>
-              </a:spcAft>
-            </a:pPr>
-            <a:r>
-              <a:rPr lang="fr-FR" dirty="0" smtClean="0">
-                <a:latin typeface="Segoe UI" panose="020B0502040204020203" pitchFamily="34" charset="0"/>
-                <a:ea typeface="Calibri" panose="020F0502020204030204" pitchFamily="34" charset="0"/>
-                <a:cs typeface="Times New Roman" panose="02020603050405020304" pitchFamily="18" charset="0"/>
-              </a:rPr>
-              <a:t>Mark the table as Date table, right </a:t>
-            </a:r>
-            <a:r>
-              <a:rPr lang="en-US" dirty="0" smtClean="0">
-                <a:latin typeface="Segoe UI" panose="020B0502040204020203" pitchFamily="34" charset="0"/>
-                <a:ea typeface="Calibri" panose="020F0502020204030204" pitchFamily="34" charset="0"/>
-                <a:cs typeface="Times New Roman" panose="02020603050405020304" pitchFamily="18" charset="0"/>
-              </a:rPr>
-              <a:t>clicking the table then selecting </a:t>
-            </a:r>
-            <a:r>
-              <a:rPr lang="fr-FR" b="1" dirty="0" smtClean="0">
-                <a:latin typeface="Segoe UI" panose="020B0502040204020203" pitchFamily="34" charset="0"/>
-                <a:ea typeface="Calibri" panose="020F0502020204030204" pitchFamily="34" charset="0"/>
-                <a:cs typeface="Times New Roman" panose="02020603050405020304" pitchFamily="18" charset="0"/>
-              </a:rPr>
-              <a:t>Mark as date table</a:t>
-            </a:r>
-            <a:endParaRPr lang="en-US" sz="1400" b="1" dirty="0">
-              <a:effectLst/>
-              <a:latin typeface="Calibri" panose="020F0502020204030204" pitchFamily="34" charset="0"/>
-              <a:ea typeface="Calibri" panose="020F0502020204030204" pitchFamily="34" charset="0"/>
               <a:cs typeface="Times New Roman" panose="02020603050405020304" pitchFamily="18" charset="0"/>
             </a:endParaRPr>
           </a:p>
@@ -7588,7 +8017,7 @@
         </p:blipFill>
         <p:spPr>
           <a:xfrm>
-            <a:off x="587591" y="1375803"/>
+            <a:off x="695541" y="1809750"/>
             <a:ext cx="2381582" cy="3391373"/>
           </a:xfrm>
           <a:prstGeom prst="rect">
@@ -7622,8 +8051,8 @@
         </p:blipFill>
         <p:spPr>
           <a:xfrm>
-            <a:off x="3613150" y="1294310"/>
-            <a:ext cx="6180690" cy="5087355"/>
+            <a:off x="4239364" y="1809750"/>
+            <a:ext cx="5554476" cy="4571915"/>
           </a:xfrm>
           <a:prstGeom prst="rect">
             <a:avLst/>
@@ -7640,6 +8069,197 @@
           </a:effectLst>
         </p:spPr>
       </p:pic>
+      <p:sp>
+        <p:nvSpPr>
+          <p:cNvPr id="6" name="Rectangle 1"/>
+          <p:cNvSpPr>
+            <a:spLocks noChangeArrowheads="1"/>
+          </p:cNvSpPr>
+          <p:nvPr/>
+        </p:nvSpPr>
+        <p:spPr bwMode="auto">
+          <a:xfrm>
+            <a:off x="449178" y="697640"/>
+            <a:ext cx="11133222" cy="646331"/>
+          </a:xfrm>
+          <a:prstGeom prst="rect">
+            <a:avLst/>
+          </a:prstGeom>
+          <a:noFill/>
+          <a:ln>
+            <a:noFill/>
+          </a:ln>
+          <a:effectLst/>
+          <a:extLst>
+            <a:ext uri="{909E8E84-426E-40DD-AFC4-6F175D3DCCD1}">
+              <a14:hiddenFill xmlns:a14="http://schemas.microsoft.com/office/drawing/2010/main">
+                <a:solidFill>
+                  <a:schemeClr val="accent1"/>
+                </a:solidFill>
+              </a14:hiddenFill>
+            </a:ext>
+            <a:ext uri="{91240B29-F687-4F45-9708-019B960494DF}">
+              <a14:hiddenLine xmlns:a14="http://schemas.microsoft.com/office/drawing/2010/main" w="9525">
+                <a:solidFill>
+                  <a:schemeClr val="tx1"/>
+                </a:solidFill>
+                <a:miter lim="800000"/>
+                <a:headEnd/>
+                <a:tailEnd/>
+              </a14:hiddenLine>
+            </a:ext>
+            <a:ext uri="{AF507438-7753-43E0-B8FC-AC1667EBCBE1}">
+              <a14:hiddenEffects xmlns:a14="http://schemas.microsoft.com/office/drawing/2010/main">
+                <a:effectLst>
+                  <a:outerShdw dist="35921" dir="2700000" algn="ctr" rotWithShape="0">
+                    <a:schemeClr val="bg2"/>
+                  </a:outerShdw>
+                </a:effectLst>
+              </a14:hiddenEffects>
+            </a:ext>
+          </a:extLst>
+        </p:spPr>
+        <p:txBody>
+          <a:bodyPr vert="horz" wrap="square" lIns="91440" tIns="45720" rIns="91440" bIns="45720" numCol="1" anchor="ctr" anchorCtr="0" compatLnSpc="1">
+            <a:prstTxWarp prst="textNoShape">
+              <a:avLst/>
+            </a:prstTxWarp>
+            <a:spAutoFit/>
+          </a:bodyPr>
+          <a:lstStyle/>
+          <a:p>
+            <a:pPr xmlns:a="http://schemas.openxmlformats.org/drawingml/2006/main" marL="0" marR="0" lvl="0" indent="0" algn="l" defTabSz="914400" rtl="0" eaLnBrk="0" fontAlgn="base" latinLnBrk="0" hangingPunct="0">
+              <a:lnSpc>
+                <a:spcPct val="100000"/>
+              </a:lnSpc>
+              <a:spcBef>
+                <a:spcPct val="0"/>
+              </a:spcBef>
+              <a:spcAft>
+                <a:spcPct val="0"/>
+              </a:spcAft>
+              <a:buClrTx/>
+              <a:buSzTx/>
+              <a:buFontTx/>
+              <a:buNone/>
+              <a:tabLst/>
+            </a:pPr>
+            <a:r xmlns:a="http://schemas.openxmlformats.org/drawingml/2006/main">
+              <a:rPr kumimoji="0" lang="en" altLang="en-US" sz="1800" b="0" i="0" u="none" strike="noStrike" cap="none" normalizeH="0" baseline="0" dirty="0" smtClean="0">
+                <a:ln>
+                  <a:noFill/>
+                </a:ln>
+                <a:solidFill>
+                  <a:schemeClr val="tx1"/>
+                </a:solidFill>
+                <a:effectLst/>
+                <a:latin typeface="Arial" panose="020B0604020202020204" pitchFamily="34" charset="0"/>
+              </a:rPr>
+              <a:t>Mark the table as a date table by right-clicking on the table,</a:t>
+            </a:r>
+            <a:r xmlns:a="http://schemas.openxmlformats.org/drawingml/2006/main">
+              <a:rPr kumimoji="0" lang="en" altLang="en-US" sz="1800" b="0" i="0" u="none" strike="noStrike" cap="none" normalizeH="0" dirty="0" smtClean="0">
+                <a:ln>
+                  <a:noFill/>
+                </a:ln>
+                <a:solidFill>
+                  <a:schemeClr val="tx1"/>
+                </a:solidFill>
+                <a:effectLst/>
+                <a:latin typeface="Arial" panose="020B0604020202020204" pitchFamily="34" charset="0"/>
+              </a:rPr>
+              <a:t> </a:t>
+            </a:r>
+            <a:r xmlns:a="http://schemas.openxmlformats.org/drawingml/2006/main">
+              <a:rPr kumimoji="0" lang="en" altLang="en-US" sz="1800" b="0" i="0" u="none" strike="noStrike" cap="none" normalizeH="0" baseline="0" dirty="0" smtClean="0">
+                <a:ln>
+                  <a:noFill/>
+                </a:ln>
+                <a:solidFill>
+                  <a:schemeClr val="tx1"/>
+                </a:solidFill>
+                <a:effectLst/>
+                <a:latin typeface="Arial" panose="020B0604020202020204" pitchFamily="34" charset="0"/>
+              </a:rPr>
+              <a:t>then selecting </a:t>
+            </a:r>
+            <a:r xmlns:a="http://schemas.openxmlformats.org/drawingml/2006/main">
+              <a:rPr kumimoji="0" lang="en" altLang="en-US" sz="1800" b="1" i="0" u="none" strike="noStrike" cap="none" normalizeH="0" baseline="0" dirty="0" smtClean="0">
+                <a:ln>
+                  <a:noFill/>
+                </a:ln>
+                <a:solidFill>
+                  <a:schemeClr val="tx1"/>
+                </a:solidFill>
+                <a:effectLst/>
+                <a:latin typeface="Arial" panose="020B0604020202020204" pitchFamily="34" charset="0"/>
+              </a:rPr>
+              <a:t>Mark as Date Table </a:t>
+            </a:r>
+            <a:r xmlns:a="http://schemas.openxmlformats.org/drawingml/2006/main">
+              <a:rPr kumimoji="0" lang="en" altLang="en-US" sz="1800" b="0" i="0" u="none" strike="noStrike" cap="none" normalizeH="0" baseline="0" dirty="0" smtClean="0">
+                <a:ln>
+                  <a:noFill/>
+                </a:ln>
+                <a:solidFill>
+                  <a:schemeClr val="tx1"/>
+                </a:solidFill>
+                <a:effectLst/>
+                <a:latin typeface="Arial" panose="020B0604020202020204" pitchFamily="34" charset="0"/>
+              </a:rPr>
+              <a:t>.</a:t>
+            </a:r>
+          </a:p>
+        </p:txBody>
+      </p:sp>
+      <p:sp>
+        <p:nvSpPr>
+          <p:cNvPr id="7" name="Rectangle 6"/>
+          <p:cNvSpPr/>
+          <p:nvPr/>
+        </p:nvSpPr>
+        <p:spPr>
+          <a:xfrm>
+            <a:off x="1391729" y="4514850"/>
+            <a:ext cx="1685394" cy="254000"/>
+          </a:xfrm>
+          <a:prstGeom prst="rect">
+            <a:avLst/>
+          </a:prstGeom>
+          <a:solidFill>
+            <a:srgbClr val="FF0000">
+              <a:alpha val="13000"/>
+            </a:srgbClr>
+          </a:solidFill>
+          <a:ln>
+            <a:noFill/>
+          </a:ln>
+        </p:spPr>
+        <p:style>
+          <a:lnRef idx="2">
+            <a:schemeClr val="accent1">
+              <a:shade val="50000"/>
+            </a:schemeClr>
+          </a:lnRef>
+          <a:fillRef idx="1">
+            <a:schemeClr val="accent1"/>
+          </a:fillRef>
+          <a:effectRef idx="0">
+            <a:schemeClr val="accent1"/>
+          </a:effectRef>
+          <a:fontRef idx="minor">
+            <a:schemeClr val="lt1"/>
+          </a:fontRef>
+        </p:style>
+        <p:txBody>
+          <a:bodyPr rtlCol="0" anchor="ctr"/>
+          <a:lstStyle/>
+          <a:p>
+            <a:pPr algn="ctr"/>
+            <a:endParaRPr lang="en-US"/>
+          </a:p>
+        </p:txBody>
+      </p:sp>
     </p:spTree>
     <p:extLst>
       <p:ext uri="{BB962C8B-B14F-4D97-AF65-F5344CB8AC3E}">
@@ -7719,14 +8339,14 @@
       </p:sp>
       <p:sp>
         <p:nvSpPr>
-          <p:cNvPr id="5" name="TextBox 4"/>
+          <p:cNvPr id="7" name="TextBox 4"/>
           <p:cNvSpPr txBox="1"/>
           <p:nvPr/>
         </p:nvSpPr>
         <p:spPr>
           <a:xfrm>
-            <a:off x="2916199" y="2162433"/>
-            <a:ext cx="6230360" cy="1569660"/>
+            <a:off x="4402178" y="2685208"/>
+            <a:ext cx="3456395" cy="1569660"/>
           </a:xfrm>
           <a:prstGeom prst="rect">
             <a:avLst/>
@@ -7737,10 +8357,104 @@
           <a:bodyPr wrap="none" rtlCol="0">
             <a:spAutoFit/>
           </a:bodyPr>
-          <a:lstStyle/>
-          <a:p>
-            <a:r>
-              <a:rPr lang="en-US" sz="9600" b="1" dirty="0" smtClean="0">
+          <a:lstStyle>
+            <a:defPPr>
+              <a:defRPr lang="en-US"/>
+            </a:defPPr>
+            <a:lvl1pPr marL="0" algn="l" defTabSz="914400" rtl="0" eaLnBrk="1" latinLnBrk="0" hangingPunct="1">
+              <a:defRPr sz="1800" kern="1200">
+                <a:solidFill>
+                  <a:schemeClr val="tx1"/>
+                </a:solidFill>
+                <a:latin typeface="+mn-lt"/>
+                <a:ea typeface="+mn-ea"/>
+                <a:cs typeface="+mn-cs"/>
+              </a:defRPr>
+            </a:lvl1pPr>
+            <a:lvl2pPr marL="457200" algn="l" defTabSz="914400" rtl="0" eaLnBrk="1" latinLnBrk="0" hangingPunct="1">
+              <a:defRPr sz="1800" kern="1200">
+                <a:solidFill>
+                  <a:schemeClr val="tx1"/>
+                </a:solidFill>
+                <a:latin typeface="+mn-lt"/>
+                <a:ea typeface="+mn-ea"/>
+                <a:cs typeface="+mn-cs"/>
+              </a:defRPr>
+            </a:lvl2pPr>
+            <a:lvl3pPr marL="914400" algn="l" defTabSz="914400" rtl="0" eaLnBrk="1" latinLnBrk="0" hangingPunct="1">
+              <a:defRPr sz="1800" kern="1200">
+                <a:solidFill>
+                  <a:schemeClr val="tx1"/>
+                </a:solidFill>
+                <a:latin typeface="+mn-lt"/>
+                <a:ea typeface="+mn-ea"/>
+                <a:cs typeface="+mn-cs"/>
+              </a:defRPr>
+            </a:lvl3pPr>
+            <a:lvl4pPr marL="1371600" algn="l" defTabSz="914400" rtl="0" eaLnBrk="1" latinLnBrk="0" hangingPunct="1">
+              <a:defRPr sz="1800" kern="1200">
+                <a:solidFill>
+                  <a:schemeClr val="tx1"/>
+                </a:solidFill>
+                <a:latin typeface="+mn-lt"/>
+                <a:ea typeface="+mn-ea"/>
+                <a:cs typeface="+mn-cs"/>
+              </a:defRPr>
+            </a:lvl4pPr>
+            <a:lvl5pPr marL="1828800" algn="l" defTabSz="914400" rtl="0" eaLnBrk="1" latinLnBrk="0" hangingPunct="1">
+              <a:defRPr sz="1800" kern="1200">
+                <a:solidFill>
+                  <a:schemeClr val="tx1"/>
+                </a:solidFill>
+                <a:latin typeface="+mn-lt"/>
+                <a:ea typeface="+mn-ea"/>
+                <a:cs typeface="+mn-cs"/>
+              </a:defRPr>
+            </a:lvl5pPr>
+            <a:lvl6pPr marL="2286000" algn="l" defTabSz="914400" rtl="0" eaLnBrk="1" latinLnBrk="0" hangingPunct="1">
+              <a:defRPr sz="1800" kern="1200">
+                <a:solidFill>
+                  <a:schemeClr val="tx1"/>
+                </a:solidFill>
+                <a:latin typeface="+mn-lt"/>
+                <a:ea typeface="+mn-ea"/>
+                <a:cs typeface="+mn-cs"/>
+              </a:defRPr>
+            </a:lvl6pPr>
+            <a:lvl7pPr marL="2743200" algn="l" defTabSz="914400" rtl="0" eaLnBrk="1" latinLnBrk="0" hangingPunct="1">
+              <a:defRPr sz="1800" kern="1200">
+                <a:solidFill>
+                  <a:schemeClr val="tx1"/>
+                </a:solidFill>
+                <a:latin typeface="+mn-lt"/>
+                <a:ea typeface="+mn-ea"/>
+                <a:cs typeface="+mn-cs"/>
+              </a:defRPr>
+            </a:lvl7pPr>
+            <a:lvl8pPr marL="3200400" algn="l" defTabSz="914400" rtl="0" eaLnBrk="1" latinLnBrk="0" hangingPunct="1">
+              <a:defRPr sz="1800" kern="1200">
+                <a:solidFill>
+                  <a:schemeClr val="tx1"/>
+                </a:solidFill>
+                <a:latin typeface="+mn-lt"/>
+                <a:ea typeface="+mn-ea"/>
+                <a:cs typeface="+mn-cs"/>
+              </a:defRPr>
+            </a:lvl8pPr>
+            <a:lvl9pPr marL="3657600" algn="l" defTabSz="914400" rtl="0" eaLnBrk="1" latinLnBrk="0" hangingPunct="1">
+              <a:defRPr sz="1800" kern="1200">
+                <a:solidFill>
+                  <a:schemeClr val="tx1"/>
+                </a:solidFill>
+                <a:latin typeface="+mn-lt"/>
+                <a:ea typeface="+mn-ea"/>
+                <a:cs typeface="+mn-cs"/>
+              </a:defRPr>
+            </a:lvl9pPr>
+          </a:lstStyle>
+          <a:p>
+            <a:r xmlns:a="http://schemas.openxmlformats.org/drawingml/2006/main">
+              <a:rPr lang="en" sz="9600" b="1" dirty="0" smtClean="0">
                 <a:solidFill>
                   <a:srgbClr val="7030A0"/>
                 </a:solidFill>
@@ -7748,9 +8462,9 @@
                 <a:ea typeface="Verdana" panose="020B0604030504040204" pitchFamily="34" charset="0"/>
                 <a:cs typeface="Segoe UI" panose="020B0502040204020203" pitchFamily="34" charset="0"/>
               </a:rPr>
-              <a:t>Thank you</a:t>
-            </a:r>
-            <a:endParaRPr lang="en-US" sz="9600" b="1" dirty="0">
+              <a:t>THANKS</a:t>
+            </a:r>
+            <a:endParaRPr xmlns:a="http://schemas.openxmlformats.org/drawingml/2006/main" lang="en-US" sz="9600" b="1" dirty="0">
               <a:solidFill>
                 <a:srgbClr val="7030A0"/>
               </a:solidFill>
@@ -7763,14 +8477,14 @@
       </p:sp>
       <p:sp>
         <p:nvSpPr>
-          <p:cNvPr id="6" name="TextBox 5"/>
+          <p:cNvPr id="8" name="TextBox 5"/>
           <p:cNvSpPr txBox="1"/>
           <p:nvPr/>
         </p:nvSpPr>
         <p:spPr>
           <a:xfrm>
-            <a:off x="2990336" y="2217861"/>
-            <a:ext cx="6230360" cy="1569660"/>
+            <a:off x="4333426" y="2603133"/>
+            <a:ext cx="3456395" cy="1569660"/>
           </a:xfrm>
           <a:prstGeom prst="rect">
             <a:avLst/>
@@ -7781,10 +8495,104 @@
           <a:bodyPr wrap="none" rtlCol="0">
             <a:spAutoFit/>
           </a:bodyPr>
-          <a:lstStyle/>
-          <a:p>
-            <a:r>
-              <a:rPr lang="en-US" sz="9600" b="1" dirty="0" smtClean="0">
+          <a:lstStyle>
+            <a:defPPr>
+              <a:defRPr lang="en-US"/>
+            </a:defPPr>
+            <a:lvl1pPr marL="0" algn="l" defTabSz="914400" rtl="0" eaLnBrk="1" latinLnBrk="0" hangingPunct="1">
+              <a:defRPr sz="1800" kern="1200">
+                <a:solidFill>
+                  <a:schemeClr val="tx1"/>
+                </a:solidFill>
+                <a:latin typeface="+mn-lt"/>
+                <a:ea typeface="+mn-ea"/>
+                <a:cs typeface="+mn-cs"/>
+              </a:defRPr>
+            </a:lvl1pPr>
+            <a:lvl2pPr marL="457200" algn="l" defTabSz="914400" rtl="0" eaLnBrk="1" latinLnBrk="0" hangingPunct="1">
+              <a:defRPr sz="1800" kern="1200">
+                <a:solidFill>
+                  <a:schemeClr val="tx1"/>
+                </a:solidFill>
+                <a:latin typeface="+mn-lt"/>
+                <a:ea typeface="+mn-ea"/>
+                <a:cs typeface="+mn-cs"/>
+              </a:defRPr>
+            </a:lvl2pPr>
+            <a:lvl3pPr marL="914400" algn="l" defTabSz="914400" rtl="0" eaLnBrk="1" latinLnBrk="0" hangingPunct="1">
+              <a:defRPr sz="1800" kern="1200">
+                <a:solidFill>
+                  <a:schemeClr val="tx1"/>
+                </a:solidFill>
+                <a:latin typeface="+mn-lt"/>
+                <a:ea typeface="+mn-ea"/>
+                <a:cs typeface="+mn-cs"/>
+              </a:defRPr>
+            </a:lvl3pPr>
+            <a:lvl4pPr marL="1371600" algn="l" defTabSz="914400" rtl="0" eaLnBrk="1" latinLnBrk="0" hangingPunct="1">
+              <a:defRPr sz="1800" kern="1200">
+                <a:solidFill>
+                  <a:schemeClr val="tx1"/>
+                </a:solidFill>
+                <a:latin typeface="+mn-lt"/>
+                <a:ea typeface="+mn-ea"/>
+                <a:cs typeface="+mn-cs"/>
+              </a:defRPr>
+            </a:lvl4pPr>
+            <a:lvl5pPr marL="1828800" algn="l" defTabSz="914400" rtl="0" eaLnBrk="1" latinLnBrk="0" hangingPunct="1">
+              <a:defRPr sz="1800" kern="1200">
+                <a:solidFill>
+                  <a:schemeClr val="tx1"/>
+                </a:solidFill>
+                <a:latin typeface="+mn-lt"/>
+                <a:ea typeface="+mn-ea"/>
+                <a:cs typeface="+mn-cs"/>
+              </a:defRPr>
+            </a:lvl5pPr>
+            <a:lvl6pPr marL="2286000" algn="l" defTabSz="914400" rtl="0" eaLnBrk="1" latinLnBrk="0" hangingPunct="1">
+              <a:defRPr sz="1800" kern="1200">
+                <a:solidFill>
+                  <a:schemeClr val="tx1"/>
+                </a:solidFill>
+                <a:latin typeface="+mn-lt"/>
+                <a:ea typeface="+mn-ea"/>
+                <a:cs typeface="+mn-cs"/>
+              </a:defRPr>
+            </a:lvl6pPr>
+            <a:lvl7pPr marL="2743200" algn="l" defTabSz="914400" rtl="0" eaLnBrk="1" latinLnBrk="0" hangingPunct="1">
+              <a:defRPr sz="1800" kern="1200">
+                <a:solidFill>
+                  <a:schemeClr val="tx1"/>
+                </a:solidFill>
+                <a:latin typeface="+mn-lt"/>
+                <a:ea typeface="+mn-ea"/>
+                <a:cs typeface="+mn-cs"/>
+              </a:defRPr>
+            </a:lvl7pPr>
+            <a:lvl8pPr marL="3200400" algn="l" defTabSz="914400" rtl="0" eaLnBrk="1" latinLnBrk="0" hangingPunct="1">
+              <a:defRPr sz="1800" kern="1200">
+                <a:solidFill>
+                  <a:schemeClr val="tx1"/>
+                </a:solidFill>
+                <a:latin typeface="+mn-lt"/>
+                <a:ea typeface="+mn-ea"/>
+                <a:cs typeface="+mn-cs"/>
+              </a:defRPr>
+            </a:lvl8pPr>
+            <a:lvl9pPr marL="3657600" algn="l" defTabSz="914400" rtl="0" eaLnBrk="1" latinLnBrk="0" hangingPunct="1">
+              <a:defRPr sz="1800" kern="1200">
+                <a:solidFill>
+                  <a:schemeClr val="tx1"/>
+                </a:solidFill>
+                <a:latin typeface="+mn-lt"/>
+                <a:ea typeface="+mn-ea"/>
+                <a:cs typeface="+mn-cs"/>
+              </a:defRPr>
+            </a:lvl9pPr>
+          </a:lstStyle>
+          <a:p>
+            <a:r xmlns:a="http://schemas.openxmlformats.org/drawingml/2006/main">
+              <a:rPr lang="en" sz="9600" b="1" dirty="0" smtClean="0">
                 <a:solidFill>
                   <a:schemeClr val="bg1"/>
                 </a:solidFill>
@@ -7792,9 +8600,9 @@
                 <a:ea typeface="Verdana" panose="020B0604030504040204" pitchFamily="34" charset="0"/>
                 <a:cs typeface="Segoe UI" panose="020B0502040204020203" pitchFamily="34" charset="0"/>
               </a:rPr>
-              <a:t>Thank you</a:t>
-            </a:r>
-            <a:endParaRPr lang="en-US" sz="9600" b="1" dirty="0">
+              <a:t>THANKS</a:t>
+            </a:r>
+            <a:endParaRPr xmlns:a="http://schemas.openxmlformats.org/drawingml/2006/main" lang="en-US" sz="9600" b="1" dirty="0">
               <a:solidFill>
                 <a:schemeClr val="bg1"/>
               </a:solidFill>
@@ -7837,26 +8645,26 @@
       </p:grpSpPr>
       <p:sp>
         <p:nvSpPr>
-          <p:cNvPr id="2" name="Rectangle 1"/>
+          <p:cNvPr id="3" name="Rectangle 2"/>
           <p:cNvSpPr/>
           <p:nvPr/>
         </p:nvSpPr>
         <p:spPr>
           <a:xfrm>
-            <a:off x="449178" y="727991"/>
-            <a:ext cx="11369269" cy="1585562"/>
+            <a:off x="449178" y="216445"/>
+            <a:ext cx="3724096" cy="366895"/>
           </a:xfrm>
           <a:prstGeom prst="rect">
             <a:avLst/>
           </a:prstGeom>
         </p:spPr>
         <p:txBody>
-          <a:bodyPr wrap="square">
+          <a:bodyPr wrap="none">
             <a:spAutoFit/>
           </a:bodyPr>
           <a:lstStyle/>
           <a:p>
-            <a:pPr>
+            <a:pPr xmlns:a="http://schemas.openxmlformats.org/drawingml/2006/main">
               <a:lnSpc>
                 <a:spcPct val="107000"/>
               </a:lnSpc>
@@ -7867,212 +8675,17 @@
                 <a:spcPts val="0"/>
               </a:spcAft>
             </a:pPr>
-            <a:r>
-              <a:rPr lang="fr-FR" b="1" kern="0" dirty="0" smtClean="0">
+            <a:r xmlns:a="http://schemas.openxmlformats.org/drawingml/2006/main">
+              <a:rPr lang="en" b="1" kern="0" dirty="0" smtClean="0">
                 <a:latin typeface="Segoe UI" panose="020B0502040204020203" pitchFamily="34" charset="0"/>
                 <a:ea typeface="Times New Roman" panose="02020603050405020304" pitchFamily="18" charset="0"/>
                 <a:cs typeface="Times New Roman" panose="02020603050405020304" pitchFamily="18" charset="0"/>
               </a:rPr>
-              <a:t>Note </a:t>
-            </a:r>
-            <a:r>
-              <a:rPr lang="fr-FR" b="1" kern="0" dirty="0">
-                <a:latin typeface="Segoe UI" panose="020B0502040204020203" pitchFamily="34" charset="0"/>
-                <a:ea typeface="Times New Roman" panose="02020603050405020304" pitchFamily="18" charset="0"/>
-                <a:cs typeface="Times New Roman" panose="02020603050405020304" pitchFamily="18" charset="0"/>
-              </a:rPr>
-              <a:t>:</a:t>
-            </a:r>
-            <a:endParaRPr lang="en-US" sz="2800" b="1" kern="0" dirty="0">
+              <a:t>Import SQL Server data</a:t>
+            </a:r>
+            <a:endParaRPr xmlns:a="http://schemas.openxmlformats.org/drawingml/2006/main" lang="en-US" b="1" kern="0" dirty="0">
               <a:latin typeface="Segoe UI" panose="020B0502040204020203" pitchFamily="34" charset="0"/>
               <a:ea typeface="Times New Roman" panose="02020603050405020304" pitchFamily="18" charset="0"/>
-              <a:cs typeface="Times New Roman" panose="02020603050405020304" pitchFamily="18" charset="0"/>
-            </a:endParaRPr>
-          </a:p>
-          <a:p>
-            <a:pPr lvl="0">
-              <a:lnSpc>
-                <a:spcPct val="107000"/>
-              </a:lnSpc>
-              <a:spcBef>
-                <a:spcPts val="1200"/>
-              </a:spcBef>
-              <a:spcAft>
-                <a:spcPts val="0"/>
-              </a:spcAft>
-            </a:pPr>
-            <a:r>
-              <a:rPr lang="fr-FR" kern="0" dirty="0">
-                <a:latin typeface="Segoe UI" panose="020B0502040204020203" pitchFamily="34" charset="0"/>
-                <a:ea typeface="Times New Roman" panose="02020603050405020304" pitchFamily="18" charset="0"/>
-                <a:cs typeface="Times New Roman" panose="02020603050405020304" pitchFamily="18" charset="0"/>
-              </a:rPr>
-              <a:t>This </a:t>
-            </a:r>
-            <a:r>
-              <a:rPr lang="fr-FR" kern="0" dirty="0" err="1">
-                <a:latin typeface="Segoe UI" panose="020B0502040204020203" pitchFamily="34" charset="0"/>
-                <a:ea typeface="Times New Roman" panose="02020603050405020304" pitchFamily="18" charset="0"/>
-                <a:cs typeface="Times New Roman" panose="02020603050405020304" pitchFamily="18" charset="0"/>
-              </a:rPr>
-              <a:t>Lab</a:t>
-            </a:r>
-            <a:r>
-              <a:rPr lang="fr-FR" kern="0" dirty="0">
-                <a:latin typeface="Segoe UI" panose="020B0502040204020203" pitchFamily="34" charset="0"/>
-                <a:ea typeface="Times New Roman" panose="02020603050405020304" pitchFamily="18" charset="0"/>
-                <a:cs typeface="Times New Roman" panose="02020603050405020304" pitchFamily="18" charset="0"/>
-              </a:rPr>
-              <a:t> uses SQL Server</a:t>
-            </a:r>
-            <a:endParaRPr lang="en-US" sz="2800" b="1" kern="0" dirty="0">
-              <a:latin typeface="Segoe UI" panose="020B0502040204020203" pitchFamily="34" charset="0"/>
-              <a:ea typeface="Times New Roman" panose="02020603050405020304" pitchFamily="18" charset="0"/>
-              <a:cs typeface="Times New Roman" panose="02020603050405020304" pitchFamily="18" charset="0"/>
-            </a:endParaRPr>
-          </a:p>
-          <a:p>
-            <a:pPr lvl="0">
-              <a:lnSpc>
-                <a:spcPct val="107000"/>
-              </a:lnSpc>
-              <a:spcBef>
-                <a:spcPts val="1200"/>
-              </a:spcBef>
-              <a:spcAft>
-                <a:spcPts val="0"/>
-              </a:spcAft>
-            </a:pPr>
-            <a:r>
-              <a:rPr lang="en-US" kern="0" dirty="0">
-                <a:latin typeface="Segoe UI" panose="020B0502040204020203" pitchFamily="34" charset="0"/>
-                <a:ea typeface="Times New Roman" panose="02020603050405020304" pitchFamily="18" charset="0"/>
-                <a:cs typeface="Times New Roman" panose="02020603050405020304" pitchFamily="18" charset="0"/>
-              </a:rPr>
-              <a:t>This Lab uses the SQL Server Sales database whose generation script is located in the training resources </a:t>
-            </a:r>
-            <a:r>
-              <a:rPr lang="en-US" b="1" kern="0" dirty="0">
-                <a:latin typeface="Segoe UI" panose="020B0502040204020203" pitchFamily="34" charset="0"/>
-                <a:ea typeface="Times New Roman" panose="02020603050405020304" pitchFamily="18" charset="0"/>
-                <a:cs typeface="Times New Roman" panose="02020603050405020304" pitchFamily="18" charset="0"/>
-              </a:rPr>
-              <a:t>\resources\Sales model\ </a:t>
-            </a:r>
-            <a:r>
-              <a:rPr lang="en-US" b="1" kern="0" dirty="0" err="1">
-                <a:latin typeface="Segoe UI" panose="020B0502040204020203" pitchFamily="34" charset="0"/>
-                <a:ea typeface="Times New Roman" panose="02020603050405020304" pitchFamily="18" charset="0"/>
-                <a:cs typeface="Times New Roman" panose="02020603050405020304" pitchFamily="18" charset="0"/>
-              </a:rPr>
-              <a:t>sales_database_script.sql</a:t>
-            </a:r>
-            <a:r>
-              <a:rPr lang="en-US" b="1" kern="0" dirty="0">
-                <a:latin typeface="Segoe UI" panose="020B0502040204020203" pitchFamily="34" charset="0"/>
-                <a:ea typeface="Times New Roman" panose="02020603050405020304" pitchFamily="18" charset="0"/>
-                <a:cs typeface="Times New Roman" panose="02020603050405020304" pitchFamily="18" charset="0"/>
-              </a:rPr>
-              <a:t> </a:t>
-            </a:r>
-            <a:endParaRPr lang="en-US" sz="2800" b="1" kern="0" dirty="0">
-              <a:effectLst/>
-              <a:latin typeface="Segoe UI" panose="020B0502040204020203" pitchFamily="34" charset="0"/>
-              <a:ea typeface="Times New Roman" panose="02020603050405020304" pitchFamily="18" charset="0"/>
-              <a:cs typeface="Times New Roman" panose="02020603050405020304" pitchFamily="18" charset="0"/>
-            </a:endParaRPr>
-          </a:p>
-        </p:txBody>
-      </p:sp>
-      <p:sp>
-        <p:nvSpPr>
-          <p:cNvPr id="3" name="Rectangle 2"/>
-          <p:cNvSpPr/>
-          <p:nvPr/>
-        </p:nvSpPr>
-        <p:spPr>
-          <a:xfrm>
-            <a:off x="449178" y="216445"/>
-            <a:ext cx="3092513" cy="366895"/>
-          </a:xfrm>
-          <a:prstGeom prst="rect">
-            <a:avLst/>
-          </a:prstGeom>
-        </p:spPr>
-        <p:txBody>
-          <a:bodyPr wrap="none">
-            <a:spAutoFit/>
-          </a:bodyPr>
-          <a:lstStyle/>
-          <a:p>
-            <a:pPr>
-              <a:lnSpc>
-                <a:spcPct val="107000"/>
-              </a:lnSpc>
-              <a:spcBef>
-                <a:spcPts val="1200"/>
-              </a:spcBef>
-              <a:spcAft>
-                <a:spcPts val="0"/>
-              </a:spcAft>
-            </a:pPr>
-            <a:r>
-              <a:rPr lang="en-US" b="1" kern="0" dirty="0" smtClean="0">
-                <a:latin typeface="Segoe UI" panose="020B0502040204020203" pitchFamily="34" charset="0"/>
-                <a:ea typeface="Times New Roman" panose="02020603050405020304" pitchFamily="18" charset="0"/>
-                <a:cs typeface="Times New Roman" panose="02020603050405020304" pitchFamily="18" charset="0"/>
-              </a:rPr>
-              <a:t>Importing SQL Server Data</a:t>
-            </a:r>
-            <a:endParaRPr lang="en-US" b="1" kern="0" dirty="0">
-              <a:latin typeface="Segoe UI" panose="020B0502040204020203" pitchFamily="34" charset="0"/>
-              <a:ea typeface="Times New Roman" panose="02020603050405020304" pitchFamily="18" charset="0"/>
-              <a:cs typeface="Times New Roman" panose="02020603050405020304" pitchFamily="18" charset="0"/>
-            </a:endParaRPr>
-          </a:p>
-        </p:txBody>
-      </p:sp>
-      <p:sp>
-        <p:nvSpPr>
-          <p:cNvPr id="4" name="Rectangle 3"/>
-          <p:cNvSpPr/>
-          <p:nvPr/>
-        </p:nvSpPr>
-        <p:spPr>
-          <a:xfrm>
-            <a:off x="449178" y="2436403"/>
-            <a:ext cx="4143057" cy="373692"/>
-          </a:xfrm>
-          <a:prstGeom prst="rect">
-            <a:avLst/>
-          </a:prstGeom>
-        </p:spPr>
-        <p:txBody>
-          <a:bodyPr wrap="none">
-            <a:spAutoFit/>
-          </a:bodyPr>
-          <a:lstStyle/>
-          <a:p>
-            <a:pPr lvl="0">
-              <a:lnSpc>
-                <a:spcPct val="107000"/>
-              </a:lnSpc>
-              <a:spcAft>
-                <a:spcPts val="800"/>
-              </a:spcAft>
-            </a:pPr>
-            <a:r>
-              <a:rPr lang="en-US" dirty="0">
-                <a:latin typeface="Segoe UI" panose="020B0502040204020203" pitchFamily="34" charset="0"/>
-                <a:ea typeface="Calibri" panose="020F0502020204030204" pitchFamily="34" charset="0"/>
-                <a:cs typeface="Times New Roman" panose="02020603050405020304" pitchFamily="18" charset="0"/>
-              </a:rPr>
-              <a:t>Choose data source from More… menu</a:t>
-            </a:r>
-            <a:endParaRPr lang="en-US" sz="1400" dirty="0">
-              <a:effectLst/>
-              <a:latin typeface="Calibri" panose="020F0502020204030204" pitchFamily="34" charset="0"/>
-              <a:ea typeface="Calibri" panose="020F0502020204030204" pitchFamily="34" charset="0"/>
               <a:cs typeface="Times New Roman" panose="02020603050405020304" pitchFamily="18" charset="0"/>
             </a:endParaRPr>
           </a:p>
@@ -8092,7 +8705,7 @@
         </p:blipFill>
         <p:spPr>
           <a:xfrm>
-            <a:off x="3637217" y="3052582"/>
+            <a:off x="2843467" y="2616718"/>
             <a:ext cx="5768039" cy="3485721"/>
           </a:xfrm>
           <a:prstGeom prst="rect">
@@ -8108,7 +8721,7 @@
         </p:nvSpPr>
         <p:spPr>
           <a:xfrm>
-            <a:off x="7074569" y="3513221"/>
+            <a:off x="6280819" y="3077357"/>
             <a:ext cx="756271" cy="687518"/>
           </a:xfrm>
           <a:prstGeom prst="rect">
@@ -8148,6 +8761,341 @@
           </a:p>
         </p:txBody>
       </p:sp>
+      <p:sp>
+        <p:nvSpPr>
+          <p:cNvPr id="7" name="Rectangle 1"/>
+          <p:cNvSpPr>
+            <a:spLocks noChangeArrowheads="1"/>
+          </p:cNvSpPr>
+          <p:nvPr/>
+        </p:nvSpPr>
+        <p:spPr bwMode="auto">
+          <a:xfrm>
+            <a:off x="449178" y="828792"/>
+            <a:ext cx="11123686" cy="923330"/>
+          </a:xfrm>
+          <a:prstGeom prst="rect">
+            <a:avLst/>
+          </a:prstGeom>
+          <a:noFill/>
+          <a:ln>
+            <a:noFill/>
+          </a:ln>
+          <a:effectLst/>
+          <a:extLst>
+            <a:ext uri="{909E8E84-426E-40DD-AFC4-6F175D3DCCD1}">
+              <a14:hiddenFill xmlns:a14="http://schemas.microsoft.com/office/drawing/2010/main">
+                <a:solidFill>
+                  <a:schemeClr val="accent1"/>
+                </a:solidFill>
+              </a14:hiddenFill>
+            </a:ext>
+            <a:ext uri="{91240B29-F687-4F45-9708-019B960494DF}">
+              <a14:hiddenLine xmlns:a14="http://schemas.microsoft.com/office/drawing/2010/main" w="9525">
+                <a:solidFill>
+                  <a:schemeClr val="tx1"/>
+                </a:solidFill>
+                <a:miter lim="800000"/>
+                <a:headEnd/>
+                <a:tailEnd/>
+              </a14:hiddenLine>
+            </a:ext>
+            <a:ext uri="{AF507438-7753-43E0-B8FC-AC1667EBCBE1}">
+              <a14:hiddenEffects xmlns:a14="http://schemas.microsoft.com/office/drawing/2010/main">
+                <a:effectLst>
+                  <a:outerShdw dist="35921" dir="2700000" algn="ctr" rotWithShape="0">
+                    <a:schemeClr val="bg2"/>
+                  </a:outerShdw>
+                </a:effectLst>
+              </a14:hiddenEffects>
+            </a:ext>
+          </a:extLst>
+        </p:spPr>
+        <p:txBody>
+          <a:bodyPr vert="horz" wrap="none" lIns="91440" tIns="45720" rIns="91440" bIns="45720" numCol="1" anchor="ctr" anchorCtr="0" compatLnSpc="1">
+            <a:prstTxWarp prst="textNoShape">
+              <a:avLst/>
+            </a:prstTxWarp>
+            <a:spAutoFit/>
+          </a:bodyPr>
+          <a:lstStyle/>
+          <a:p>
+            <a:pPr xmlns:a="http://schemas.openxmlformats.org/drawingml/2006/main" marL="0" marR="0" lvl="0" indent="0" algn="l" defTabSz="914400" rtl="0" eaLnBrk="0" fontAlgn="base" latinLnBrk="0" hangingPunct="0">
+              <a:lnSpc>
+                <a:spcPct val="100000"/>
+              </a:lnSpc>
+              <a:spcBef>
+                <a:spcPct val="0"/>
+              </a:spcBef>
+              <a:spcAft>
+                <a:spcPct val="0"/>
+              </a:spcAft>
+              <a:buClrTx/>
+              <a:buSzTx/>
+              <a:buFontTx/>
+              <a:buNone/>
+              <a:tabLst/>
+            </a:pPr>
+            <a:r xmlns:a="http://schemas.openxmlformats.org/drawingml/2006/main">
+              <a:rPr kumimoji="0" lang="en" altLang="en-US" sz="1800" b="1" i="0" u="none" strike="noStrike" cap="none" normalizeH="0" baseline="0" dirty="0" smtClean="0">
+                <a:ln>
+                  <a:noFill/>
+                </a:ln>
+                <a:solidFill>
+                  <a:schemeClr val="tx1"/>
+                </a:solidFill>
+                <a:effectLst/>
+                <a:latin typeface="Arial" panose="020B0604020202020204" pitchFamily="34" charset="0"/>
+              </a:rPr>
+              <a:t>Note: This lab uses SQL Server. This lab uses the </a:t>
+            </a:r>
+            <a:r xmlns:a="http://schemas.openxmlformats.org/drawingml/2006/main">
+              <a:rPr kumimoji="0" lang="en" altLang="en-US" sz="1800" b="1" i="0" u="none" strike="noStrike" cap="none" normalizeH="0" baseline="0" dirty="0" smtClean="0">
+                <a:ln>
+                  <a:noFill/>
+                </a:ln>
+                <a:solidFill>
+                  <a:schemeClr val="tx1"/>
+                </a:solidFill>
+                <a:effectLst/>
+                <a:latin typeface="Arial" panose="020B0604020202020204" pitchFamily="34" charset="0"/>
+              </a:rPr>
+              <a:t>SQL Server Sales </a:t>
+            </a:r>
+            <a:r xmlns:a="http://schemas.openxmlformats.org/drawingml/2006/main">
+              <a:rPr kumimoji="0" lang="en" altLang="en-US" sz="1800" b="0" i="0" u="none" strike="noStrike" cap="none" normalizeH="0" baseline="0" dirty="0" smtClean="0">
+                <a:ln>
+                  <a:noFill/>
+                </a:ln>
+                <a:solidFill>
+                  <a:schemeClr val="tx1"/>
+                </a:solidFill>
+                <a:effectLst/>
+                <a:latin typeface="Arial" panose="020B0604020202020204" pitchFamily="34" charset="0"/>
+              </a:rPr>
+              <a:t>database </a:t>
+            </a:r>
+            <a:r xmlns:a="http://schemas.openxmlformats.org/drawingml/2006/main">
+              <a:rPr kumimoji="0" lang="en" altLang="en-US" sz="1800" b="0" i="0" u="none" strike="noStrike" cap="none" normalizeH="0" baseline="0" dirty="0" smtClean="0">
+                <a:ln>
+                  <a:noFill/>
+                </a:ln>
+                <a:solidFill>
+                  <a:schemeClr val="tx1"/>
+                </a:solidFill>
+                <a:effectLst/>
+                <a:latin typeface="Arial" panose="020B0604020202020204" pitchFamily="34" charset="0"/>
+              </a:rPr>
+              <a:t>whose</a:t>
+            </a:r>
+          </a:p>
+          <a:p>
+            <a:pPr xmlns:a="http://schemas.openxmlformats.org/drawingml/2006/main" marL="0" marR="0" lvl="0" indent="0" algn="l" defTabSz="914400" rtl="0" eaLnBrk="0" fontAlgn="base" latinLnBrk="0" hangingPunct="0">
+              <a:lnSpc>
+                <a:spcPct val="100000"/>
+              </a:lnSpc>
+              <a:spcBef>
+                <a:spcPct val="0"/>
+              </a:spcBef>
+              <a:spcAft>
+                <a:spcPct val="0"/>
+              </a:spcAft>
+              <a:buClrTx/>
+              <a:buSzTx/>
+              <a:buFontTx/>
+              <a:buNone/>
+              <a:tabLst/>
+            </a:pPr>
+            <a:r xmlns:a="http://schemas.openxmlformats.org/drawingml/2006/main">
+              <a:rPr kumimoji="0" lang="en" altLang="en-US" sz="1800" b="0" i="0" u="none" strike="noStrike" cap="none" normalizeH="0" baseline="0" dirty="0" smtClean="0">
+                <a:ln>
+                  <a:noFill/>
+                </a:ln>
+                <a:solidFill>
+                  <a:schemeClr val="tx1"/>
+                </a:solidFill>
+                <a:effectLst/>
+                <a:latin typeface="Arial" panose="020B0604020202020204" pitchFamily="34" charset="0"/>
+              </a:rPr>
+              <a:t>the generation script is located in the training resources</a:t>
+            </a:r>
+          </a:p>
+          <a:p>
+            <a:pPr xmlns:a="http://schemas.openxmlformats.org/drawingml/2006/main" marL="0" marR="0" lvl="0" indent="0" algn="l" defTabSz="914400" rtl="0" eaLnBrk="0" fontAlgn="base" latinLnBrk="0" hangingPunct="0">
+              <a:lnSpc>
+                <a:spcPct val="100000"/>
+              </a:lnSpc>
+              <a:spcBef>
+                <a:spcPct val="0"/>
+              </a:spcBef>
+              <a:spcAft>
+                <a:spcPct val="0"/>
+              </a:spcAft>
+              <a:buClrTx/>
+              <a:buSzTx/>
+              <a:buFontTx/>
+              <a:buNone/>
+              <a:tabLst/>
+            </a:pPr>
+            <a:r xmlns:a="http://schemas.openxmlformats.org/drawingml/2006/main">
+              <a:rPr kumimoji="0" lang="en" altLang="en-US" sz="1800" b="1" i="0" u="none" strike="noStrike" cap="none" normalizeH="0" baseline="0" dirty="0" smtClean="0">
+                <a:ln>
+                  <a:noFill/>
+                </a:ln>
+                <a:solidFill>
+                  <a:schemeClr val="tx1"/>
+                </a:solidFill>
+                <a:effectLst/>
+                <a:latin typeface="Arial" panose="020B0604020202020204" pitchFamily="34" charset="0"/>
+              </a:rPr>
+              <a:t>\ </a:t>
+            </a:r>
+            <a:r xmlns:a="http://schemas.openxmlformats.org/drawingml/2006/main">
+              <a:rPr kumimoji="0" lang="en" altLang="en-US" sz="1800" b="1" i="0" u="none" strike="noStrike" cap="none" normalizeH="0" baseline="0" dirty="0" err="1" smtClean="0">
+                <a:ln>
+                  <a:noFill/>
+                </a:ln>
+                <a:solidFill>
+                  <a:schemeClr val="tx1"/>
+                </a:solidFill>
+                <a:effectLst/>
+                <a:latin typeface="Arial" panose="020B0604020202020204" pitchFamily="34" charset="0"/>
+              </a:rPr>
+              <a:t>resources </a:t>
+            </a:r>
+            <a:r xmlns:a="http://schemas.openxmlformats.org/drawingml/2006/main">
+              <a:rPr kumimoji="0" lang="en" altLang="en-US" sz="1800" b="1" i="0" u="none" strike="noStrike" cap="none" normalizeH="0" baseline="0" dirty="0" smtClean="0">
+                <a:ln>
+                  <a:noFill/>
+                </a:ln>
+                <a:solidFill>
+                  <a:schemeClr val="tx1"/>
+                </a:solidFill>
+                <a:effectLst/>
+                <a:latin typeface="Arial" panose="020B0604020202020204" pitchFamily="34" charset="0"/>
+              </a:rPr>
+              <a:t>\Sales model\ </a:t>
+            </a:r>
+            <a:r xmlns:a="http://schemas.openxmlformats.org/drawingml/2006/main">
+              <a:rPr kumimoji="0" lang="en" altLang="en-US" sz="1800" b="1" i="0" u="none" strike="noStrike" cap="none" normalizeH="0" baseline="0" dirty="0" err="1" smtClean="0">
+                <a:ln>
+                  <a:noFill/>
+                </a:ln>
+                <a:solidFill>
+                  <a:schemeClr val="tx1"/>
+                </a:solidFill>
+                <a:effectLst/>
+                <a:latin typeface="Arial" panose="020B0604020202020204" pitchFamily="34" charset="0"/>
+              </a:rPr>
+              <a:t>sales_database_script.sql </a:t>
+            </a:r>
+            <a:r xmlns:a="http://schemas.openxmlformats.org/drawingml/2006/main">
+              <a:rPr kumimoji="0" lang="en" altLang="en-US" sz="1800" b="1" i="0" u="none" strike="noStrike" cap="none" normalizeH="0" baseline="0" dirty="0" smtClean="0">
+                <a:ln>
+                  <a:noFill/>
+                </a:ln>
+                <a:solidFill>
+                  <a:schemeClr val="tx1"/>
+                </a:solidFill>
+                <a:effectLst/>
+                <a:latin typeface="Arial" panose="020B0604020202020204" pitchFamily="34" charset="0"/>
+              </a:rPr>
+              <a:t>.</a:t>
+            </a:r>
+          </a:p>
+        </p:txBody>
+      </p:sp>
+      <p:sp>
+        <p:nvSpPr>
+          <p:cNvPr id="8" name="Rectangle 2"/>
+          <p:cNvSpPr>
+            <a:spLocks noChangeArrowheads="1"/>
+          </p:cNvSpPr>
+          <p:nvPr/>
+        </p:nvSpPr>
+        <p:spPr bwMode="auto">
+          <a:xfrm>
+            <a:off x="449178" y="1973133"/>
+            <a:ext cx="5724644" cy="369332"/>
+          </a:xfrm>
+          <a:prstGeom prst="rect">
+            <a:avLst/>
+          </a:prstGeom>
+          <a:noFill/>
+          <a:ln>
+            <a:noFill/>
+          </a:ln>
+          <a:effectLst/>
+          <a:extLst>
+            <a:ext uri="{909E8E84-426E-40DD-AFC4-6F175D3DCCD1}">
+              <a14:hiddenFill xmlns:a14="http://schemas.microsoft.com/office/drawing/2010/main">
+                <a:solidFill>
+                  <a:schemeClr val="accent1"/>
+                </a:solidFill>
+              </a14:hiddenFill>
+            </a:ext>
+            <a:ext uri="{91240B29-F687-4F45-9708-019B960494DF}">
+              <a14:hiddenLine xmlns:a14="http://schemas.microsoft.com/office/drawing/2010/main" w="9525">
+                <a:solidFill>
+                  <a:schemeClr val="tx1"/>
+                </a:solidFill>
+                <a:miter lim="800000"/>
+                <a:headEnd/>
+                <a:tailEnd/>
+              </a14:hiddenLine>
+            </a:ext>
+            <a:ext uri="{AF507438-7753-43E0-B8FC-AC1667EBCBE1}">
+              <a14:hiddenEffects xmlns:a14="http://schemas.microsoft.com/office/drawing/2010/main">
+                <a:effectLst>
+                  <a:outerShdw dist="35921" dir="2700000" algn="ctr" rotWithShape="0">
+                    <a:schemeClr val="bg2"/>
+                  </a:outerShdw>
+                </a:effectLst>
+              </a14:hiddenEffects>
+            </a:ext>
+          </a:extLst>
+        </p:spPr>
+        <p:txBody>
+          <a:bodyPr vert="horz" wrap="none" lIns="91440" tIns="45720" rIns="91440" bIns="45720" numCol="1" anchor="ctr" anchorCtr="0" compatLnSpc="1">
+            <a:prstTxWarp prst="textNoShape">
+              <a:avLst/>
+            </a:prstTxWarp>
+            <a:spAutoFit/>
+          </a:bodyPr>
+          <a:lstStyle/>
+          <a:p>
+            <a:pPr xmlns:a="http://schemas.openxmlformats.org/drawingml/2006/main" marL="0" marR="0" lvl="0" indent="0" algn="l" defTabSz="914400" rtl="0" eaLnBrk="0" fontAlgn="base" latinLnBrk="0" hangingPunct="0">
+              <a:lnSpc>
+                <a:spcPct val="100000"/>
+              </a:lnSpc>
+              <a:spcBef>
+                <a:spcPct val="0"/>
+              </a:spcBef>
+              <a:spcAft>
+                <a:spcPct val="0"/>
+              </a:spcAft>
+              <a:buClrTx/>
+              <a:buSzTx/>
+              <a:buFontTx/>
+              <a:buNone/>
+              <a:tabLst/>
+            </a:pPr>
+            <a:r xmlns:a="http://schemas.openxmlformats.org/drawingml/2006/main">
+              <a:rPr kumimoji="0" lang="en" altLang="en-US" sz="1800" b="0" i="0" u="none" strike="noStrike" cap="none" normalizeH="0" baseline="0" dirty="0" smtClean="0">
+                <a:ln>
+                  <a:noFill/>
+                </a:ln>
+                <a:solidFill>
+                  <a:schemeClr val="tx1"/>
+                </a:solidFill>
+                <a:effectLst/>
+                <a:latin typeface="Arial" panose="020B0604020202020204" pitchFamily="34" charset="0"/>
+              </a:rPr>
+              <a:t>Choose the data source from the More... menu</a:t>
+            </a:r>
+          </a:p>
+        </p:txBody>
+      </p:sp>
     </p:spTree>
     <p:extLst>
       <p:ext uri="{BB962C8B-B14F-4D97-AF65-F5344CB8AC3E}">
@@ -8187,7 +9135,7 @@
         <p:spPr>
           <a:xfrm>
             <a:off x="449178" y="216445"/>
-            <a:ext cx="3092513" cy="366895"/>
+            <a:ext cx="3724096" cy="366895"/>
           </a:xfrm>
           <a:prstGeom prst="rect">
             <a:avLst/>
@@ -8199,7 +9147,7 @@
           </a:bodyPr>
           <a:lstStyle/>
           <a:p>
-            <a:pPr>
+            <a:pPr xmlns:a="http://schemas.openxmlformats.org/drawingml/2006/main">
               <a:lnSpc>
                 <a:spcPct val="107000"/>
               </a:lnSpc>
@@ -8210,51 +9158,19 @@
                 <a:spcPts val="0"/>
               </a:spcAft>
             </a:pPr>
-            <a:r>
-              <a:rPr lang="en-US" b="1" kern="0" dirty="0" smtClean="0">
+            <a:r xmlns:a="http://schemas.openxmlformats.org/drawingml/2006/main">
+              <a:rPr lang="en" b="1" kern="0" dirty="0" smtClean="0">
                 <a:latin typeface="Segoe UI" panose="020B0502040204020203" pitchFamily="34" charset="0"/>
                 <a:ea typeface="Times New Roman" panose="02020603050405020304" pitchFamily="18" charset="0"/>
                 <a:cs typeface="Times New Roman" panose="02020603050405020304" pitchFamily="18" charset="0"/>
               </a:rPr>
-              <a:t>Importing SQL Server Data</a:t>
-            </a:r>
-            <a:endParaRPr lang="en-US" b="1" kern="0" dirty="0">
+              <a:t>Import SQL Server data</a:t>
+            </a:r>
+            <a:endParaRPr xmlns:a="http://schemas.openxmlformats.org/drawingml/2006/main" lang="en-US" b="1" kern="0" dirty="0">
               <a:latin typeface="Segoe UI" panose="020B0502040204020203" pitchFamily="34" charset="0"/>
               <a:ea typeface="Times New Roman" panose="02020603050405020304" pitchFamily="18" charset="0"/>
               <a:cs typeface="Times New Roman" panose="02020603050405020304" pitchFamily="18" charset="0"/>
             </a:endParaRPr>
-          </a:p>
-        </p:txBody>
-      </p:sp>
-      <p:sp>
-        <p:nvSpPr>
-          <p:cNvPr id="7" name="Rectangle 6"/>
-          <p:cNvSpPr/>
-          <p:nvPr/>
-        </p:nvSpPr>
-        <p:spPr>
-          <a:xfrm>
-            <a:off x="493690" y="677897"/>
-            <a:ext cx="11698309" cy="646331"/>
-          </a:xfrm>
-          <a:prstGeom prst="rect">
-            <a:avLst/>
-          </a:prstGeom>
-        </p:spPr>
-        <p:txBody>
-          <a:bodyPr wrap="square">
-            <a:spAutoFit/>
-          </a:bodyPr>
-          <a:lstStyle/>
-          <a:p>
-            <a:r>
-              <a:rPr lang="en-US" dirty="0">
-                <a:latin typeface="Segoe UI" panose="020B0502040204020203" pitchFamily="34" charset="0"/>
-                <a:ea typeface="Calibri" panose="020F0502020204030204" pitchFamily="34" charset="0"/>
-              </a:rPr>
-              <a:t>Fill in the fields server name, connectivity type and keep the inclusion of relations, for the rest of the parameters we ignore them at this level and click OK</a:t>
-            </a:r>
-            <a:endParaRPr lang="en-US" dirty="0"/>
           </a:p>
         </p:txBody>
       </p:sp>
@@ -8277,7 +9193,7 @@
         </p:blipFill>
         <p:spPr bwMode="auto">
           <a:xfrm>
-            <a:off x="2679544" y="1896256"/>
+            <a:off x="2311226" y="1508906"/>
             <a:ext cx="6739463" cy="4387666"/>
           </a:xfrm>
           <a:prstGeom prst="rect">
@@ -8308,7 +9224,7 @@
         </p:nvSpPr>
         <p:spPr>
           <a:xfrm>
-            <a:off x="4778165" y="2296431"/>
+            <a:off x="4409847" y="1909081"/>
             <a:ext cx="361315" cy="354330"/>
           </a:xfrm>
           <a:prstGeom prst="ellipse">
@@ -8353,13 +9269,13 @@
           </a:bodyPr>
           <a:lstStyle/>
           <a:p>
-            <a:pPr algn="ctr">
+            <a:pPr xmlns:a="http://schemas.openxmlformats.org/drawingml/2006/main" algn="ctr">
               <a:spcAft>
                 <a:spcPts val="0"/>
               </a:spcAft>
             </a:pPr>
-            <a:r>
-              <a:rPr lang="fr-FR" sz="900" b="1" kern="1200">
+            <a:r xmlns:a="http://schemas.openxmlformats.org/drawingml/2006/main">
+              <a:rPr lang="en" sz="900" b="1" kern="1200">
                 <a:solidFill>
                   <a:srgbClr val="FFFFFF"/>
                 </a:solidFill>
@@ -8369,7 +9285,7 @@
               </a:rPr>
               <a:t>1</a:t>
             </a:r>
-            <a:endParaRPr lang="en-US" sz="1200">
+            <a:endParaRPr xmlns:a="http://schemas.openxmlformats.org/drawingml/2006/main" lang="en-US" sz="1200">
               <a:effectLst/>
               <a:latin typeface="Times New Roman" panose="02020603050405020304" pitchFamily="18" charset="0"/>
               <a:ea typeface="Times New Roman" panose="02020603050405020304" pitchFamily="18" charset="0"/>
@@ -8385,7 +9301,7 @@
         </p:nvSpPr>
         <p:spPr>
           <a:xfrm>
-            <a:off x="4640806" y="2898961"/>
+            <a:off x="4272488" y="2511611"/>
             <a:ext cx="361315" cy="354330"/>
           </a:xfrm>
           <a:prstGeom prst="ellipse">
@@ -8430,13 +9346,13 @@
           </a:bodyPr>
           <a:lstStyle/>
           <a:p>
-            <a:pPr algn="ctr">
+            <a:pPr xmlns:a="http://schemas.openxmlformats.org/drawingml/2006/main" algn="ctr">
               <a:spcAft>
                 <a:spcPts val="0"/>
               </a:spcAft>
             </a:pPr>
-            <a:r>
-              <a:rPr lang="fr-FR" sz="900" b="1" kern="1200">
+            <a:r xmlns:a="http://schemas.openxmlformats.org/drawingml/2006/main">
+              <a:rPr lang="en" sz="900" b="1" kern="1200">
                 <a:solidFill>
                   <a:srgbClr val="FFFFFF"/>
                 </a:solidFill>
@@ -8446,7 +9362,7 @@
               </a:rPr>
               <a:t>2</a:t>
             </a:r>
-            <a:endParaRPr lang="en-US" sz="1200">
+            <a:endParaRPr xmlns:a="http://schemas.openxmlformats.org/drawingml/2006/main" lang="en-US" sz="1200">
               <a:effectLst/>
               <a:latin typeface="Times New Roman" panose="02020603050405020304" pitchFamily="18" charset="0"/>
               <a:ea typeface="Times New Roman" panose="02020603050405020304" pitchFamily="18" charset="0"/>
@@ -8462,7 +9378,7 @@
         </p:nvSpPr>
         <p:spPr>
           <a:xfrm>
-            <a:off x="4001892" y="4476472"/>
+            <a:off x="3633574" y="4089122"/>
             <a:ext cx="361315" cy="354330"/>
           </a:xfrm>
           <a:prstGeom prst="ellipse">
@@ -8507,13 +9423,13 @@
           </a:bodyPr>
           <a:lstStyle/>
           <a:p>
-            <a:pPr algn="ctr">
+            <a:pPr xmlns:a="http://schemas.openxmlformats.org/drawingml/2006/main" algn="ctr">
               <a:spcAft>
                 <a:spcPts val="0"/>
               </a:spcAft>
             </a:pPr>
-            <a:r>
-              <a:rPr lang="fr-FR" sz="900" b="1" kern="1200">
+            <a:r xmlns:a="http://schemas.openxmlformats.org/drawingml/2006/main">
+              <a:rPr lang="en" sz="900" b="1" kern="1200">
                 <a:solidFill>
                   <a:srgbClr val="FFFFFF"/>
                 </a:solidFill>
@@ -8523,7 +9439,7 @@
               </a:rPr>
               <a:t>3</a:t>
             </a:r>
-            <a:endParaRPr lang="en-US" sz="1200">
+            <a:endParaRPr xmlns:a="http://schemas.openxmlformats.org/drawingml/2006/main" lang="en-US" sz="1200">
               <a:effectLst/>
               <a:latin typeface="Times New Roman" panose="02020603050405020304" pitchFamily="18" charset="0"/>
               <a:ea typeface="Times New Roman" panose="02020603050405020304" pitchFamily="18" charset="0"/>
@@ -8539,8 +9455,8 @@
         </p:nvSpPr>
         <p:spPr>
           <a:xfrm>
-            <a:off x="5139480" y="2313196"/>
-            <a:ext cx="1211935" cy="307777"/>
+            <a:off x="4771162" y="1925846"/>
+            <a:ext cx="1470018" cy="307777"/>
           </a:xfrm>
           <a:prstGeom prst="rect">
             <a:avLst/>
@@ -8552,14 +9468,21 @@
           </a:bodyPr>
           <a:lstStyle/>
           <a:p>
-            <a:r>
-              <a:rPr lang="en-US" sz="1400" dirty="0" smtClean="0">
+            <a:r xmlns:a="http://schemas.openxmlformats.org/drawingml/2006/main">
+              <a:rPr lang="en" sz="1400" dirty="0" err="1" smtClean="0">
                 <a:latin typeface="Segoe UI" panose="020B0502040204020203" pitchFamily="34" charset="0"/>
                 <a:ea typeface="Calibri" panose="020F0502020204030204" pitchFamily="34" charset="0"/>
               </a:rPr>
-              <a:t>Server name</a:t>
-            </a:r>
-            <a:endParaRPr lang="en-US" sz="1400" dirty="0"/>
+              <a:t>Server </a:t>
+            </a:r>
+            <a:endParaRPr xmlns:a="http://schemas.openxmlformats.org/drawingml/2006/main" lang="en-US" sz="1400" dirty="0"/>
+            <a:r xmlns:a="http://schemas.openxmlformats.org/drawingml/2006/main">
+              <a:rPr lang="en" sz="1400" dirty="0" smtClean="0">
+                <a:latin typeface="Segoe UI" panose="020B0502040204020203" pitchFamily="34" charset="0"/>
+                <a:ea typeface="Calibri" panose="020F0502020204030204" pitchFamily="34" charset="0"/>
+              </a:rPr>
+              <a:t>name</a:t>
+            </a:r>
           </a:p>
         </p:txBody>
       </p:sp>
@@ -8571,8 +9494,8 @@
         </p:nvSpPr>
         <p:spPr>
           <a:xfrm>
-            <a:off x="5002121" y="2922237"/>
-            <a:ext cx="1495153" cy="307777"/>
+            <a:off x="4633803" y="2534887"/>
+            <a:ext cx="1429430" cy="307777"/>
           </a:xfrm>
           <a:prstGeom prst="rect">
             <a:avLst/>
@@ -8584,14 +9507,14 @@
           </a:bodyPr>
           <a:lstStyle/>
           <a:p>
-            <a:r>
-              <a:rPr lang="en-US" sz="1400" dirty="0" smtClean="0">
+            <a:r xmlns:a="http://schemas.openxmlformats.org/drawingml/2006/main">
+              <a:rPr lang="en" sz="1400" dirty="0" smtClean="0">
                 <a:latin typeface="Segoe UI" panose="020B0502040204020203" pitchFamily="34" charset="0"/>
                 <a:ea typeface="Calibri" panose="020F0502020204030204" pitchFamily="34" charset="0"/>
               </a:rPr>
-              <a:t>Data base name</a:t>
-            </a:r>
-            <a:endParaRPr lang="en-US" sz="1400" dirty="0"/>
+              <a:t>Name of the base</a:t>
+            </a:r>
+            <a:endParaRPr xmlns:a="http://schemas.openxmlformats.org/drawingml/2006/main" lang="en-US" sz="1400" dirty="0"/>
           </a:p>
         </p:txBody>
       </p:sp>
@@ -8603,8 +9526,8 @@
         </p:nvSpPr>
         <p:spPr>
           <a:xfrm>
-            <a:off x="4467002" y="4499748"/>
-            <a:ext cx="1514517" cy="307777"/>
+            <a:off x="4098684" y="4112398"/>
+            <a:ext cx="2017925" cy="307777"/>
           </a:xfrm>
           <a:prstGeom prst="rect">
             <a:avLst/>
@@ -8616,14 +9539,143 @@
           </a:bodyPr>
           <a:lstStyle/>
           <a:p>
-            <a:r>
-              <a:rPr lang="en-US" sz="1400" dirty="0" smtClean="0">
+            <a:r xmlns:a="http://schemas.openxmlformats.org/drawingml/2006/main">
+              <a:rPr lang="en" sz="1400" dirty="0" err="1" smtClean="0">
                 <a:latin typeface="Segoe UI" panose="020B0502040204020203" pitchFamily="34" charset="0"/>
                 <a:ea typeface="Calibri" panose="020F0502020204030204" pitchFamily="34" charset="0"/>
               </a:rPr>
-              <a:t>Query statement</a:t>
-            </a:r>
-            <a:endParaRPr lang="en-US" sz="1400" dirty="0"/>
+              <a:t>query </a:t>
+            </a:r>
+            <a:endParaRPr xmlns:a="http://schemas.openxmlformats.org/drawingml/2006/main" lang="en-US" sz="1400" dirty="0"/>
+            <a:r xmlns:a="http://schemas.openxmlformats.org/drawingml/2006/main">
+              <a:rPr lang="en" sz="1400" dirty="0" smtClean="0">
+                <a:latin typeface="Segoe UI" panose="020B0502040204020203" pitchFamily="34" charset="0"/>
+                <a:ea typeface="Calibri" panose="020F0502020204030204" pitchFamily="34" charset="0"/>
+              </a:rPr>
+              <a:t>script</a:t>
+            </a:r>
+          </a:p>
+        </p:txBody>
+      </p:sp>
+      <p:sp>
+        <p:nvSpPr>
+          <p:cNvPr id="2" name="Rectangle 1"/>
+          <p:cNvSpPr>
+            <a:spLocks noChangeArrowheads="1"/>
+          </p:cNvSpPr>
+          <p:nvPr/>
+        </p:nvSpPr>
+        <p:spPr bwMode="auto">
+          <a:xfrm>
+            <a:off x="449178" y="602901"/>
+            <a:ext cx="10641118" cy="646331"/>
+          </a:xfrm>
+          <a:prstGeom prst="rect">
+            <a:avLst/>
+          </a:prstGeom>
+          <a:noFill/>
+          <a:ln>
+            <a:noFill/>
+          </a:ln>
+          <a:effectLst/>
+          <a:extLst>
+            <a:ext uri="{909E8E84-426E-40DD-AFC4-6F175D3DCCD1}">
+              <a14:hiddenFill xmlns:a14="http://schemas.microsoft.com/office/drawing/2010/main">
+                <a:solidFill>
+                  <a:schemeClr val="accent1"/>
+                </a:solidFill>
+              </a14:hiddenFill>
+            </a:ext>
+            <a:ext uri="{91240B29-F687-4F45-9708-019B960494DF}">
+              <a14:hiddenLine xmlns:a14="http://schemas.microsoft.com/office/drawing/2010/main" w="9525">
+                <a:solidFill>
+                  <a:schemeClr val="tx1"/>
+                </a:solidFill>
+                <a:miter lim="800000"/>
+                <a:headEnd/>
+                <a:tailEnd/>
+              </a14:hiddenLine>
+            </a:ext>
+            <a:ext uri="{AF507438-7753-43E0-B8FC-AC1667EBCBE1}">
+              <a14:hiddenEffects xmlns:a14="http://schemas.microsoft.com/office/drawing/2010/main">
+                <a:effectLst>
+                  <a:outerShdw dist="35921" dir="2700000" algn="ctr" rotWithShape="0">
+                    <a:schemeClr val="bg2"/>
+                  </a:outerShdw>
+                </a:effectLst>
+              </a14:hiddenEffects>
+            </a:ext>
+          </a:extLst>
+        </p:spPr>
+        <p:txBody>
+          <a:bodyPr vert="horz" wrap="none" lIns="91440" tIns="45720" rIns="91440" bIns="45720" numCol="1" anchor="ctr" anchorCtr="0" compatLnSpc="1">
+            <a:prstTxWarp prst="textNoShape">
+              <a:avLst/>
+            </a:prstTxWarp>
+            <a:spAutoFit/>
+          </a:bodyPr>
+          <a:lstStyle/>
+          <a:p>
+            <a:pPr xmlns:a="http://schemas.openxmlformats.org/drawingml/2006/main" marL="0" marR="0" lvl="0" indent="0" algn="l" defTabSz="914400" rtl="0" eaLnBrk="0" fontAlgn="base" latinLnBrk="0" hangingPunct="0">
+              <a:lnSpc>
+                <a:spcPct val="100000"/>
+              </a:lnSpc>
+              <a:spcBef>
+                <a:spcPct val="0"/>
+              </a:spcBef>
+              <a:spcAft>
+                <a:spcPct val="0"/>
+              </a:spcAft>
+              <a:buClrTx/>
+              <a:buSzTx/>
+              <a:buFontTx/>
+              <a:buNone/>
+              <a:tabLst/>
+            </a:pPr>
+            <a:r xmlns:a="http://schemas.openxmlformats.org/drawingml/2006/main">
+              <a:rPr kumimoji="0" lang="en" altLang="en-US" sz="1800" b="0" i="0" u="none" strike="noStrike" cap="none" normalizeH="0" baseline="0" dirty="0" smtClean="0">
+                <a:ln>
+                  <a:noFill/>
+                </a:ln>
+                <a:solidFill>
+                  <a:schemeClr val="tx1"/>
+                </a:solidFill>
+                <a:effectLst/>
+                <a:latin typeface="Arial" panose="020B0604020202020204" pitchFamily="34" charset="0"/>
+              </a:rPr>
+              <a:t>Fill in the server name, connection type fields and leave the inclusion of relationships enabled.</a:t>
+            </a:r>
+          </a:p>
+          <a:p>
+            <a:pPr xmlns:a="http://schemas.openxmlformats.org/drawingml/2006/main" marL="0" marR="0" lvl="0" indent="0" algn="l" defTabSz="914400" rtl="0" eaLnBrk="0" fontAlgn="base" latinLnBrk="0" hangingPunct="0">
+              <a:lnSpc>
+                <a:spcPct val="100000"/>
+              </a:lnSpc>
+              <a:spcBef>
+                <a:spcPct val="0"/>
+              </a:spcBef>
+              <a:spcAft>
+                <a:spcPct val="0"/>
+              </a:spcAft>
+              <a:buClrTx/>
+              <a:buSzTx/>
+              <a:buFontTx/>
+              <a:buNone/>
+              <a:tabLst/>
+            </a:pPr>
+            <a:r xmlns:a="http://schemas.openxmlformats.org/drawingml/2006/main">
+              <a:rPr kumimoji="0" lang="en" altLang="en-US" sz="1800" b="0" i="0" u="none" strike="noStrike" cap="none" normalizeH="0" baseline="0" dirty="0" smtClean="0">
+                <a:ln>
+                  <a:noFill/>
+                </a:ln>
+                <a:solidFill>
+                  <a:schemeClr val="tx1"/>
+                </a:solidFill>
+                <a:effectLst/>
+                <a:latin typeface="Arial" panose="020B0604020202020204" pitchFamily="34" charset="0"/>
+              </a:rPr>
+              <a:t>For the rest of the settings, we ignore them at this level and click OK.</a:t>
+            </a:r>
           </a:p>
         </p:txBody>
       </p:sp>
@@ -8666,7 +9718,7 @@
         <p:spPr>
           <a:xfrm>
             <a:off x="449178" y="216445"/>
-            <a:ext cx="3092513" cy="366895"/>
+            <a:ext cx="3724096" cy="366895"/>
           </a:xfrm>
           <a:prstGeom prst="rect">
             <a:avLst/>
@@ -8678,7 +9730,7 @@
           </a:bodyPr>
           <a:lstStyle/>
           <a:p>
-            <a:pPr>
+            <a:pPr xmlns:a="http://schemas.openxmlformats.org/drawingml/2006/main">
               <a:lnSpc>
                 <a:spcPct val="107000"/>
               </a:lnSpc>
@@ -8689,15 +9741,15 @@
                 <a:spcPts val="0"/>
               </a:spcAft>
             </a:pPr>
-            <a:r>
-              <a:rPr lang="en-US" b="1" kern="0" dirty="0" smtClean="0">
+            <a:r xmlns:a="http://schemas.openxmlformats.org/drawingml/2006/main">
+              <a:rPr lang="en" b="1" kern="0" dirty="0" smtClean="0">
                 <a:latin typeface="Segoe UI" panose="020B0502040204020203" pitchFamily="34" charset="0"/>
                 <a:ea typeface="Times New Roman" panose="02020603050405020304" pitchFamily="18" charset="0"/>
                 <a:cs typeface="Times New Roman" panose="02020603050405020304" pitchFamily="18" charset="0"/>
               </a:rPr>
-              <a:t>Importing SQL Server Data</a:t>
-            </a:r>
-            <a:endParaRPr lang="en-US" b="1" kern="0" dirty="0">
+              <a:t>Import SQL Server data</a:t>
+            </a:r>
+            <a:endParaRPr xmlns:a="http://schemas.openxmlformats.org/drawingml/2006/main" lang="en-US" b="1" kern="0" dirty="0">
               <a:latin typeface="Segoe UI" panose="020B0502040204020203" pitchFamily="34" charset="0"/>
               <a:ea typeface="Times New Roman" panose="02020603050405020304" pitchFamily="18" charset="0"/>
               <a:cs typeface="Times New Roman" panose="02020603050405020304" pitchFamily="18" charset="0"/>
@@ -8753,7 +9805,7 @@
         <p:spPr>
           <a:xfrm>
             <a:off x="527853" y="921381"/>
-            <a:ext cx="2486643" cy="369332"/>
+            <a:ext cx="3640805" cy="369332"/>
           </a:xfrm>
           <a:prstGeom prst="rect">
             <a:avLst/>
@@ -8765,14 +9817,14 @@
           </a:bodyPr>
           <a:lstStyle/>
           <a:p>
-            <a:r>
-              <a:rPr lang="fr-FR" dirty="0" smtClean="0">
+            <a:r xmlns:a="http://schemas.openxmlformats.org/drawingml/2006/main">
+              <a:rPr lang="en" dirty="0" smtClean="0">
                 <a:latin typeface="Segoe UI" panose="020B0502040204020203" pitchFamily="34" charset="0"/>
                 <a:ea typeface="Calibri" panose="020F0502020204030204" pitchFamily="34" charset="0"/>
               </a:rPr>
-              <a:t>Select tables to import</a:t>
-            </a:r>
-            <a:endParaRPr lang="en-US" dirty="0"/>
+              <a:t>Select the tables to import</a:t>
+            </a:r>
+            <a:endParaRPr xmlns:a="http://schemas.openxmlformats.org/drawingml/2006/main" lang="en-US" dirty="0"/>
           </a:p>
         </p:txBody>
       </p:sp>
@@ -8815,7 +9867,7 @@
         <p:spPr>
           <a:xfrm>
             <a:off x="449178" y="216445"/>
-            <a:ext cx="3092513" cy="366895"/>
+            <a:ext cx="3724096" cy="366895"/>
           </a:xfrm>
           <a:prstGeom prst="rect">
             <a:avLst/>
@@ -8827,7 +9879,7 @@
           </a:bodyPr>
           <a:lstStyle/>
           <a:p>
-            <a:pPr>
+            <a:pPr xmlns:a="http://schemas.openxmlformats.org/drawingml/2006/main">
               <a:lnSpc>
                 <a:spcPct val="107000"/>
               </a:lnSpc>
@@ -8838,130 +9890,17 @@
                 <a:spcPts val="0"/>
               </a:spcAft>
             </a:pPr>
-            <a:r>
-              <a:rPr lang="en-US" b="1" kern="0" dirty="0" smtClean="0">
+            <a:r xmlns:a="http://schemas.openxmlformats.org/drawingml/2006/main">
+              <a:rPr lang="en" b="1" kern="0" dirty="0" smtClean="0">
                 <a:latin typeface="Segoe UI" panose="020B0502040204020203" pitchFamily="34" charset="0"/>
                 <a:ea typeface="Times New Roman" panose="02020603050405020304" pitchFamily="18" charset="0"/>
                 <a:cs typeface="Times New Roman" panose="02020603050405020304" pitchFamily="18" charset="0"/>
               </a:rPr>
-              <a:t>Importing SQL Server Data</a:t>
-            </a:r>
-            <a:endParaRPr lang="en-US" b="1" kern="0" dirty="0">
+              <a:t>Import SQL Server data</a:t>
+            </a:r>
+            <a:endParaRPr xmlns:a="http://schemas.openxmlformats.org/drawingml/2006/main" lang="en-US" b="1" kern="0" dirty="0">
               <a:latin typeface="Segoe UI" panose="020B0502040204020203" pitchFamily="34" charset="0"/>
               <a:ea typeface="Times New Roman" panose="02020603050405020304" pitchFamily="18" charset="0"/>
-              <a:cs typeface="Times New Roman" panose="02020603050405020304" pitchFamily="18" charset="0"/>
-            </a:endParaRPr>
-          </a:p>
-        </p:txBody>
-      </p:sp>
-      <p:sp>
-        <p:nvSpPr>
-          <p:cNvPr id="4" name="Rectangle 3"/>
-          <p:cNvSpPr/>
-          <p:nvPr/>
-        </p:nvSpPr>
-        <p:spPr>
-          <a:xfrm>
-            <a:off x="440010" y="727436"/>
-            <a:ext cx="6136423" cy="721801"/>
-          </a:xfrm>
-          <a:prstGeom prst="rect">
-            <a:avLst/>
-          </a:prstGeom>
-        </p:spPr>
-        <p:txBody>
-          <a:bodyPr wrap="none">
-            <a:spAutoFit/>
-          </a:bodyPr>
-          <a:lstStyle/>
-          <a:p>
-            <a:pPr>
-              <a:lnSpc>
-                <a:spcPct val="107000"/>
-              </a:lnSpc>
-              <a:spcAft>
-                <a:spcPts val="800"/>
-              </a:spcAft>
-            </a:pPr>
-            <a:r>
-              <a:rPr lang="fr-FR" dirty="0" smtClean="0">
-                <a:latin typeface="Segoe UI" panose="020B0502040204020203" pitchFamily="34" charset="0"/>
-                <a:ea typeface="Calibri" panose="020F0502020204030204" pitchFamily="34" charset="0"/>
-                <a:cs typeface="Times New Roman" panose="02020603050405020304" pitchFamily="18" charset="0"/>
-              </a:rPr>
-              <a:t>Look at </a:t>
-            </a:r>
-            <a:r>
-              <a:rPr lang="fr-FR" b="1" dirty="0" smtClean="0">
-                <a:latin typeface="Segoe UI" panose="020B0502040204020203" pitchFamily="34" charset="0"/>
-                <a:ea typeface="Calibri" panose="020F0502020204030204" pitchFamily="34" charset="0"/>
-                <a:cs typeface="Times New Roman" panose="02020603050405020304" pitchFamily="18" charset="0"/>
-              </a:rPr>
-              <a:t>Fields </a:t>
-            </a:r>
-            <a:r>
-              <a:rPr lang="fr-FR" dirty="0">
-                <a:latin typeface="Segoe UI" panose="020B0502040204020203" pitchFamily="34" charset="0"/>
-                <a:ea typeface="Calibri" panose="020F0502020204030204" pitchFamily="34" charset="0"/>
-                <a:cs typeface="Times New Roman" panose="02020603050405020304" pitchFamily="18" charset="0"/>
-              </a:rPr>
-              <a:t>pane on the </a:t>
-            </a:r>
-            <a:r>
-              <a:rPr lang="en-US" dirty="0" smtClean="0">
-                <a:latin typeface="Segoe UI" panose="020B0502040204020203" pitchFamily="34" charset="0"/>
-                <a:ea typeface="Calibri" panose="020F0502020204030204" pitchFamily="34" charset="0"/>
-                <a:cs typeface="Times New Roman" panose="02020603050405020304" pitchFamily="18" charset="0"/>
-              </a:rPr>
-              <a:t>left</a:t>
-            </a:r>
-            <a:r>
-              <a:rPr lang="fr-FR" dirty="0" smtClean="0">
-                <a:latin typeface="Segoe UI" panose="020B0502040204020203" pitchFamily="34" charset="0"/>
-                <a:ea typeface="Calibri" panose="020F0502020204030204" pitchFamily="34" charset="0"/>
-                <a:cs typeface="Times New Roman" panose="02020603050405020304" pitchFamily="18" charset="0"/>
-              </a:rPr>
-              <a:t>  and explore </a:t>
-            </a:r>
-            <a:r>
-              <a:rPr lang="en-US" dirty="0" smtClean="0">
-                <a:latin typeface="Segoe UI" panose="020B0502040204020203" pitchFamily="34" charset="0"/>
-                <a:cs typeface="Segoe UI" panose="020B0502040204020203" pitchFamily="34" charset="0"/>
-              </a:rPr>
-              <a:t>imported</a:t>
-            </a:r>
-            <a:r>
-              <a:rPr lang="fr-FR" dirty="0" smtClean="0">
-                <a:latin typeface="Segoe UI" panose="020B0502040204020203" pitchFamily="34" charset="0"/>
-                <a:cs typeface="Segoe UI" panose="020B0502040204020203" pitchFamily="34" charset="0"/>
-              </a:rPr>
-              <a:t> </a:t>
-            </a:r>
-            <a:r>
-              <a:rPr lang="fr-FR" dirty="0">
-                <a:latin typeface="Segoe UI" panose="020B0502040204020203" pitchFamily="34" charset="0"/>
-                <a:cs typeface="Segoe UI" panose="020B0502040204020203" pitchFamily="34" charset="0"/>
-              </a:rPr>
-              <a:t>data</a:t>
-            </a:r>
-            <a:endParaRPr lang="en-US" dirty="0">
-              <a:latin typeface="Segoe UI" panose="020B0502040204020203" pitchFamily="34" charset="0"/>
-              <a:cs typeface="Segoe UI" panose="020B0502040204020203" pitchFamily="34" charset="0"/>
-            </a:endParaRPr>
-          </a:p>
-          <a:p>
-            <a:pPr lvl="0">
-              <a:lnSpc>
-                <a:spcPct val="107000"/>
-              </a:lnSpc>
-              <a:spcAft>
-                <a:spcPts val="800"/>
-              </a:spcAft>
-            </a:pPr>
-            <a:endParaRPr lang="en-US" sz="1400" dirty="0">
-              <a:effectLst/>
-              <a:latin typeface="Calibri" panose="020F0502020204030204" pitchFamily="34" charset="0"/>
-              <a:ea typeface="Calibri" panose="020F0502020204030204" pitchFamily="34" charset="0"/>
               <a:cs typeface="Times New Roman" panose="02020603050405020304" pitchFamily="18" charset="0"/>
             </a:endParaRPr>
           </a:p>
@@ -9096,13 +10035,13 @@
           </a:bodyPr>
           <a:lstStyle/>
           <a:p>
-            <a:pPr algn="ctr">
+            <a:pPr xmlns:a="http://schemas.openxmlformats.org/drawingml/2006/main" algn="ctr">
               <a:spcAft>
                 <a:spcPts val="0"/>
               </a:spcAft>
             </a:pPr>
-            <a:r>
-              <a:rPr lang="fr-FR" sz="900" b="1" kern="1200">
+            <a:r xmlns:a="http://schemas.openxmlformats.org/drawingml/2006/main">
+              <a:rPr lang="en" sz="900" b="1" kern="1200">
                 <a:solidFill>
                   <a:srgbClr val="FFFFFF"/>
                 </a:solidFill>
@@ -9112,7 +10051,7 @@
               </a:rPr>
               <a:t>1</a:t>
             </a:r>
-            <a:endParaRPr lang="en-US" sz="1200">
+            <a:endParaRPr xmlns:a="http://schemas.openxmlformats.org/drawingml/2006/main" lang="en-US" sz="1200">
               <a:effectLst/>
               <a:latin typeface="Times New Roman" panose="02020603050405020304" pitchFamily="18" charset="0"/>
               <a:ea typeface="Times New Roman" panose="02020603050405020304" pitchFamily="18" charset="0"/>
@@ -9173,13 +10112,13 @@
           </a:bodyPr>
           <a:lstStyle/>
           <a:p>
-            <a:pPr algn="ctr">
+            <a:pPr xmlns:a="http://schemas.openxmlformats.org/drawingml/2006/main" algn="ctr">
               <a:spcAft>
                 <a:spcPts val="0"/>
               </a:spcAft>
             </a:pPr>
-            <a:r>
-              <a:rPr lang="fr-FR" sz="900" b="1" kern="1200">
+            <a:r xmlns:a="http://schemas.openxmlformats.org/drawingml/2006/main">
+              <a:rPr lang="en" sz="900" b="1" kern="1200">
                 <a:solidFill>
                   <a:srgbClr val="FFFFFF"/>
                 </a:solidFill>
@@ -9189,11 +10128,102 @@
               </a:rPr>
               <a:t>2</a:t>
             </a:r>
-            <a:endParaRPr lang="en-US" sz="1200">
+            <a:endParaRPr xmlns:a="http://schemas.openxmlformats.org/drawingml/2006/main" lang="en-US" sz="1200">
               <a:effectLst/>
               <a:latin typeface="Times New Roman" panose="02020603050405020304" pitchFamily="18" charset="0"/>
               <a:ea typeface="Times New Roman" panose="02020603050405020304" pitchFamily="18" charset="0"/>
             </a:endParaRPr>
+          </a:p>
+        </p:txBody>
+      </p:sp>
+      <p:sp>
+        <p:nvSpPr>
+          <p:cNvPr id="2" name="Rectangle 1"/>
+          <p:cNvSpPr>
+            <a:spLocks noChangeArrowheads="1"/>
+          </p:cNvSpPr>
+          <p:nvPr/>
+        </p:nvSpPr>
+        <p:spPr bwMode="auto">
+          <a:xfrm>
+            <a:off x="547371" y="697984"/>
+            <a:ext cx="10368279" cy="369332"/>
+          </a:xfrm>
+          <a:prstGeom prst="rect">
+            <a:avLst/>
+          </a:prstGeom>
+          <a:noFill/>
+          <a:ln>
+            <a:noFill/>
+          </a:ln>
+          <a:effectLst/>
+          <a:extLst>
+            <a:ext uri="{909E8E84-426E-40DD-AFC4-6F175D3DCCD1}">
+              <a14:hiddenFill xmlns:a14="http://schemas.microsoft.com/office/drawing/2010/main">
+                <a:solidFill>
+                  <a:schemeClr val="accent1"/>
+                </a:solidFill>
+              </a14:hiddenFill>
+            </a:ext>
+            <a:ext uri="{91240B29-F687-4F45-9708-019B960494DF}">
+              <a14:hiddenLine xmlns:a14="http://schemas.microsoft.com/office/drawing/2010/main" w="9525">
+                <a:solidFill>
+                  <a:schemeClr val="tx1"/>
+                </a:solidFill>
+                <a:miter lim="800000"/>
+                <a:headEnd/>
+                <a:tailEnd/>
+              </a14:hiddenLine>
+            </a:ext>
+            <a:ext uri="{AF507438-7753-43E0-B8FC-AC1667EBCBE1}">
+              <a14:hiddenEffects xmlns:a14="http://schemas.microsoft.com/office/drawing/2010/main">
+                <a:effectLst>
+                  <a:outerShdw dist="35921" dir="2700000" algn="ctr" rotWithShape="0">
+                    <a:schemeClr val="bg2"/>
+                  </a:outerShdw>
+                </a:effectLst>
+              </a14:hiddenEffects>
+            </a:ext>
+          </a:extLst>
+        </p:spPr>
+        <p:txBody>
+          <a:bodyPr vert="horz" wrap="square" lIns="91440" tIns="45720" rIns="91440" bIns="45720" numCol="1" anchor="ctr" anchorCtr="0" compatLnSpc="1">
+            <a:prstTxWarp prst="textNoShape">
+              <a:avLst/>
+            </a:prstTxWarp>
+            <a:spAutoFit/>
+          </a:bodyPr>
+          <a:lstStyle/>
+          <a:p>
+            <a:pPr xmlns:a="http://schemas.openxmlformats.org/drawingml/2006/main" marL="0" marR="0" lvl="0" indent="0" algn="l" defTabSz="914400" rtl="0" eaLnBrk="0" fontAlgn="base" latinLnBrk="0" hangingPunct="0">
+              <a:lnSpc>
+                <a:spcPct val="100000"/>
+              </a:lnSpc>
+              <a:spcBef>
+                <a:spcPct val="0"/>
+              </a:spcBef>
+              <a:spcAft>
+                <a:spcPct val="0"/>
+              </a:spcAft>
+              <a:buClrTx/>
+              <a:buSzTx/>
+              <a:buFontTx/>
+              <a:buNone/>
+              <a:tabLst/>
+            </a:pPr>
+            <a:r xmlns:a="http://schemas.openxmlformats.org/drawingml/2006/main">
+              <a:rPr kumimoji="0" lang="en" altLang="en-US" sz="1800" b="0" i="0" u="none" strike="noStrike" cap="none" normalizeH="0" baseline="0" smtClean="0">
+                <a:ln>
+                  <a:noFill/>
+                </a:ln>
+                <a:solidFill>
+                  <a:schemeClr val="tx1"/>
+                </a:solidFill>
+                <a:effectLst/>
+                <a:latin typeface="Arial" panose="020B0604020202020204" pitchFamily="34" charset="0"/>
+              </a:rPr>
+              <a:t>Look at the fields panel on the left and explore the imported data.</a:t>
+            </a:r>
           </a:p>
         </p:txBody>
       </p:sp>
@@ -9236,7 +10266,7 @@
         <p:spPr>
           <a:xfrm>
             <a:off x="449178" y="216445"/>
-            <a:ext cx="3092513" cy="366895"/>
+            <a:ext cx="3724096" cy="366895"/>
           </a:xfrm>
           <a:prstGeom prst="rect">
             <a:avLst/>
@@ -9248,7 +10278,7 @@
           </a:bodyPr>
           <a:lstStyle/>
           <a:p>
-            <a:pPr>
+            <a:pPr xmlns:a="http://schemas.openxmlformats.org/drawingml/2006/main">
               <a:lnSpc>
                 <a:spcPct val="107000"/>
               </a:lnSpc>
@@ -9259,130 +10289,17 @@
                 <a:spcPts val="0"/>
               </a:spcAft>
             </a:pPr>
-            <a:r>
-              <a:rPr lang="en-US" b="1" kern="0" dirty="0" smtClean="0">
+            <a:r xmlns:a="http://schemas.openxmlformats.org/drawingml/2006/main">
+              <a:rPr lang="en" b="1" kern="0" dirty="0" smtClean="0">
                 <a:latin typeface="Segoe UI" panose="020B0502040204020203" pitchFamily="34" charset="0"/>
                 <a:ea typeface="Times New Roman" panose="02020603050405020304" pitchFamily="18" charset="0"/>
                 <a:cs typeface="Times New Roman" panose="02020603050405020304" pitchFamily="18" charset="0"/>
               </a:rPr>
-              <a:t>Importing SQL Server Data</a:t>
-            </a:r>
-            <a:endParaRPr lang="en-US" b="1" kern="0" dirty="0">
+              <a:t>Import SQL Server data</a:t>
+            </a:r>
+            <a:endParaRPr xmlns:a="http://schemas.openxmlformats.org/drawingml/2006/main" lang="en-US" b="1" kern="0" dirty="0">
               <a:latin typeface="Segoe UI" panose="020B0502040204020203" pitchFamily="34" charset="0"/>
               <a:ea typeface="Times New Roman" panose="02020603050405020304" pitchFamily="18" charset="0"/>
-              <a:cs typeface="Times New Roman" panose="02020603050405020304" pitchFamily="18" charset="0"/>
-            </a:endParaRPr>
-          </a:p>
-        </p:txBody>
-      </p:sp>
-      <p:sp>
-        <p:nvSpPr>
-          <p:cNvPr id="4" name="Rectangle 3"/>
-          <p:cNvSpPr/>
-          <p:nvPr/>
-        </p:nvSpPr>
-        <p:spPr>
-          <a:xfrm>
-            <a:off x="440010" y="727436"/>
-            <a:ext cx="6136423" cy="721801"/>
-          </a:xfrm>
-          <a:prstGeom prst="rect">
-            <a:avLst/>
-          </a:prstGeom>
-        </p:spPr>
-        <p:txBody>
-          <a:bodyPr wrap="none">
-            <a:spAutoFit/>
-          </a:bodyPr>
-          <a:lstStyle/>
-          <a:p>
-            <a:pPr>
-              <a:lnSpc>
-                <a:spcPct val="107000"/>
-              </a:lnSpc>
-              <a:spcAft>
-                <a:spcPts val="800"/>
-              </a:spcAft>
-            </a:pPr>
-            <a:r>
-              <a:rPr lang="fr-FR" dirty="0" smtClean="0">
-                <a:latin typeface="Segoe UI" panose="020B0502040204020203" pitchFamily="34" charset="0"/>
-                <a:ea typeface="Calibri" panose="020F0502020204030204" pitchFamily="34" charset="0"/>
-                <a:cs typeface="Times New Roman" panose="02020603050405020304" pitchFamily="18" charset="0"/>
-              </a:rPr>
-              <a:t>Look at </a:t>
-            </a:r>
-            <a:r>
-              <a:rPr lang="fr-FR" b="1" dirty="0" smtClean="0">
-                <a:latin typeface="Segoe UI" panose="020B0502040204020203" pitchFamily="34" charset="0"/>
-                <a:ea typeface="Calibri" panose="020F0502020204030204" pitchFamily="34" charset="0"/>
-                <a:cs typeface="Times New Roman" panose="02020603050405020304" pitchFamily="18" charset="0"/>
-              </a:rPr>
-              <a:t>Fields </a:t>
-            </a:r>
-            <a:r>
-              <a:rPr lang="fr-FR" dirty="0">
-                <a:latin typeface="Segoe UI" panose="020B0502040204020203" pitchFamily="34" charset="0"/>
-                <a:ea typeface="Calibri" panose="020F0502020204030204" pitchFamily="34" charset="0"/>
-                <a:cs typeface="Times New Roman" panose="02020603050405020304" pitchFamily="18" charset="0"/>
-              </a:rPr>
-              <a:t>pane on the </a:t>
-            </a:r>
-            <a:r>
-              <a:rPr lang="en-US" dirty="0" smtClean="0">
-                <a:latin typeface="Segoe UI" panose="020B0502040204020203" pitchFamily="34" charset="0"/>
-                <a:ea typeface="Calibri" panose="020F0502020204030204" pitchFamily="34" charset="0"/>
-                <a:cs typeface="Times New Roman" panose="02020603050405020304" pitchFamily="18" charset="0"/>
-              </a:rPr>
-              <a:t>left</a:t>
-            </a:r>
-            <a:r>
-              <a:rPr lang="fr-FR" dirty="0" smtClean="0">
-                <a:latin typeface="Segoe UI" panose="020B0502040204020203" pitchFamily="34" charset="0"/>
-                <a:ea typeface="Calibri" panose="020F0502020204030204" pitchFamily="34" charset="0"/>
-                <a:cs typeface="Times New Roman" panose="02020603050405020304" pitchFamily="18" charset="0"/>
-              </a:rPr>
-              <a:t>  and explore </a:t>
-            </a:r>
-            <a:r>
-              <a:rPr lang="en-US" dirty="0" smtClean="0">
-                <a:latin typeface="Segoe UI" panose="020B0502040204020203" pitchFamily="34" charset="0"/>
-                <a:cs typeface="Segoe UI" panose="020B0502040204020203" pitchFamily="34" charset="0"/>
-              </a:rPr>
-              <a:t>imported</a:t>
-            </a:r>
-            <a:r>
-              <a:rPr lang="fr-FR" dirty="0" smtClean="0">
-                <a:latin typeface="Segoe UI" panose="020B0502040204020203" pitchFamily="34" charset="0"/>
-                <a:cs typeface="Segoe UI" panose="020B0502040204020203" pitchFamily="34" charset="0"/>
-              </a:rPr>
-              <a:t> </a:t>
-            </a:r>
-            <a:r>
-              <a:rPr lang="fr-FR" dirty="0">
-                <a:latin typeface="Segoe UI" panose="020B0502040204020203" pitchFamily="34" charset="0"/>
-                <a:cs typeface="Segoe UI" panose="020B0502040204020203" pitchFamily="34" charset="0"/>
-              </a:rPr>
-              <a:t>data</a:t>
-            </a:r>
-            <a:endParaRPr lang="en-US" dirty="0">
-              <a:latin typeface="Segoe UI" panose="020B0502040204020203" pitchFamily="34" charset="0"/>
-              <a:cs typeface="Segoe UI" panose="020B0502040204020203" pitchFamily="34" charset="0"/>
-            </a:endParaRPr>
-          </a:p>
-          <a:p>
-            <a:pPr lvl="0">
-              <a:lnSpc>
-                <a:spcPct val="107000"/>
-              </a:lnSpc>
-              <a:spcAft>
-                <a:spcPts val="800"/>
-              </a:spcAft>
-            </a:pPr>
-            <a:endParaRPr lang="en-US" sz="1400" dirty="0">
-              <a:effectLst/>
-              <a:latin typeface="Calibri" panose="020F0502020204030204" pitchFamily="34" charset="0"/>
-              <a:ea typeface="Calibri" panose="020F0502020204030204" pitchFamily="34" charset="0"/>
               <a:cs typeface="Times New Roman" panose="02020603050405020304" pitchFamily="18" charset="0"/>
             </a:endParaRPr>
           </a:p>
@@ -9430,6 +10347,145 @@
           </a:extLst>
         </p:spPr>
       </p:pic>
+      <p:sp>
+        <p:nvSpPr>
+          <p:cNvPr id="2" name="Rectangle 1"/>
+          <p:cNvSpPr>
+            <a:spLocks noChangeArrowheads="1"/>
+          </p:cNvSpPr>
+          <p:nvPr/>
+        </p:nvSpPr>
+        <p:spPr bwMode="auto">
+          <a:xfrm>
+            <a:off x="551552" y="743774"/>
+            <a:ext cx="8414648" cy="369332"/>
+          </a:xfrm>
+          <a:prstGeom prst="rect">
+            <a:avLst/>
+          </a:prstGeom>
+          <a:noFill/>
+          <a:ln>
+            <a:noFill/>
+          </a:ln>
+          <a:effectLst/>
+          <a:extLst>
+            <a:ext uri="{909E8E84-426E-40DD-AFC4-6F175D3DCCD1}">
+              <a14:hiddenFill xmlns:a14="http://schemas.microsoft.com/office/drawing/2010/main">
+                <a:solidFill>
+                  <a:schemeClr val="accent1"/>
+                </a:solidFill>
+              </a14:hiddenFill>
+            </a:ext>
+            <a:ext uri="{91240B29-F687-4F45-9708-019B960494DF}">
+              <a14:hiddenLine xmlns:a14="http://schemas.microsoft.com/office/drawing/2010/main" w="9525">
+                <a:solidFill>
+                  <a:schemeClr val="tx1"/>
+                </a:solidFill>
+                <a:miter lim="800000"/>
+                <a:headEnd/>
+                <a:tailEnd/>
+              </a14:hiddenLine>
+            </a:ext>
+            <a:ext uri="{AF507438-7753-43E0-B8FC-AC1667EBCBE1}">
+              <a14:hiddenEffects xmlns:a14="http://schemas.microsoft.com/office/drawing/2010/main">
+                <a:effectLst>
+                  <a:outerShdw dist="35921" dir="2700000" algn="ctr" rotWithShape="0">
+                    <a:schemeClr val="bg2"/>
+                  </a:outerShdw>
+                </a:effectLst>
+              </a14:hiddenEffects>
+            </a:ext>
+          </a:extLst>
+        </p:spPr>
+        <p:txBody>
+          <a:bodyPr vert="horz" wrap="square" lIns="91440" tIns="45720" rIns="91440" bIns="45720" numCol="1" anchor="ctr" anchorCtr="0" compatLnSpc="1">
+            <a:prstTxWarp prst="textNoShape">
+              <a:avLst/>
+            </a:prstTxWarp>
+            <a:spAutoFit/>
+          </a:bodyPr>
+          <a:lstStyle/>
+          <a:p>
+            <a:pPr xmlns:a="http://schemas.openxmlformats.org/drawingml/2006/main" marL="0" marR="0" lvl="0" indent="0" algn="l" defTabSz="914400" rtl="0" eaLnBrk="0" fontAlgn="base" latinLnBrk="0" hangingPunct="0">
+              <a:lnSpc>
+                <a:spcPct val="100000"/>
+              </a:lnSpc>
+              <a:spcBef>
+                <a:spcPct val="0"/>
+              </a:spcBef>
+              <a:spcAft>
+                <a:spcPct val="0"/>
+              </a:spcAft>
+              <a:buClrTx/>
+              <a:buSzTx/>
+              <a:buFontTx/>
+              <a:buNone/>
+              <a:tabLst/>
+            </a:pPr>
+            <a:r xmlns:a="http://schemas.openxmlformats.org/drawingml/2006/main">
+              <a:rPr kumimoji="0" lang="en" altLang="en-US" sz="1800" b="0" i="0" u="none" strike="noStrike" cap="none" normalizeH="0" baseline="0" smtClean="0">
+                <a:ln>
+                  <a:noFill/>
+                </a:ln>
+                <a:solidFill>
+                  <a:schemeClr val="tx1"/>
+                </a:solidFill>
+                <a:effectLst/>
+                <a:latin typeface="Arial" panose="020B0604020202020204" pitchFamily="34" charset="0"/>
+              </a:rPr>
+              <a:t>Look at the fields panel on the left and explore the imported data.</a:t>
+            </a:r>
+          </a:p>
+        </p:txBody>
+      </p:sp>
+      <p:sp>
+        <p:nvSpPr>
+          <p:cNvPr id="5" name="Rectangle 4"/>
+          <p:cNvSpPr/>
+          <p:nvPr/>
+        </p:nvSpPr>
+        <p:spPr>
+          <a:xfrm>
+            <a:off x="7537449" y="2546350"/>
+            <a:ext cx="1283415" cy="285750"/>
+          </a:xfrm>
+          <a:prstGeom prst="rect">
+            <a:avLst/>
+          </a:prstGeom>
+          <a:solidFill>
+            <a:srgbClr val="FF0000">
+              <a:alpha val="28000"/>
+            </a:srgbClr>
+          </a:solidFill>
+          <a:ln>
+            <a:noFill/>
+          </a:ln>
+        </p:spPr>
+        <p:style>
+          <a:lnRef idx="2">
+            <a:schemeClr val="accent1">
+              <a:shade val="50000"/>
+            </a:schemeClr>
+          </a:lnRef>
+          <a:fillRef idx="1">
+            <a:schemeClr val="accent1"/>
+          </a:fillRef>
+          <a:effectRef idx="0">
+            <a:schemeClr val="accent1"/>
+          </a:effectRef>
+          <a:fontRef idx="minor">
+            <a:schemeClr val="lt1"/>
+          </a:fontRef>
+        </p:style>
+        <p:txBody>
+          <a:bodyPr rtlCol="0" anchor="ctr"/>
+          <a:lstStyle/>
+          <a:p>
+            <a:pPr algn="ctr"/>
+            <a:endParaRPr lang="en-US"/>
+          </a:p>
+        </p:txBody>
+      </p:sp>
     </p:spTree>
     <p:extLst>
       <p:ext uri="{BB962C8B-B14F-4D97-AF65-F5344CB8AC3E}">
@@ -9469,7 +10525,7 @@
         <p:spPr>
           <a:xfrm>
             <a:off x="449178" y="216445"/>
-            <a:ext cx="3092513" cy="366895"/>
+            <a:ext cx="3724096" cy="366895"/>
           </a:xfrm>
           <a:prstGeom prst="rect">
             <a:avLst/>
@@ -9481,7 +10537,7 @@
           </a:bodyPr>
           <a:lstStyle/>
           <a:p>
-            <a:pPr>
+            <a:pPr xmlns:a="http://schemas.openxmlformats.org/drawingml/2006/main">
               <a:lnSpc>
                 <a:spcPct val="107000"/>
               </a:lnSpc>
@@ -9492,201 +10548,18 @@
                 <a:spcPts val="0"/>
               </a:spcAft>
             </a:pPr>
-            <a:r>
-              <a:rPr lang="en-US" b="1" kern="0" dirty="0" smtClean="0">
+            <a:r xmlns:a="http://schemas.openxmlformats.org/drawingml/2006/main">
+              <a:rPr lang="en" b="1" kern="0" dirty="0" smtClean="0">
                 <a:latin typeface="Segoe UI" panose="020B0502040204020203" pitchFamily="34" charset="0"/>
                 <a:ea typeface="Times New Roman" panose="02020603050405020304" pitchFamily="18" charset="0"/>
                 <a:cs typeface="Times New Roman" panose="02020603050405020304" pitchFamily="18" charset="0"/>
               </a:rPr>
-              <a:t>Importing SQL Server Data</a:t>
-            </a:r>
-            <a:endParaRPr lang="en-US" b="1" kern="0" dirty="0">
+              <a:t>Import SQL Server data</a:t>
+            </a:r>
+            <a:endParaRPr xmlns:a="http://schemas.openxmlformats.org/drawingml/2006/main" lang="en-US" b="1" kern="0" dirty="0">
               <a:latin typeface="Segoe UI" panose="020B0502040204020203" pitchFamily="34" charset="0"/>
               <a:ea typeface="Times New Roman" panose="02020603050405020304" pitchFamily="18" charset="0"/>
               <a:cs typeface="Times New Roman" panose="02020603050405020304" pitchFamily="18" charset="0"/>
-            </a:endParaRPr>
-          </a:p>
-        </p:txBody>
-      </p:sp>
-      <p:sp>
-        <p:nvSpPr>
-          <p:cNvPr id="2" name="Rectangle 1"/>
-          <p:cNvSpPr/>
-          <p:nvPr/>
-        </p:nvSpPr>
-        <p:spPr>
-          <a:xfrm>
-            <a:off x="493691" y="813855"/>
-            <a:ext cx="6096000" cy="2976199"/>
-          </a:xfrm>
-          <a:prstGeom prst="rect">
-            <a:avLst/>
-          </a:prstGeom>
-        </p:spPr>
-        <p:txBody>
-          <a:bodyPr>
-            <a:spAutoFit/>
-          </a:bodyPr>
-          <a:lstStyle/>
-          <a:p>
-            <a:pPr lvl="0">
-              <a:lnSpc>
-                <a:spcPct val="107000"/>
-              </a:lnSpc>
-              <a:spcAft>
-                <a:spcPts val="0"/>
-              </a:spcAft>
-            </a:pPr>
-            <a:r>
-              <a:rPr lang="en-US" dirty="0">
-                <a:latin typeface="Segoe UI" panose="020B0502040204020203" pitchFamily="34" charset="0"/>
-                <a:ea typeface="Calibri" panose="020F0502020204030204" pitchFamily="34" charset="0"/>
-                <a:cs typeface="Times New Roman" panose="02020603050405020304" pitchFamily="18" charset="0"/>
-              </a:rPr>
-              <a:t>Note that at the top menu level, it is possible to</a:t>
-            </a:r>
-            <a:endParaRPr lang="en-US" sz="1400" dirty="0">
-              <a:latin typeface="Calibri" panose="020F0502020204030204" pitchFamily="34" charset="0"/>
-              <a:ea typeface="Calibri" panose="020F0502020204030204" pitchFamily="34" charset="0"/>
-              <a:cs typeface="Times New Roman" panose="02020603050405020304" pitchFamily="18" charset="0"/>
-            </a:endParaRPr>
-          </a:p>
-          <a:p>
-            <a:pPr lvl="1">
-              <a:lnSpc>
-                <a:spcPct val="107000"/>
-              </a:lnSpc>
-            </a:pPr>
-            <a:endParaRPr lang="fr-FR" dirty="0" smtClean="0">
-              <a:latin typeface="Segoe UI" panose="020B0502040204020203" pitchFamily="34" charset="0"/>
-              <a:ea typeface="Calibri" panose="020F0502020204030204" pitchFamily="34" charset="0"/>
-              <a:cs typeface="Times New Roman" panose="02020603050405020304" pitchFamily="18" charset="0"/>
-            </a:endParaRPr>
-          </a:p>
-          <a:p>
-            <a:pPr marL="742950" lvl="1" indent="-285750">
-              <a:lnSpc>
-                <a:spcPct val="107000"/>
-              </a:lnSpc>
-              <a:spcAft>
-                <a:spcPts val="800"/>
-              </a:spcAft>
-              <a:buFont typeface="Arial" panose="020B0604020202020204" pitchFamily="34" charset="0"/>
-              <a:buChar char="•"/>
-            </a:pPr>
-            <a:r>
-              <a:rPr lang="en-US" dirty="0">
-                <a:latin typeface="Segoe UI" panose="020B0502040204020203" pitchFamily="34" charset="0"/>
-                <a:ea typeface="Calibri" panose="020F0502020204030204" pitchFamily="34" charset="0"/>
-                <a:cs typeface="Segoe UI" panose="020B0502040204020203" pitchFamily="34" charset="0"/>
-              </a:rPr>
-              <a:t>Change the table name</a:t>
-            </a:r>
-          </a:p>
-          <a:p>
-            <a:pPr marL="742950" lvl="1" indent="-285750">
-              <a:lnSpc>
-                <a:spcPct val="107000"/>
-              </a:lnSpc>
-              <a:spcAft>
-                <a:spcPts val="800"/>
-              </a:spcAft>
-              <a:buFont typeface="Arial" panose="020B0604020202020204" pitchFamily="34" charset="0"/>
-              <a:buChar char="•"/>
-            </a:pPr>
-            <a:r>
-              <a:rPr lang="en-US" dirty="0">
-                <a:latin typeface="Segoe UI" panose="020B0502040204020203" pitchFamily="34" charset="0"/>
-                <a:ea typeface="Calibri" panose="020F0502020204030204" pitchFamily="34" charset="0"/>
-                <a:cs typeface="Segoe UI" panose="020B0502040204020203" pitchFamily="34" charset="0"/>
-              </a:rPr>
-              <a:t>Managing relationships</a:t>
-            </a:r>
-          </a:p>
-          <a:p>
-            <a:pPr marL="742950" lvl="1" indent="-285750">
-              <a:lnSpc>
-                <a:spcPct val="107000"/>
-              </a:lnSpc>
-              <a:spcAft>
-                <a:spcPts val="800"/>
-              </a:spcAft>
-              <a:buFont typeface="Arial" panose="020B0604020202020204" pitchFamily="34" charset="0"/>
-              <a:buChar char="•"/>
-            </a:pPr>
-            <a:r>
-              <a:rPr lang="en-US" dirty="0">
-                <a:latin typeface="Segoe UI" panose="020B0502040204020203" pitchFamily="34" charset="0"/>
-                <a:ea typeface="Calibri" panose="020F0502020204030204" pitchFamily="34" charset="0"/>
-                <a:cs typeface="Segoe UI" panose="020B0502040204020203" pitchFamily="34" charset="0"/>
-              </a:rPr>
-              <a:t>Create a measure</a:t>
-            </a:r>
-          </a:p>
-          <a:p>
-            <a:pPr marL="742950" lvl="1" indent="-285750">
-              <a:lnSpc>
-                <a:spcPct val="107000"/>
-              </a:lnSpc>
-              <a:spcAft>
-                <a:spcPts val="800"/>
-              </a:spcAft>
-              <a:buFont typeface="Arial" panose="020B0604020202020204" pitchFamily="34" charset="0"/>
-              <a:buChar char="•"/>
-            </a:pPr>
-            <a:r>
-              <a:rPr lang="en-US" dirty="0">
-                <a:latin typeface="Segoe UI" panose="020B0502040204020203" pitchFamily="34" charset="0"/>
-                <a:ea typeface="Calibri" panose="020F0502020204030204" pitchFamily="34" charset="0"/>
-                <a:cs typeface="Segoe UI" panose="020B0502040204020203" pitchFamily="34" charset="0"/>
-              </a:rPr>
-              <a:t>Create a quick measure with wizard</a:t>
-            </a:r>
-          </a:p>
-          <a:p>
-            <a:pPr marL="742950" lvl="1" indent="-285750">
-              <a:lnSpc>
-                <a:spcPct val="107000"/>
-              </a:lnSpc>
-              <a:spcAft>
-                <a:spcPts val="800"/>
-              </a:spcAft>
-              <a:buFont typeface="Arial" panose="020B0604020202020204" pitchFamily="34" charset="0"/>
-              <a:buChar char="•"/>
-            </a:pPr>
-            <a:r>
-              <a:rPr lang="en-US" dirty="0">
-                <a:latin typeface="Segoe UI" panose="020B0502040204020203" pitchFamily="34" charset="0"/>
-                <a:ea typeface="Calibri" panose="020F0502020204030204" pitchFamily="34" charset="0"/>
-                <a:cs typeface="Segoe UI" panose="020B0502040204020203" pitchFamily="34" charset="0"/>
-              </a:rPr>
-              <a:t>Create a new calculated column</a:t>
-            </a:r>
-          </a:p>
-          <a:p>
-            <a:pPr marL="742950" lvl="1" indent="-285750">
-              <a:lnSpc>
-                <a:spcPct val="107000"/>
-              </a:lnSpc>
-              <a:spcAft>
-                <a:spcPts val="800"/>
-              </a:spcAft>
-              <a:buFont typeface="Arial" panose="020B0604020202020204" pitchFamily="34" charset="0"/>
-              <a:buChar char="•"/>
-            </a:pPr>
-            <a:r>
-              <a:rPr lang="en-US" dirty="0">
-                <a:latin typeface="Segoe UI" panose="020B0502040204020203" pitchFamily="34" charset="0"/>
-                <a:ea typeface="Calibri" panose="020F0502020204030204" pitchFamily="34" charset="0"/>
-                <a:cs typeface="Segoe UI" panose="020B0502040204020203" pitchFamily="34" charset="0"/>
-              </a:rPr>
-              <a:t>Create a new calculated table</a:t>
-            </a:r>
-            <a:endParaRPr lang="en-US" dirty="0">
-              <a:effectLst/>
-              <a:latin typeface="Segoe UI" panose="020B0502040204020203" pitchFamily="34" charset="0"/>
-              <a:ea typeface="Calibri" panose="020F0502020204030204" pitchFamily="34" charset="0"/>
-              <a:cs typeface="Segoe UI" panose="020B0502040204020203" pitchFamily="34" charset="0"/>
             </a:endParaRPr>
           </a:p>
         </p:txBody>
@@ -9725,6 +10598,476 @@
           </a:effectLst>
         </p:spPr>
       </p:pic>
+      <p:sp>
+        <p:nvSpPr>
+          <p:cNvPr id="4" name="Rectangle 1"/>
+          <p:cNvSpPr>
+            <a:spLocks noChangeArrowheads="1"/>
+          </p:cNvSpPr>
+          <p:nvPr/>
+        </p:nvSpPr>
+        <p:spPr bwMode="auto">
+          <a:xfrm>
+            <a:off x="449178" y="1130637"/>
+            <a:ext cx="6088590" cy="2031325"/>
+          </a:xfrm>
+          <a:prstGeom prst="rect">
+            <a:avLst/>
+          </a:prstGeom>
+          <a:noFill/>
+          <a:ln>
+            <a:noFill/>
+          </a:ln>
+          <a:effectLst/>
+          <a:extLst>
+            <a:ext uri="{909E8E84-426E-40DD-AFC4-6F175D3DCCD1}">
+              <a14:hiddenFill xmlns:a14="http://schemas.microsoft.com/office/drawing/2010/main">
+                <a:solidFill>
+                  <a:schemeClr val="accent1"/>
+                </a:solidFill>
+              </a14:hiddenFill>
+            </a:ext>
+            <a:ext uri="{91240B29-F687-4F45-9708-019B960494DF}">
+              <a14:hiddenLine xmlns:a14="http://schemas.microsoft.com/office/drawing/2010/main" w="9525">
+                <a:solidFill>
+                  <a:schemeClr val="tx1"/>
+                </a:solidFill>
+                <a:miter lim="800000"/>
+                <a:headEnd/>
+                <a:tailEnd/>
+              </a14:hiddenLine>
+            </a:ext>
+            <a:ext uri="{AF507438-7753-43E0-B8FC-AC1667EBCBE1}">
+              <a14:hiddenEffects xmlns:a14="http://schemas.microsoft.com/office/drawing/2010/main">
+                <a:effectLst>
+                  <a:outerShdw dist="35921" dir="2700000" algn="ctr" rotWithShape="0">
+                    <a:schemeClr val="bg2"/>
+                  </a:outerShdw>
+                </a:effectLst>
+              </a14:hiddenEffects>
+            </a:ext>
+          </a:extLst>
+        </p:spPr>
+        <p:txBody>
+          <a:bodyPr vert="horz" wrap="none" lIns="91440" tIns="45720" rIns="91440" bIns="45720" numCol="1" anchor="ctr" anchorCtr="0" compatLnSpc="1">
+            <a:prstTxWarp prst="textNoShape">
+              <a:avLst/>
+            </a:prstTxWarp>
+            <a:spAutoFit/>
+          </a:bodyPr>
+          <a:lstStyle/>
+          <a:p>
+            <a:pPr xmlns:a="http://schemas.openxmlformats.org/drawingml/2006/main" marL="0" marR="0" lvl="0" indent="0" algn="l" defTabSz="914400" rtl="0" eaLnBrk="0" fontAlgn="base" latinLnBrk="0" hangingPunct="0">
+              <a:lnSpc>
+                <a:spcPct val="100000"/>
+              </a:lnSpc>
+              <a:spcBef>
+                <a:spcPct val="0"/>
+              </a:spcBef>
+              <a:spcAft>
+                <a:spcPct val="0"/>
+              </a:spcAft>
+              <a:buClrTx/>
+              <a:buSzTx/>
+              <a:buFontTx/>
+              <a:buNone/>
+              <a:tabLst/>
+            </a:pPr>
+            <a:r xmlns:a="http://schemas.openxmlformats.org/drawingml/2006/main">
+              <a:rPr kumimoji="0" lang="en" altLang="en-US" b="0" i="0" u="none" strike="noStrike" cap="none" normalizeH="0" baseline="0" dirty="0" smtClean="0">
+                <a:ln>
+                  <a:noFill/>
+                </a:ln>
+                <a:solidFill>
+                  <a:schemeClr val="tx1"/>
+                </a:solidFill>
+                <a:effectLst/>
+                <a:latin typeface="Arial" panose="020B0604020202020204" pitchFamily="34" charset="0"/>
+              </a:rPr>
+              <a:t>Note that at the top menu level, it is possible to:</a:t>
+            </a:r>
+          </a:p>
+          <a:p>
+            <a:pPr xmlns:a="http://schemas.openxmlformats.org/drawingml/2006/main" lvl="1" eaLnBrk="0" fontAlgn="base" hangingPunct="0">
+              <a:spcBef>
+                <a:spcPct val="0"/>
+              </a:spcBef>
+              <a:spcAft>
+                <a:spcPct val="0"/>
+              </a:spcAft>
+              <a:buFontTx/>
+              <a:buChar char="•"/>
+            </a:pPr>
+            <a:r xmlns:a="http://schemas.openxmlformats.org/drawingml/2006/main">
+              <a:rPr kumimoji="0" lang="en" altLang="en-US" b="0" i="0" u="none" strike="noStrike" cap="none" normalizeH="0" baseline="0" dirty="0" smtClean="0">
+                <a:ln>
+                  <a:noFill/>
+                </a:ln>
+                <a:solidFill>
+                  <a:schemeClr val="tx1"/>
+                </a:solidFill>
+                <a:effectLst/>
+                <a:latin typeface="Arial" panose="020B0604020202020204" pitchFamily="34" charset="0"/>
+              </a:rPr>
+              <a:t>Change the table name</a:t>
+            </a:r>
+          </a:p>
+          <a:p>
+            <a:pPr xmlns:a="http://schemas.openxmlformats.org/drawingml/2006/main" lvl="1" eaLnBrk="0" fontAlgn="base" hangingPunct="0">
+              <a:spcBef>
+                <a:spcPct val="0"/>
+              </a:spcBef>
+              <a:spcAft>
+                <a:spcPct val="0"/>
+              </a:spcAft>
+              <a:buFontTx/>
+              <a:buChar char="•"/>
+            </a:pPr>
+            <a:r xmlns:a="http://schemas.openxmlformats.org/drawingml/2006/main">
+              <a:rPr kumimoji="0" lang="en" altLang="en-US" b="0" i="0" u="none" strike="noStrike" cap="none" normalizeH="0" baseline="0" dirty="0" smtClean="0">
+                <a:ln>
+                  <a:noFill/>
+                </a:ln>
+                <a:solidFill>
+                  <a:schemeClr val="tx1"/>
+                </a:solidFill>
+                <a:effectLst/>
+                <a:latin typeface="Arial" panose="020B0604020202020204" pitchFamily="34" charset="0"/>
+              </a:rPr>
+              <a:t>Managing relationships</a:t>
+            </a:r>
+          </a:p>
+          <a:p>
+            <a:pPr xmlns:a="http://schemas.openxmlformats.org/drawingml/2006/main" lvl="1" eaLnBrk="0" fontAlgn="base" hangingPunct="0">
+              <a:spcBef>
+                <a:spcPct val="0"/>
+              </a:spcBef>
+              <a:spcAft>
+                <a:spcPct val="0"/>
+              </a:spcAft>
+              <a:buFontTx/>
+              <a:buChar char="•"/>
+            </a:pPr>
+            <a:r xmlns:a="http://schemas.openxmlformats.org/drawingml/2006/main">
+              <a:rPr kumimoji="0" lang="en" altLang="en-US" b="0" i="0" u="none" strike="noStrike" cap="none" normalizeH="0" baseline="0" dirty="0" smtClean="0">
+                <a:ln>
+                  <a:noFill/>
+                </a:ln>
+                <a:solidFill>
+                  <a:schemeClr val="tx1"/>
+                </a:solidFill>
+                <a:effectLst/>
+                <a:latin typeface="Arial" panose="020B0604020202020204" pitchFamily="34" charset="0"/>
+              </a:rPr>
+              <a:t>Create a measure</a:t>
+            </a:r>
+          </a:p>
+          <a:p>
+            <a:pPr xmlns:a="http://schemas.openxmlformats.org/drawingml/2006/main" lvl="1" eaLnBrk="0" fontAlgn="base" hangingPunct="0">
+              <a:spcBef>
+                <a:spcPct val="0"/>
+              </a:spcBef>
+              <a:spcAft>
+                <a:spcPct val="0"/>
+              </a:spcAft>
+              <a:buFontTx/>
+              <a:buChar char="•"/>
+            </a:pPr>
+            <a:r xmlns:a="http://schemas.openxmlformats.org/drawingml/2006/main">
+              <a:rPr kumimoji="0" lang="en" altLang="en-US" b="0" i="0" u="none" strike="noStrike" cap="none" normalizeH="0" baseline="0" dirty="0" smtClean="0">
+                <a:ln>
+                  <a:noFill/>
+                </a:ln>
+                <a:solidFill>
+                  <a:schemeClr val="tx1"/>
+                </a:solidFill>
+                <a:effectLst/>
+                <a:latin typeface="Arial" panose="020B0604020202020204" pitchFamily="34" charset="0"/>
+              </a:rPr>
+              <a:t>Create a quick measure with the wizard</a:t>
+            </a:r>
+          </a:p>
+          <a:p>
+            <a:pPr xmlns:a="http://schemas.openxmlformats.org/drawingml/2006/main" lvl="1" eaLnBrk="0" fontAlgn="base" hangingPunct="0">
+              <a:spcBef>
+                <a:spcPct val="0"/>
+              </a:spcBef>
+              <a:spcAft>
+                <a:spcPct val="0"/>
+              </a:spcAft>
+              <a:buFontTx/>
+              <a:buChar char="•"/>
+            </a:pPr>
+            <a:r xmlns:a="http://schemas.openxmlformats.org/drawingml/2006/main">
+              <a:rPr kumimoji="0" lang="en" altLang="en-US" b="0" i="0" u="none" strike="noStrike" cap="none" normalizeH="0" baseline="0" dirty="0" smtClean="0">
+                <a:ln>
+                  <a:noFill/>
+                </a:ln>
+                <a:solidFill>
+                  <a:schemeClr val="tx1"/>
+                </a:solidFill>
+                <a:effectLst/>
+                <a:latin typeface="Arial" panose="020B0604020202020204" pitchFamily="34" charset="0"/>
+              </a:rPr>
+              <a:t>Create a new calculated column</a:t>
+            </a:r>
+          </a:p>
+          <a:p>
+            <a:pPr marL="0" marR="0" lvl="0" indent="0" algn="l" defTabSz="914400" rtl="0" eaLnBrk="0" fontAlgn="base" latinLnBrk="0" hangingPunct="0">
+              <a:lnSpc>
+                <a:spcPct val="100000"/>
+              </a:lnSpc>
+              <a:spcBef>
+                <a:spcPct val="0"/>
+              </a:spcBef>
+              <a:spcAft>
+                <a:spcPct val="0"/>
+              </a:spcAft>
+              <a:buClrTx/>
+              <a:buSzTx/>
+              <a:buFontTx/>
+              <a:buNone/>
+              <a:tabLst/>
+            </a:pPr>
+            <a:endParaRPr kumimoji="0" lang="fr-FR" altLang="en-US" b="0" i="0" u="none" strike="noStrike" cap="none" normalizeH="0" baseline="0" dirty="0" smtClean="0">
+              <a:ln>
+                <a:noFill/>
+              </a:ln>
+              <a:solidFill>
+                <a:schemeClr val="tx1"/>
+              </a:solidFill>
+              <a:effectLst/>
+              <a:latin typeface="Arial" panose="020B0604020202020204" pitchFamily="34" charset="0"/>
+            </a:endParaRPr>
+          </a:p>
+        </p:txBody>
+      </p:sp>
+      <p:sp>
+        <p:nvSpPr>
+          <p:cNvPr id="6" name="Rectangle 5"/>
+          <p:cNvSpPr/>
+          <p:nvPr/>
+        </p:nvSpPr>
+        <p:spPr>
+          <a:xfrm>
+            <a:off x="9404350" y="1733550"/>
+            <a:ext cx="1633281" cy="3517900"/>
+          </a:xfrm>
+          <a:prstGeom prst="rect">
+            <a:avLst/>
+          </a:prstGeom>
+          <a:noFill/>
+          <a:ln w="12700">
+            <a:solidFill>
+              <a:srgbClr val="FF0000"/>
+            </a:solidFill>
+          </a:ln>
+        </p:spPr>
+        <p:style>
+          <a:lnRef idx="2">
+            <a:schemeClr val="accent1">
+              <a:shade val="50000"/>
+            </a:schemeClr>
+          </a:lnRef>
+          <a:fillRef idx="1">
+            <a:schemeClr val="accent1"/>
+          </a:fillRef>
+          <a:effectRef idx="0">
+            <a:schemeClr val="accent1"/>
+          </a:effectRef>
+          <a:fontRef idx="minor">
+            <a:schemeClr val="lt1"/>
+          </a:fontRef>
+        </p:style>
+        <p:txBody>
+          <a:bodyPr rtlCol="0" anchor="ctr"/>
+          <a:lstStyle/>
+          <a:p>
+            <a:pPr algn="ctr"/>
+            <a:endParaRPr lang="en-US"/>
+          </a:p>
+        </p:txBody>
+      </p:sp>
+      <p:cxnSp>
+        <p:nvCxnSpPr>
+          <p:cNvPr id="8" name="Straight Arrow Connector 7"/>
+          <p:cNvCxnSpPr/>
+          <p:nvPr/>
+        </p:nvCxnSpPr>
+        <p:spPr>
+          <a:xfrm>
+            <a:off x="3898900" y="1663700"/>
+            <a:ext cx="5505450" cy="2254250"/>
+          </a:xfrm>
+          <a:prstGeom prst="straightConnector1">
+            <a:avLst/>
+          </a:prstGeom>
+          <a:ln>
+            <a:solidFill>
+              <a:srgbClr val="FF0000"/>
+            </a:solidFill>
+            <a:tailEnd type="triangle"/>
+          </a:ln>
+        </p:spPr>
+        <p:style>
+          <a:lnRef idx="2">
+            <a:schemeClr val="accent2"/>
+          </a:lnRef>
+          <a:fillRef idx="0">
+            <a:schemeClr val="accent2"/>
+          </a:fillRef>
+          <a:effectRef idx="1">
+            <a:schemeClr val="accent2"/>
+          </a:effectRef>
+          <a:fontRef idx="minor">
+            <a:schemeClr val="tx1"/>
+          </a:fontRef>
+        </p:style>
+      </p:cxnSp>
+      <p:cxnSp>
+        <p:nvCxnSpPr>
+          <p:cNvPr id="9" name="Straight Arrow Connector 8"/>
+          <p:cNvCxnSpPr/>
+          <p:nvPr/>
+        </p:nvCxnSpPr>
+        <p:spPr>
+          <a:xfrm>
+            <a:off x="3054350" y="1930400"/>
+            <a:ext cx="6400800" cy="1054100"/>
+          </a:xfrm>
+          <a:prstGeom prst="straightConnector1">
+            <a:avLst/>
+          </a:prstGeom>
+          <a:ln>
+            <a:solidFill>
+              <a:srgbClr val="FF0000"/>
+            </a:solidFill>
+            <a:tailEnd type="triangle"/>
+          </a:ln>
+        </p:spPr>
+        <p:style>
+          <a:lnRef idx="2">
+            <a:schemeClr val="accent2"/>
+          </a:lnRef>
+          <a:fillRef idx="0">
+            <a:schemeClr val="accent2"/>
+          </a:fillRef>
+          <a:effectRef idx="1">
+            <a:schemeClr val="accent2"/>
+          </a:effectRef>
+          <a:fontRef idx="minor">
+            <a:schemeClr val="tx1"/>
+          </a:fontRef>
+        </p:style>
+      </p:cxnSp>
+      <p:cxnSp>
+        <p:nvCxnSpPr>
+          <p:cNvPr id="12" name="Straight Arrow Connector 11"/>
+          <p:cNvCxnSpPr/>
+          <p:nvPr/>
+        </p:nvCxnSpPr>
+        <p:spPr>
+          <a:xfrm flipV="1">
+            <a:off x="2978150" y="1835151"/>
+            <a:ext cx="6477000" cy="311148"/>
+          </a:xfrm>
+          <a:prstGeom prst="straightConnector1">
+            <a:avLst/>
+          </a:prstGeom>
+          <a:ln>
+            <a:solidFill>
+              <a:srgbClr val="FF0000"/>
+            </a:solidFill>
+            <a:tailEnd type="triangle"/>
+          </a:ln>
+        </p:spPr>
+        <p:style>
+          <a:lnRef idx="2">
+            <a:schemeClr val="accent2"/>
+          </a:lnRef>
+          <a:fillRef idx="0">
+            <a:schemeClr val="accent2"/>
+          </a:fillRef>
+          <a:effectRef idx="1">
+            <a:schemeClr val="accent2"/>
+          </a:effectRef>
+          <a:fontRef idx="minor">
+            <a:schemeClr val="tx1"/>
+          </a:fontRef>
+        </p:style>
+      </p:cxnSp>
+      <p:cxnSp>
+        <p:nvCxnSpPr>
+          <p:cNvPr id="15" name="Straight Arrow Connector 14"/>
+          <p:cNvCxnSpPr/>
+          <p:nvPr/>
+        </p:nvCxnSpPr>
+        <p:spPr>
+          <a:xfrm flipV="1">
+            <a:off x="5288997" y="2309812"/>
+            <a:ext cx="4166153" cy="153975"/>
+          </a:xfrm>
+          <a:prstGeom prst="straightConnector1">
+            <a:avLst/>
+          </a:prstGeom>
+          <a:ln>
+            <a:solidFill>
+              <a:srgbClr val="FF0000"/>
+            </a:solidFill>
+            <a:tailEnd type="triangle"/>
+          </a:ln>
+        </p:spPr>
+        <p:style>
+          <a:lnRef idx="2">
+            <a:schemeClr val="accent2"/>
+          </a:lnRef>
+          <a:fillRef idx="0">
+            <a:schemeClr val="accent2"/>
+          </a:fillRef>
+          <a:effectRef idx="1">
+            <a:schemeClr val="accent2"/>
+          </a:effectRef>
+          <a:fontRef idx="minor">
+            <a:schemeClr val="tx1"/>
+          </a:fontRef>
+        </p:style>
+      </p:cxnSp>
+      <p:cxnSp>
+        <p:nvCxnSpPr>
+          <p:cNvPr id="19" name="Straight Arrow Connector 18"/>
+          <p:cNvCxnSpPr/>
+          <p:nvPr/>
+        </p:nvCxnSpPr>
+        <p:spPr>
+          <a:xfrm flipV="1">
+            <a:off x="4902200" y="2108200"/>
+            <a:ext cx="4552950" cy="596900"/>
+          </a:xfrm>
+          <a:prstGeom prst="straightConnector1">
+            <a:avLst/>
+          </a:prstGeom>
+          <a:ln>
+            <a:solidFill>
+              <a:srgbClr val="FF0000"/>
+            </a:solidFill>
+            <a:tailEnd type="triangle"/>
+          </a:ln>
+        </p:spPr>
+        <p:style>
+          <a:lnRef idx="2">
+            <a:schemeClr val="accent2"/>
+          </a:lnRef>
+          <a:fillRef idx="0">
+            <a:schemeClr val="accent2"/>
+          </a:fillRef>
+          <a:effectRef idx="1">
+            <a:schemeClr val="accent2"/>
+          </a:effectRef>
+          <a:fontRef idx="minor">
+            <a:schemeClr val="tx1"/>
+          </a:fontRef>
+        </p:style>
+      </p:cxnSp>
     </p:spTree>
     <p:extLst>
       <p:ext uri="{BB962C8B-B14F-4D97-AF65-F5344CB8AC3E}">
@@ -9764,7 +11107,7 @@
         <p:spPr>
           <a:xfrm>
             <a:off x="449178" y="216445"/>
-            <a:ext cx="3092513" cy="366895"/>
+            <a:ext cx="3724096" cy="366895"/>
           </a:xfrm>
           <a:prstGeom prst="rect">
             <a:avLst/>
@@ -9776,7 +11119,7 @@
           </a:bodyPr>
           <a:lstStyle/>
           <a:p>
-            <a:pPr>
+            <a:pPr xmlns:a="http://schemas.openxmlformats.org/drawingml/2006/main">
               <a:lnSpc>
                 <a:spcPct val="107000"/>
               </a:lnSpc>
@@ -9787,95 +11130,17 @@
                 <a:spcPts val="0"/>
               </a:spcAft>
             </a:pPr>
-            <a:r>
-              <a:rPr lang="en-US" b="1" kern="0" dirty="0" smtClean="0">
+            <a:r xmlns:a="http://schemas.openxmlformats.org/drawingml/2006/main">
+              <a:rPr lang="en" b="1" kern="0" dirty="0" smtClean="0">
                 <a:latin typeface="Segoe UI" panose="020B0502040204020203" pitchFamily="34" charset="0"/>
                 <a:ea typeface="Times New Roman" panose="02020603050405020304" pitchFamily="18" charset="0"/>
                 <a:cs typeface="Times New Roman" panose="02020603050405020304" pitchFamily="18" charset="0"/>
               </a:rPr>
-              <a:t>Importing SQL Server Data</a:t>
-            </a:r>
-            <a:endParaRPr lang="en-US" b="1" kern="0" dirty="0">
+              <a:t>Import SQL Server data</a:t>
+            </a:r>
+            <a:endParaRPr xmlns:a="http://schemas.openxmlformats.org/drawingml/2006/main" lang="en-US" b="1" kern="0" dirty="0">
               <a:latin typeface="Segoe UI" panose="020B0502040204020203" pitchFamily="34" charset="0"/>
               <a:ea typeface="Times New Roman" panose="02020603050405020304" pitchFamily="18" charset="0"/>
-              <a:cs typeface="Times New Roman" panose="02020603050405020304" pitchFamily="18" charset="0"/>
-            </a:endParaRPr>
-          </a:p>
-        </p:txBody>
-      </p:sp>
-      <p:sp>
-        <p:nvSpPr>
-          <p:cNvPr id="2" name="Rectangle 1"/>
-          <p:cNvSpPr/>
-          <p:nvPr/>
-        </p:nvSpPr>
-        <p:spPr>
-          <a:xfrm>
-            <a:off x="497741" y="800836"/>
-            <a:ext cx="4703852" cy="373692"/>
-          </a:xfrm>
-          <a:prstGeom prst="rect">
-            <a:avLst/>
-          </a:prstGeom>
-        </p:spPr>
-        <p:txBody>
-          <a:bodyPr wrap="none">
-            <a:spAutoFit/>
-          </a:bodyPr>
-          <a:lstStyle/>
-          <a:p>
-            <a:pPr lvl="0">
-              <a:lnSpc>
-                <a:spcPct val="107000"/>
-              </a:lnSpc>
-              <a:spcAft>
-                <a:spcPts val="800"/>
-              </a:spcAft>
-            </a:pPr>
-            <a:r>
-              <a:rPr lang="en-US" dirty="0">
-                <a:latin typeface="Segoe UI" panose="020B0502040204020203" pitchFamily="34" charset="0"/>
-                <a:ea typeface="Calibri" panose="020F0502020204030204" pitchFamily="34" charset="0"/>
-                <a:cs typeface="Times New Roman" panose="02020603050405020304" pitchFamily="18" charset="0"/>
-              </a:rPr>
-              <a:t>Right click on </a:t>
-            </a:r>
-            <a:r>
-              <a:rPr lang="en-US" b="1" dirty="0" err="1">
-                <a:latin typeface="Segoe UI" panose="020B0502040204020203" pitchFamily="34" charset="0"/>
-                <a:ea typeface="Calibri" panose="020F0502020204030204" pitchFamily="34" charset="0"/>
-                <a:cs typeface="Times New Roman" panose="02020603050405020304" pitchFamily="18" charset="0"/>
-              </a:rPr>
-              <a:t>DimDate</a:t>
-            </a:r>
-            <a:r>
-              <a:rPr lang="en-US" b="1" dirty="0">
-                <a:latin typeface="Segoe UI" panose="020B0502040204020203" pitchFamily="34" charset="0"/>
-                <a:ea typeface="Calibri" panose="020F0502020204030204" pitchFamily="34" charset="0"/>
-                <a:cs typeface="Times New Roman" panose="02020603050405020304" pitchFamily="18" charset="0"/>
-              </a:rPr>
-              <a:t> </a:t>
-            </a:r>
-            <a:r>
-              <a:rPr lang="en-US" dirty="0">
-                <a:latin typeface="Segoe UI" panose="020B0502040204020203" pitchFamily="34" charset="0"/>
-                <a:ea typeface="Calibri" panose="020F0502020204030204" pitchFamily="34" charset="0"/>
-                <a:cs typeface="Times New Roman" panose="02020603050405020304" pitchFamily="18" charset="0"/>
-              </a:rPr>
-              <a:t>and click </a:t>
-            </a:r>
-            <a:r>
-              <a:rPr lang="en-US" b="1" dirty="0">
-                <a:latin typeface="Segoe UI" panose="020B0502040204020203" pitchFamily="34" charset="0"/>
-                <a:ea typeface="Calibri" panose="020F0502020204030204" pitchFamily="34" charset="0"/>
-                <a:cs typeface="Times New Roman" panose="02020603050405020304" pitchFamily="18" charset="0"/>
-              </a:rPr>
-              <a:t>Edit query</a:t>
-            </a:r>
-            <a:endParaRPr lang="en-US" sz="1400" dirty="0">
-              <a:effectLst/>
-              <a:latin typeface="Calibri" panose="020F0502020204030204" pitchFamily="34" charset="0"/>
-              <a:ea typeface="Calibri" panose="020F0502020204030204" pitchFamily="34" charset="0"/>
               <a:cs typeface="Times New Roman" panose="02020603050405020304" pitchFamily="18" charset="0"/>
             </a:endParaRPr>
           </a:p>
@@ -9920,6 +11185,149 @@
           </a:effectLst>
         </p:spPr>
       </p:pic>
+      <p:sp>
+        <p:nvSpPr>
+          <p:cNvPr id="4" name="Rectangle 1"/>
+          <p:cNvSpPr>
+            <a:spLocks noChangeArrowheads="1"/>
+          </p:cNvSpPr>
+          <p:nvPr/>
+        </p:nvSpPr>
+        <p:spPr bwMode="auto">
+          <a:xfrm>
+            <a:off x="400050" y="697984"/>
+            <a:ext cx="7032694" cy="369332"/>
+          </a:xfrm>
+          <a:prstGeom prst="rect">
+            <a:avLst/>
+          </a:prstGeom>
+          <a:noFill/>
+          <a:ln>
+            <a:noFill/>
+          </a:ln>
+          <a:effectLst/>
+          <a:extLst>
+            <a:ext uri="{909E8E84-426E-40DD-AFC4-6F175D3DCCD1}">
+              <a14:hiddenFill xmlns:a14="http://schemas.microsoft.com/office/drawing/2010/main">
+                <a:solidFill>
+                  <a:schemeClr val="accent1"/>
+                </a:solidFill>
+              </a14:hiddenFill>
+            </a:ext>
+            <a:ext uri="{91240B29-F687-4F45-9708-019B960494DF}">
+              <a14:hiddenLine xmlns:a14="http://schemas.microsoft.com/office/drawing/2010/main" w="9525">
+                <a:solidFill>
+                  <a:schemeClr val="tx1"/>
+                </a:solidFill>
+                <a:miter lim="800000"/>
+                <a:headEnd/>
+                <a:tailEnd/>
+              </a14:hiddenLine>
+            </a:ext>
+            <a:ext uri="{AF507438-7753-43E0-B8FC-AC1667EBCBE1}">
+              <a14:hiddenEffects xmlns:a14="http://schemas.microsoft.com/office/drawing/2010/main">
+                <a:effectLst>
+                  <a:outerShdw dist="35921" dir="2700000" algn="ctr" rotWithShape="0">
+                    <a:schemeClr val="bg2"/>
+                  </a:outerShdw>
+                </a:effectLst>
+              </a14:hiddenEffects>
+            </a:ext>
+          </a:extLst>
+        </p:spPr>
+        <p:txBody>
+          <a:bodyPr vert="horz" wrap="none" lIns="91440" tIns="45720" rIns="91440" bIns="45720" numCol="1" anchor="ctr" anchorCtr="0" compatLnSpc="1">
+            <a:prstTxWarp prst="textNoShape">
+              <a:avLst/>
+            </a:prstTxWarp>
+            <a:spAutoFit/>
+          </a:bodyPr>
+          <a:lstStyle/>
+          <a:p>
+            <a:pPr xmlns:a="http://schemas.openxmlformats.org/drawingml/2006/main" marL="0" marR="0" lvl="0" indent="0" algn="l" defTabSz="914400" rtl="0" eaLnBrk="0" fontAlgn="base" latinLnBrk="0" hangingPunct="0">
+              <a:lnSpc>
+                <a:spcPct val="100000"/>
+              </a:lnSpc>
+              <a:spcBef>
+                <a:spcPct val="0"/>
+              </a:spcBef>
+              <a:spcAft>
+                <a:spcPct val="0"/>
+              </a:spcAft>
+              <a:buClrTx/>
+              <a:buSzTx/>
+              <a:buFontTx/>
+              <a:buNone/>
+              <a:tabLst/>
+            </a:pPr>
+            <a:r xmlns:a="http://schemas.openxmlformats.org/drawingml/2006/main">
+              <a:rPr kumimoji="0" lang="en" altLang="en-US" sz="1800" b="0" i="0" u="none" strike="noStrike" cap="none" normalizeH="0" baseline="0" dirty="0" smtClean="0">
+                <a:ln>
+                  <a:noFill/>
+                </a:ln>
+                <a:solidFill>
+                  <a:schemeClr val="tx1"/>
+                </a:solidFill>
+                <a:effectLst/>
+                <a:latin typeface="Arial" panose="020B0604020202020204" pitchFamily="34" charset="0"/>
+              </a:rPr>
+              <a:t>Right-click on </a:t>
+            </a:r>
+            <a:r xmlns:a="http://schemas.openxmlformats.org/drawingml/2006/main">
+              <a:rPr kumimoji="0" lang="en" altLang="en-US" sz="1800" b="1" i="0" u="none" strike="noStrike" cap="none" normalizeH="0" baseline="0" dirty="0" err="1" smtClean="0">
+                <a:ln>
+                  <a:noFill/>
+                </a:ln>
+                <a:solidFill>
+                  <a:schemeClr val="tx1"/>
+                </a:solidFill>
+                <a:effectLst/>
+                <a:latin typeface="Arial" panose="020B0604020202020204" pitchFamily="34" charset="0"/>
+              </a:rPr>
+              <a:t>DimDate </a:t>
+            </a:r>
+            <a:r xmlns:a="http://schemas.openxmlformats.org/drawingml/2006/main">
+              <a:rPr kumimoji="0" lang="en" altLang="en-US" sz="1800" b="0" i="0" u="none" strike="noStrike" cap="none" normalizeH="0" baseline="0" dirty="0" smtClean="0">
+                <a:ln>
+                  <a:noFill/>
+                </a:ln>
+                <a:solidFill>
+                  <a:schemeClr val="tx1"/>
+                </a:solidFill>
+                <a:effectLst/>
+                <a:latin typeface="Arial" panose="020B0604020202020204" pitchFamily="34" charset="0"/>
+              </a:rPr>
+              <a:t>and click </a:t>
+            </a:r>
+            <a:r xmlns:a="http://schemas.openxmlformats.org/drawingml/2006/main">
+              <a:rPr kumimoji="0" lang="en" altLang="en-US" sz="1800" b="1" i="0" u="none" strike="noStrike" cap="none" normalizeH="0" baseline="0" dirty="0" smtClean="0">
+                <a:ln>
+                  <a:noFill/>
+                </a:ln>
+                <a:solidFill>
+                  <a:schemeClr val="tx1"/>
+                </a:solidFill>
+                <a:effectLst/>
+                <a:latin typeface="Arial" panose="020B0604020202020204" pitchFamily="34" charset="0"/>
+              </a:rPr>
+              <a:t>Edit Query </a:t>
+            </a:r>
+            <a:r xmlns:a="http://schemas.openxmlformats.org/drawingml/2006/main">
+              <a:rPr kumimoji="0" lang="en" altLang="en-US" sz="1800" b="0" i="0" u="none" strike="noStrike" cap="none" normalizeH="0" baseline="0" dirty="0" smtClean="0">
+                <a:ln>
+                  <a:noFill/>
+                </a:ln>
+                <a:solidFill>
+                  <a:schemeClr val="tx1"/>
+                </a:solidFill>
+                <a:effectLst/>
+                <a:latin typeface="Arial" panose="020B0604020202020204" pitchFamily="34" charset="0"/>
+              </a:rPr>
+              <a:t>.</a:t>
+            </a:r>
+          </a:p>
+        </p:txBody>
+      </p:sp>
     </p:spTree>
     <p:extLst>
       <p:ext uri="{BB962C8B-B14F-4D97-AF65-F5344CB8AC3E}">
@@ -9959,7 +11367,7 @@
         <p:spPr>
           <a:xfrm>
             <a:off x="449178" y="216445"/>
-            <a:ext cx="3092513" cy="366895"/>
+            <a:ext cx="3724096" cy="366895"/>
           </a:xfrm>
           <a:prstGeom prst="rect">
             <a:avLst/>
@@ -9971,7 +11379,7 @@
           </a:bodyPr>
           <a:lstStyle/>
           <a:p>
-            <a:pPr>
+            <a:pPr xmlns:a="http://schemas.openxmlformats.org/drawingml/2006/main">
               <a:lnSpc>
                 <a:spcPct val="107000"/>
               </a:lnSpc>
@@ -9982,69 +11390,19 @@
                 <a:spcPts val="0"/>
               </a:spcAft>
             </a:pPr>
-            <a:r>
-              <a:rPr lang="en-US" b="1" kern="0" dirty="0" smtClean="0">
+            <a:r xmlns:a="http://schemas.openxmlformats.org/drawingml/2006/main">
+              <a:rPr lang="en" b="1" kern="0" dirty="0" smtClean="0">
                 <a:latin typeface="Segoe UI" panose="020B0502040204020203" pitchFamily="34" charset="0"/>
                 <a:ea typeface="Times New Roman" panose="02020603050405020304" pitchFamily="18" charset="0"/>
                 <a:cs typeface="Times New Roman" panose="02020603050405020304" pitchFamily="18" charset="0"/>
               </a:rPr>
-              <a:t>Importing SQL Server Data</a:t>
-            </a:r>
-            <a:endParaRPr lang="en-US" b="1" kern="0" dirty="0">
+              <a:t>Import SQL Server data</a:t>
+            </a:r>
+            <a:endParaRPr xmlns:a="http://schemas.openxmlformats.org/drawingml/2006/main" lang="en-US" b="1" kern="0" dirty="0">
               <a:latin typeface="Segoe UI" panose="020B0502040204020203" pitchFamily="34" charset="0"/>
               <a:ea typeface="Times New Roman" panose="02020603050405020304" pitchFamily="18" charset="0"/>
               <a:cs typeface="Times New Roman" panose="02020603050405020304" pitchFamily="18" charset="0"/>
             </a:endParaRPr>
-          </a:p>
-        </p:txBody>
-      </p:sp>
-      <p:sp>
-        <p:nvSpPr>
-          <p:cNvPr id="2" name="Rectangle 1"/>
-          <p:cNvSpPr/>
-          <p:nvPr/>
-        </p:nvSpPr>
-        <p:spPr>
-          <a:xfrm>
-            <a:off x="497741" y="800836"/>
-            <a:ext cx="6197722" cy="369332"/>
-          </a:xfrm>
-          <a:prstGeom prst="rect">
-            <a:avLst/>
-          </a:prstGeom>
-        </p:spPr>
-        <p:txBody>
-          <a:bodyPr wrap="none">
-            <a:spAutoFit/>
-          </a:bodyPr>
-          <a:lstStyle/>
-          <a:p>
-            <a:pPr lvl="0"/>
-            <a:r>
-              <a:rPr lang="en-US" dirty="0"/>
-              <a:t>Click </a:t>
-            </a:r>
-            <a:r>
-              <a:rPr lang="en-US" b="1" dirty="0"/>
-              <a:t>From Selection </a:t>
-            </a:r>
-            <a:r>
-              <a:rPr lang="en-US" dirty="0"/>
-              <a:t>of </a:t>
-            </a:r>
-            <a:r>
-              <a:rPr lang="en-US" b="1" dirty="0"/>
-              <a:t>Column From </a:t>
-            </a:r>
-            <a:r>
-              <a:rPr lang="en-US" dirty="0"/>
-              <a:t>Examples tab </a:t>
-            </a:r>
-            <a:r>
-              <a:rPr lang="en-US" b="1" dirty="0"/>
-              <a:t>Add Column</a:t>
-            </a:r>
-            <a:endParaRPr lang="en-US" dirty="0"/>
           </a:p>
         </p:txBody>
       </p:sp>
@@ -10143,13 +11501,13 @@
           </a:bodyPr>
           <a:lstStyle/>
           <a:p>
-            <a:pPr algn="ctr">
+            <a:pPr xmlns:a="http://schemas.openxmlformats.org/drawingml/2006/main" algn="ctr">
               <a:spcAft>
                 <a:spcPts val="0"/>
               </a:spcAft>
             </a:pPr>
-            <a:r>
-              <a:rPr lang="fr-FR" sz="900" b="1" kern="1200">
+            <a:r xmlns:a="http://schemas.openxmlformats.org/drawingml/2006/main">
+              <a:rPr lang="en" sz="900" b="1" kern="1200">
                 <a:solidFill>
                   <a:srgbClr val="FFFFFF"/>
                 </a:solidFill>
@@ -10159,7 +11517,7 @@
               </a:rPr>
               <a:t>1</a:t>
             </a:r>
-            <a:endParaRPr lang="en-US" sz="1200">
+            <a:endParaRPr xmlns:a="http://schemas.openxmlformats.org/drawingml/2006/main" lang="en-US" sz="1200">
               <a:effectLst/>
               <a:latin typeface="Times New Roman" panose="02020603050405020304" pitchFamily="18" charset="0"/>
               <a:ea typeface="Times New Roman" panose="02020603050405020304" pitchFamily="18" charset="0"/>
@@ -10220,13 +11578,13 @@
           </a:bodyPr>
           <a:lstStyle/>
           <a:p>
-            <a:pPr algn="ctr">
+            <a:pPr xmlns:a="http://schemas.openxmlformats.org/drawingml/2006/main" algn="ctr">
               <a:spcAft>
                 <a:spcPts val="0"/>
               </a:spcAft>
             </a:pPr>
-            <a:r>
-              <a:rPr lang="fr-FR" sz="900" b="1" kern="1200">
+            <a:r xmlns:a="http://schemas.openxmlformats.org/drawingml/2006/main">
+              <a:rPr lang="en" sz="900" b="1" kern="1200">
                 <a:solidFill>
                   <a:srgbClr val="FFFFFF"/>
                 </a:solidFill>
@@ -10236,7 +11594,7 @@
               </a:rPr>
               <a:t>2</a:t>
             </a:r>
-            <a:endParaRPr lang="en-US" sz="1200">
+            <a:endParaRPr xmlns:a="http://schemas.openxmlformats.org/drawingml/2006/main" lang="en-US" sz="1200">
               <a:effectLst/>
               <a:latin typeface="Times New Roman" panose="02020603050405020304" pitchFamily="18" charset="0"/>
               <a:ea typeface="Times New Roman" panose="02020603050405020304" pitchFamily="18" charset="0"/>
@@ -10297,13 +11655,13 @@
           </a:bodyPr>
           <a:lstStyle/>
           <a:p>
-            <a:pPr algn="ctr">
+            <a:pPr xmlns:a="http://schemas.openxmlformats.org/drawingml/2006/main" algn="ctr">
               <a:spcAft>
                 <a:spcPts val="0"/>
               </a:spcAft>
             </a:pPr>
-            <a:r>
-              <a:rPr lang="fr-FR" sz="900" b="1" kern="1200">
+            <a:r xmlns:a="http://schemas.openxmlformats.org/drawingml/2006/main">
+              <a:rPr lang="en" sz="900" b="1" kern="1200">
                 <a:solidFill>
                   <a:srgbClr val="FFFFFF"/>
                 </a:solidFill>
@@ -10313,7 +11671,7 @@
               </a:rPr>
               <a:t>3</a:t>
             </a:r>
-            <a:endParaRPr lang="en-US" sz="1200">
+            <a:endParaRPr xmlns:a="http://schemas.openxmlformats.org/drawingml/2006/main" lang="en-US" sz="1200">
               <a:effectLst/>
               <a:latin typeface="Times New Roman" panose="02020603050405020304" pitchFamily="18" charset="0"/>
               <a:ea typeface="Times New Roman" panose="02020603050405020304" pitchFamily="18" charset="0"/>
@@ -10330,7 +11688,7 @@
         <p:spPr>
           <a:xfrm>
             <a:off x="3474884" y="1313032"/>
-            <a:ext cx="1782860" cy="338554"/>
+            <a:ext cx="1925207" cy="338554"/>
           </a:xfrm>
           <a:prstGeom prst="rect">
             <a:avLst/>
@@ -10342,16 +11700,12 @@
           </a:bodyPr>
           <a:lstStyle/>
           <a:p>
-            <a:pPr lvl="0"/>
-            <a:r>
-              <a:rPr lang="en-US" sz="1600" dirty="0" smtClean="0"/>
-              <a:t>Select </a:t>
-            </a:r>
-            <a:r>
-              <a:rPr lang="en-US" sz="1600" b="1" dirty="0"/>
-              <a:t>Add Column</a:t>
-            </a:r>
-            <a:endParaRPr lang="en-US" sz="1600" dirty="0"/>
+            <a:pPr xmlns:a="http://schemas.openxmlformats.org/drawingml/2006/main" lvl="0"/>
+            <a:r xmlns:a="http://schemas.openxmlformats.org/drawingml/2006/main">
+              <a:rPr lang="en" sz="1600" b="1" dirty="0" smtClean="0"/>
+              <a:t>Add a column</a:t>
+            </a:r>
+            <a:endParaRPr xmlns:a="http://schemas.openxmlformats.org/drawingml/2006/main" lang="fr-FR" sz="1600" dirty="0"/>
           </a:p>
         </p:txBody>
       </p:sp>
@@ -10364,7 +11718,7 @@
         <p:spPr>
           <a:xfrm>
             <a:off x="1692024" y="1670359"/>
-            <a:ext cx="2081532" cy="338554"/>
+            <a:ext cx="3662862" cy="338554"/>
           </a:xfrm>
           <a:prstGeom prst="rect">
             <a:avLst/>
@@ -10376,20 +11730,12 @@
           </a:bodyPr>
           <a:lstStyle/>
           <a:p>
-            <a:pPr lvl="0"/>
-            <a:r>
-              <a:rPr lang="en-US" sz="1600" dirty="0" smtClean="0"/>
-              <a:t>Select </a:t>
-            </a:r>
-            <a:r>
-              <a:rPr lang="en-US" sz="1600" b="1" dirty="0" smtClean="0"/>
-              <a:t>Custom </a:t>
-            </a:r>
-            <a:r>
-              <a:rPr lang="en-US" sz="1600" b="1" dirty="0"/>
-              <a:t>Column</a:t>
-            </a:r>
-            <a:endParaRPr lang="en-US" sz="1600" dirty="0"/>
+            <a:pPr xmlns:a="http://schemas.openxmlformats.org/drawingml/2006/main" lvl="0"/>
+            <a:r xmlns:a="http://schemas.openxmlformats.org/drawingml/2006/main">
+              <a:rPr lang="en" sz="1600" b="1" dirty="0" smtClean="0"/>
+              <a:t>Select a custom column</a:t>
+            </a:r>
+            <a:endParaRPr xmlns:a="http://schemas.openxmlformats.org/drawingml/2006/main" lang="fr-FR" sz="1600" b="1" dirty="0"/>
           </a:p>
         </p:txBody>
       </p:sp>
@@ -10402,7 +11748,7 @@
         <p:spPr>
           <a:xfrm>
             <a:off x="2374890" y="2769186"/>
-            <a:ext cx="2003177" cy="338554"/>
+            <a:ext cx="3062057" cy="338554"/>
           </a:xfrm>
           <a:prstGeom prst="rect">
             <a:avLst/>
@@ -10414,16 +11760,133 @@
           </a:bodyPr>
           <a:lstStyle/>
           <a:p>
-            <a:pPr lvl="0"/>
-            <a:r>
-              <a:rPr lang="en-US" sz="1600" dirty="0" smtClean="0"/>
-              <a:t>Select </a:t>
-            </a:r>
-            <a:r>
-              <a:rPr lang="en-US" sz="1600" b="1" dirty="0" smtClean="0"/>
-              <a:t>From Selection</a:t>
-            </a:r>
-            <a:endParaRPr lang="en-US" sz="1600" dirty="0"/>
+            <a:pPr xmlns:a="http://schemas.openxmlformats.org/drawingml/2006/main" lvl="0"/>
+            <a:r xmlns:a="http://schemas.openxmlformats.org/drawingml/2006/main">
+              <a:rPr lang="en" sz="1600" b="1" dirty="0" smtClean="0"/>
+              <a:t>Select from a </a:t>
+            </a:r>
+            <a:r xmlns:a="http://schemas.openxmlformats.org/drawingml/2006/main">
+              <a:rPr lang="en" sz="1600" b="1" dirty="0" smtClean="0"/>
+              <a:t>Selection</a:t>
+            </a:r>
+            <a:endParaRPr xmlns:a="http://schemas.openxmlformats.org/drawingml/2006/main" lang="en-US" sz="1600" dirty="0"/>
+          </a:p>
+        </p:txBody>
+      </p:sp>
+      <p:sp>
+        <p:nvSpPr>
+          <p:cNvPr id="4" name="Rectangle 1"/>
+          <p:cNvSpPr>
+            <a:spLocks noChangeArrowheads="1"/>
+          </p:cNvSpPr>
+          <p:nvPr/>
+        </p:nvSpPr>
+        <p:spPr bwMode="auto">
+          <a:xfrm>
+            <a:off x="449178" y="697440"/>
+            <a:ext cx="9785051" cy="369332"/>
+          </a:xfrm>
+          <a:prstGeom prst="rect">
+            <a:avLst/>
+          </a:prstGeom>
+          <a:noFill/>
+          <a:ln>
+            <a:noFill/>
+          </a:ln>
+          <a:effectLst/>
+          <a:extLst>
+            <a:ext uri="{909E8E84-426E-40DD-AFC4-6F175D3DCCD1}">
+              <a14:hiddenFill xmlns:a14="http://schemas.microsoft.com/office/drawing/2010/main">
+                <a:solidFill>
+                  <a:schemeClr val="accent1"/>
+                </a:solidFill>
+              </a14:hiddenFill>
+            </a:ext>
+            <a:ext uri="{91240B29-F687-4F45-9708-019B960494DF}">
+              <a14:hiddenLine xmlns:a14="http://schemas.microsoft.com/office/drawing/2010/main" w="9525">
+                <a:solidFill>
+                  <a:schemeClr val="tx1"/>
+                </a:solidFill>
+                <a:miter lim="800000"/>
+                <a:headEnd/>
+                <a:tailEnd/>
+              </a14:hiddenLine>
+            </a:ext>
+            <a:ext uri="{AF507438-7753-43E0-B8FC-AC1667EBCBE1}">
+              <a14:hiddenEffects xmlns:a14="http://schemas.microsoft.com/office/drawing/2010/main">
+                <a:effectLst>
+                  <a:outerShdw dist="35921" dir="2700000" algn="ctr" rotWithShape="0">
+                    <a:schemeClr val="bg2"/>
+                  </a:outerShdw>
+                </a:effectLst>
+              </a14:hiddenEffects>
+            </a:ext>
+          </a:extLst>
+        </p:spPr>
+        <p:txBody>
+          <a:bodyPr vert="horz" wrap="none" lIns="91440" tIns="45720" rIns="91440" bIns="45720" numCol="1" anchor="ctr" anchorCtr="0" compatLnSpc="1">
+            <a:prstTxWarp prst="textNoShape">
+              <a:avLst/>
+            </a:prstTxWarp>
+            <a:spAutoFit/>
+          </a:bodyPr>
+          <a:lstStyle/>
+          <a:p>
+            <a:pPr xmlns:a="http://schemas.openxmlformats.org/drawingml/2006/main" marL="0" marR="0" lvl="0" indent="0" algn="l" defTabSz="914400" rtl="0" eaLnBrk="0" fontAlgn="base" latinLnBrk="0" hangingPunct="0">
+              <a:lnSpc>
+                <a:spcPct val="100000"/>
+              </a:lnSpc>
+              <a:spcBef>
+                <a:spcPct val="0"/>
+              </a:spcBef>
+              <a:spcAft>
+                <a:spcPct val="0"/>
+              </a:spcAft>
+              <a:buClrTx/>
+              <a:buSzTx/>
+              <a:buFontTx/>
+              <a:buNone/>
+              <a:tabLst/>
+            </a:pPr>
+            <a:r xmlns:a="http://schemas.openxmlformats.org/drawingml/2006/main">
+              <a:rPr kumimoji="0" lang="en" altLang="en-US" sz="1800" b="0" i="0" u="none" strike="noStrike" cap="none" normalizeH="0" baseline="0" dirty="0" smtClean="0">
+                <a:ln>
+                  <a:noFill/>
+                </a:ln>
+                <a:solidFill>
+                  <a:schemeClr val="tx1"/>
+                </a:solidFill>
+                <a:effectLst/>
+                <a:latin typeface="Arial" panose="020B0604020202020204" pitchFamily="34" charset="0"/>
+              </a:rPr>
+              <a:t>Click the </a:t>
+            </a:r>
+            <a:r xmlns:a="http://schemas.openxmlformats.org/drawingml/2006/main">
+              <a:rPr kumimoji="0" lang="en" altLang="en-US" sz="1800" b="1" i="0" u="none" strike="noStrike" cap="none" normalizeH="0" baseline="0" dirty="0" smtClean="0">
+                <a:ln>
+                  <a:noFill/>
+                </a:ln>
+                <a:solidFill>
+                  <a:schemeClr val="tx1"/>
+                </a:solidFill>
+                <a:effectLst/>
+                <a:latin typeface="Arial" panose="020B0604020202020204" pitchFamily="34" charset="0"/>
+              </a:rPr>
+              <a:t>From Sample Column Selection tab </a:t>
+            </a:r>
+            <a:r xmlns:a="http://schemas.openxmlformats.org/drawingml/2006/main">
+              <a:rPr kumimoji="0" lang="en" altLang="en-US" sz="1800" b="0" i="0" u="none" strike="noStrike" cap="none" normalizeH="0" baseline="0" dirty="0" smtClean="0">
+                <a:ln>
+                  <a:noFill/>
+                </a:ln>
+                <a:solidFill>
+                  <a:schemeClr val="tx1"/>
+                </a:solidFill>
+                <a:effectLst/>
+                <a:latin typeface="Arial" panose="020B0604020202020204" pitchFamily="34" charset="0"/>
+              </a:rPr>
+              <a:t>and add a column.</a:t>
+            </a:r>
           </a:p>
         </p:txBody>
       </p:sp>
